--- a/Presentation_neural_network.pptx
+++ b/Presentation_neural_network.pptx
@@ -5,10 +5,10 @@
     <p:sldMasterId id="2147483648" r:id="rId1"/>
   </p:sldMasterIdLst>
   <p:notesMasterIdLst>
-    <p:notesMasterId r:id="rId14"/>
+    <p:notesMasterId r:id="rId15"/>
   </p:notesMasterIdLst>
   <p:handoutMasterIdLst>
-    <p:handoutMasterId r:id="rId15"/>
+    <p:handoutMasterId r:id="rId16"/>
   </p:handoutMasterIdLst>
   <p:sldIdLst>
     <p:sldId id="276" r:id="rId2"/>
@@ -22,7 +22,8 @@
     <p:sldId id="288" r:id="rId10"/>
     <p:sldId id="274" r:id="rId11"/>
     <p:sldId id="289" r:id="rId12"/>
-    <p:sldId id="280" r:id="rId13"/>
+    <p:sldId id="290" r:id="rId13"/>
+    <p:sldId id="280" r:id="rId14"/>
   </p:sldIdLst>
   <p:sldSz cx="9144000" cy="5143500" type="screen16x9"/>
   <p:notesSz cx="13004800" cy="9753600"/>
@@ -123,7 +124,7 @@
   </p:defaultTextStyle>
   <p:extLst>
     <p:ext uri="{EFAFB233-063F-42B5-8137-9DF3F51BA10A}">
-      <p15:sldGuideLst xmlns:p15="http://schemas.microsoft.com/office/powerpoint/2012/main" xmlns="">
+      <p15:sldGuideLst xmlns:p15="http://schemas.microsoft.com/office/powerpoint/2012/main">
         <p15:guide id="1" orient="horz" pos="1428">
           <p15:clr>
             <a:srgbClr val="A4A3A4"/>
@@ -226,7 +227,7 @@
             <a:fld id="{527C248A-E294-104F-8549-45F3DC0426E3}" type="datetime1">
               <a:rPr lang="de-DE" smtClean="0"/>
               <a:pPr/>
-              <a:t>04.09.2019</a:t>
+              <a:t>06.09.2019</a:t>
             </a:fld>
             <a:endParaRPr lang="de-DE"/>
           </a:p>
@@ -293,7 +294,7 @@
             <a:fld id="{747525CF-7212-804E-9855-29706471529B}" type="slidenum">
               <a:rPr lang="de-DE" smtClean="0"/>
               <a:pPr/>
-              <a:t>‹Nr.›</a:t>
+              <a:t>‹#›</a:t>
             </a:fld>
             <a:endParaRPr lang="de-DE"/>
           </a:p>
@@ -302,7 +303,7 @@
     </p:spTree>
     <p:extLst>
       <p:ext uri="{BB962C8B-B14F-4D97-AF65-F5344CB8AC3E}">
-        <p14:creationId xmlns:p14="http://schemas.microsoft.com/office/powerpoint/2010/main" xmlns="" val="278391227"/>
+        <p14:creationId xmlns:p14="http://schemas.microsoft.com/office/powerpoint/2010/main" val="278391227"/>
       </p:ext>
     </p:extLst>
   </p:cSld>
@@ -397,7 +398,7 @@
             <a:fld id="{9E769745-F869-354D-93AB-31F3495071FA}" type="datetime1">
               <a:rPr lang="de-DE" smtClean="0"/>
               <a:pPr/>
-              <a:t>04.09.2019</a:t>
+              <a:t>05.09.2019</a:t>
             </a:fld>
             <a:endParaRPr lang="de-DE"/>
           </a:p>
@@ -558,7 +559,7 @@
             <a:fld id="{584A433B-D369-FE47-BCB2-D5C24AAD91F8}" type="slidenum">
               <a:rPr lang="de-DE" smtClean="0"/>
               <a:pPr/>
-              <a:t>‹Nr.›</a:t>
+              <a:t>‹#›</a:t>
             </a:fld>
             <a:endParaRPr lang="de-DE"/>
           </a:p>
@@ -567,7 +568,7 @@
     </p:spTree>
     <p:extLst>
       <p:ext uri="{BB962C8B-B14F-4D97-AF65-F5344CB8AC3E}">
-        <p14:creationId xmlns:p14="http://schemas.microsoft.com/office/powerpoint/2010/main" xmlns="" val="1835036148"/>
+        <p14:creationId xmlns:p14="http://schemas.microsoft.com/office/powerpoint/2010/main" val="1835036148"/>
       </p:ext>
     </p:extLst>
   </p:cSld>
@@ -750,7 +751,7 @@
     </p:spTree>
     <p:extLst>
       <p:ext uri="{BB962C8B-B14F-4D97-AF65-F5344CB8AC3E}">
-        <p14:creationId xmlns:p14="http://schemas.microsoft.com/office/powerpoint/2010/main" xmlns="" val="4010995195"/>
+        <p14:creationId xmlns:p14="http://schemas.microsoft.com/office/powerpoint/2010/main" val="4010995195"/>
       </p:ext>
     </p:extLst>
   </p:cSld>
@@ -842,7 +843,7 @@
     </p:spTree>
     <p:extLst>
       <p:ext uri="{BB962C8B-B14F-4D97-AF65-F5344CB8AC3E}">
-        <p14:creationId xmlns:p14="http://schemas.microsoft.com/office/powerpoint/2010/main" xmlns="" val="124101984"/>
+        <p14:creationId xmlns:p14="http://schemas.microsoft.com/office/powerpoint/2010/main" val="124101984"/>
       </p:ext>
     </p:extLst>
   </p:cSld>
@@ -934,7 +935,99 @@
     </p:spTree>
     <p:extLst>
       <p:ext uri="{BB962C8B-B14F-4D97-AF65-F5344CB8AC3E}">
-        <p14:creationId xmlns:p14="http://schemas.microsoft.com/office/powerpoint/2010/main" xmlns="" val="2816153220"/>
+        <p14:creationId xmlns:p14="http://schemas.microsoft.com/office/powerpoint/2010/main" val="3737912654"/>
+      </p:ext>
+    </p:extLst>
+  </p:cSld>
+  <p:clrMapOvr>
+    <a:masterClrMapping/>
+  </p:clrMapOvr>
+</p:notes>
+</file>
+
+<file path=ppt/notesSlides/notesSlide12.xml><?xml version="1.0" encoding="utf-8"?>
+<p:notes xmlns:a="http://schemas.openxmlformats.org/drawingml/2006/main" xmlns:r="http://schemas.openxmlformats.org/officeDocument/2006/relationships" xmlns:p="http://schemas.openxmlformats.org/presentationml/2006/main">
+  <p:cSld>
+    <p:spTree>
+      <p:nvGrpSpPr>
+        <p:cNvPr id="1" name=""/>
+        <p:cNvGrpSpPr/>
+        <p:nvPr/>
+      </p:nvGrpSpPr>
+      <p:grpSpPr>
+        <a:xfrm>
+          <a:off x="0" y="0"/>
+          <a:ext cx="0" cy="0"/>
+          <a:chOff x="0" y="0"/>
+          <a:chExt cx="0" cy="0"/>
+        </a:xfrm>
+      </p:grpSpPr>
+      <p:sp>
+        <p:nvSpPr>
+          <p:cNvPr id="2" name="Folienbildplatzhalter 1"/>
+          <p:cNvSpPr>
+            <a:spLocks noGrp="1" noRot="1" noChangeAspect="1"/>
+          </p:cNvSpPr>
+          <p:nvPr>
+            <p:ph type="sldImg"/>
+          </p:nvPr>
+        </p:nvSpPr>
+        <p:spPr>
+          <a:xfrm>
+            <a:off x="3251200" y="731838"/>
+            <a:ext cx="6502400" cy="3657600"/>
+          </a:xfrm>
+        </p:spPr>
+      </p:sp>
+      <p:sp>
+        <p:nvSpPr>
+          <p:cNvPr id="3" name="Notizenplatzhalter 2"/>
+          <p:cNvSpPr>
+            <a:spLocks noGrp="1"/>
+          </p:cNvSpPr>
+          <p:nvPr>
+            <p:ph type="body" idx="1"/>
+          </p:nvPr>
+        </p:nvSpPr>
+        <p:spPr/>
+        <p:txBody>
+          <a:bodyPr>
+            <a:normAutofit/>
+          </a:bodyPr>
+          <a:lstStyle/>
+          <a:p>
+            <a:endParaRPr lang="de-DE"/>
+          </a:p>
+        </p:txBody>
+      </p:sp>
+      <p:sp>
+        <p:nvSpPr>
+          <p:cNvPr id="4" name="Foliennummernplatzhalter 3"/>
+          <p:cNvSpPr>
+            <a:spLocks noGrp="1"/>
+          </p:cNvSpPr>
+          <p:nvPr>
+            <p:ph type="sldNum" sz="quarter" idx="10"/>
+          </p:nvPr>
+        </p:nvSpPr>
+        <p:spPr/>
+        <p:txBody>
+          <a:bodyPr/>
+          <a:lstStyle/>
+          <a:p>
+            <a:fld id="{584A433B-D369-FE47-BCB2-D5C24AAD91F8}" type="slidenum">
+              <a:rPr lang="de-DE" smtClean="0"/>
+              <a:pPr/>
+              <a:t>13</a:t>
+            </a:fld>
+            <a:endParaRPr lang="de-DE"/>
+          </a:p>
+        </p:txBody>
+      </p:sp>
+    </p:spTree>
+    <p:extLst>
+      <p:ext uri="{BB962C8B-B14F-4D97-AF65-F5344CB8AC3E}">
+        <p14:creationId xmlns:p14="http://schemas.microsoft.com/office/powerpoint/2010/main" val="2816153220"/>
       </p:ext>
     </p:extLst>
   </p:cSld>
@@ -1026,7 +1119,7 @@
     </p:spTree>
     <p:extLst>
       <p:ext uri="{BB962C8B-B14F-4D97-AF65-F5344CB8AC3E}">
-        <p14:creationId xmlns:p14="http://schemas.microsoft.com/office/powerpoint/2010/main" xmlns="" val="3910434236"/>
+        <p14:creationId xmlns:p14="http://schemas.microsoft.com/office/powerpoint/2010/main" val="3910434236"/>
       </p:ext>
     </p:extLst>
   </p:cSld>
@@ -1118,7 +1211,7 @@
     </p:spTree>
     <p:extLst>
       <p:ext uri="{BB962C8B-B14F-4D97-AF65-F5344CB8AC3E}">
-        <p14:creationId xmlns:p14="http://schemas.microsoft.com/office/powerpoint/2010/main" xmlns="" val="2746223400"/>
+        <p14:creationId xmlns:p14="http://schemas.microsoft.com/office/powerpoint/2010/main" val="2746223400"/>
       </p:ext>
     </p:extLst>
   </p:cSld>
@@ -1210,7 +1303,7 @@
     </p:spTree>
     <p:extLst>
       <p:ext uri="{BB962C8B-B14F-4D97-AF65-F5344CB8AC3E}">
-        <p14:creationId xmlns:p14="http://schemas.microsoft.com/office/powerpoint/2010/main" xmlns="" val="4105718017"/>
+        <p14:creationId xmlns:p14="http://schemas.microsoft.com/office/powerpoint/2010/main" val="4105718017"/>
       </p:ext>
     </p:extLst>
   </p:cSld>
@@ -1302,7 +1395,7 @@
     </p:spTree>
     <p:extLst>
       <p:ext uri="{BB962C8B-B14F-4D97-AF65-F5344CB8AC3E}">
-        <p14:creationId xmlns:p14="http://schemas.microsoft.com/office/powerpoint/2010/main" xmlns="" val="1189541815"/>
+        <p14:creationId xmlns:p14="http://schemas.microsoft.com/office/powerpoint/2010/main" val="1189541815"/>
       </p:ext>
     </p:extLst>
   </p:cSld>
@@ -1394,7 +1487,7 @@
     </p:spTree>
     <p:extLst>
       <p:ext uri="{BB962C8B-B14F-4D97-AF65-F5344CB8AC3E}">
-        <p14:creationId xmlns:p14="http://schemas.microsoft.com/office/powerpoint/2010/main" xmlns="" val="3995083236"/>
+        <p14:creationId xmlns:p14="http://schemas.microsoft.com/office/powerpoint/2010/main" val="3995083236"/>
       </p:ext>
     </p:extLst>
   </p:cSld>
@@ -1486,7 +1579,7 @@
     </p:spTree>
     <p:extLst>
       <p:ext uri="{BB962C8B-B14F-4D97-AF65-F5344CB8AC3E}">
-        <p14:creationId xmlns:p14="http://schemas.microsoft.com/office/powerpoint/2010/main" xmlns="" val="2281526585"/>
+        <p14:creationId xmlns:p14="http://schemas.microsoft.com/office/powerpoint/2010/main" val="2281526585"/>
       </p:ext>
     </p:extLst>
   </p:cSld>
@@ -1578,7 +1671,7 @@
     </p:spTree>
     <p:extLst>
       <p:ext uri="{BB962C8B-B14F-4D97-AF65-F5344CB8AC3E}">
-        <p14:creationId xmlns:p14="http://schemas.microsoft.com/office/powerpoint/2010/main" xmlns="" val="4150209606"/>
+        <p14:creationId xmlns:p14="http://schemas.microsoft.com/office/powerpoint/2010/main" val="4150209606"/>
       </p:ext>
     </p:extLst>
   </p:cSld>
@@ -1820,7 +1913,7 @@
             <a:fld id="{6E032509-F23B-C64B-A803-42EE7C939400}" type="datetime1">
               <a:rPr lang="de-DE" smtClean="0"/>
               <a:pPr/>
-              <a:t>04.09.2019</a:t>
+              <a:t>05.09.2019</a:t>
             </a:fld>
             <a:endParaRPr lang="en-US" dirty="0"/>
           </a:p>
@@ -1862,7 +1955,7 @@
             <a:fld id="{B6F15528-21DE-4FAA-801E-634DDDAF4B2B}" type="slidenum">
               <a:rPr lang="de-DE" smtClean="0"/>
               <a:pPr/>
-              <a:t>‹Nr.›</a:t>
+              <a:t>‹#›</a:t>
             </a:fld>
             <a:endParaRPr lang="de-DE" dirty="0"/>
           </a:p>
@@ -2114,7 +2207,7 @@
             <a:fld id="{B5A66739-710B-D346-A76A-8EF9969DF470}" type="datetime1">
               <a:rPr lang="de-DE" smtClean="0"/>
               <a:pPr/>
-              <a:t>04.09.2019</a:t>
+              <a:t>05.09.2019</a:t>
             </a:fld>
             <a:endParaRPr lang="en-US" dirty="0"/>
           </a:p>
@@ -2156,7 +2249,7 @@
             <a:fld id="{B6F15528-21DE-4FAA-801E-634DDDAF4B2B}" type="slidenum">
               <a:rPr lang="de-DE" smtClean="0"/>
               <a:pPr/>
-              <a:t>‹Nr.›</a:t>
+              <a:t>‹#›</a:t>
             </a:fld>
             <a:endParaRPr lang="de-DE" dirty="0"/>
           </a:p>
@@ -2347,7 +2440,7 @@
             <a:fld id="{A4825082-582E-244C-854F-D05B274BA6D7}" type="datetime1">
               <a:rPr lang="de-DE" smtClean="0"/>
               <a:pPr/>
-              <a:t>04.09.2019</a:t>
+              <a:t>05.09.2019</a:t>
             </a:fld>
             <a:endParaRPr lang="en-US" dirty="0"/>
           </a:p>
@@ -2389,7 +2482,7 @@
             <a:fld id="{B6F15528-21DE-4FAA-801E-634DDDAF4B2B}" type="slidenum">
               <a:rPr lang="de-DE" smtClean="0"/>
               <a:pPr/>
-              <a:t>‹Nr.›</a:t>
+              <a:t>‹#›</a:t>
             </a:fld>
             <a:endParaRPr lang="de-DE" dirty="0"/>
           </a:p>
@@ -2625,7 +2718,7 @@
             <a:fld id="{B5CC66E1-990F-8549-B27F-AF4A6CC69BA6}" type="datetime1">
               <a:rPr lang="de-DE" smtClean="0"/>
               <a:pPr/>
-              <a:t>04.09.2019</a:t>
+              <a:t>05.09.2019</a:t>
             </a:fld>
             <a:endParaRPr lang="en-US" dirty="0"/>
           </a:p>
@@ -2726,7 +2819,7 @@
             <a:fld id="{B6F15528-21DE-4FAA-801E-634DDDAF4B2B}" type="slidenum">
               <a:rPr lang="de-DE" smtClean="0"/>
               <a:pPr/>
-              <a:t>‹Nr.›</a:t>
+              <a:t>‹#›</a:t>
             </a:fld>
             <a:endParaRPr lang="de-DE" dirty="0"/>
           </a:p>
@@ -2966,7 +3059,7 @@
             <a:fld id="{A2269F1F-3B2D-2E43-ACEB-AE0978F89715}" type="datetime1">
               <a:rPr lang="de-DE" smtClean="0"/>
               <a:pPr/>
-              <a:t>04.09.2019</a:t>
+              <a:t>05.09.2019</a:t>
             </a:fld>
             <a:endParaRPr lang="en-US" dirty="0"/>
           </a:p>
@@ -3047,7 +3140,7 @@
             <a:fld id="{B6F15528-21DE-4FAA-801E-634DDDAF4B2B}" type="slidenum">
               <a:rPr lang="de-DE" smtClean="0"/>
               <a:pPr/>
-              <a:t>‹Nr.›</a:t>
+              <a:t>‹#›</a:t>
             </a:fld>
             <a:endParaRPr lang="de-DE" dirty="0"/>
           </a:p>
@@ -3298,7 +3391,7 @@
             <a:fld id="{528B2B95-229A-6C4B-A656-3D33B7154AAB}" type="datetime1">
               <a:rPr lang="de-DE" smtClean="0"/>
               <a:pPr/>
-              <a:t>04.09.2019</a:t>
+              <a:t>05.09.2019</a:t>
             </a:fld>
             <a:endParaRPr lang="en-US" dirty="0"/>
           </a:p>
@@ -3340,7 +3433,7 @@
             <a:fld id="{B6F15528-21DE-4FAA-801E-634DDDAF4B2B}" type="slidenum">
               <a:rPr lang="de-DE" smtClean="0"/>
               <a:pPr/>
-              <a:t>‹Nr.›</a:t>
+              <a:t>‹#›</a:t>
             </a:fld>
             <a:endParaRPr lang="de-DE" dirty="0"/>
           </a:p>
@@ -3676,15 +3769,7 @@
           <a:p>
             <a:r>
               <a:rPr lang="de-DE" b="1" dirty="0"/>
-              <a:t>Alex </a:t>
-            </a:r>
-            <a:r>
-              <a:rPr lang="de-DE" b="1" dirty="0" smtClean="0"/>
-              <a:t>Afanasev </a:t>
-            </a:r>
-            <a:r>
-              <a:rPr lang="de-DE" b="1" dirty="0"/>
-              <a:t>&amp; Jacqueline Seufert</a:t>
+              <a:t>Alex Afanasev &amp; Jacqueline Seufert</a:t>
             </a:r>
           </a:p>
         </p:txBody>
@@ -3694,13 +3779,6 @@
   <p:clrMapOvr>
     <a:masterClrMapping/>
   </p:clrMapOvr>
-  <p:timing>
-    <p:tnLst>
-      <p:par>
-        <p:cTn id="1" dur="indefinite" restart="never" nodeType="tmRoot"/>
-      </p:par>
-    </p:tnLst>
-  </p:timing>
 </p:sld>
 </file>
 
@@ -3739,7 +3817,7 @@
             <a:fld id="{2CA8961E-5F42-FE47-9973-7751D18F26D5}" type="datetime1">
               <a:rPr lang="de-DE" smtClean="0"/>
               <a:pPr/>
-              <a:t>04.09.2019</a:t>
+              <a:t>05.09.2019</a:t>
             </a:fld>
             <a:endParaRPr lang="en-US" dirty="0"/>
           </a:p>
@@ -3774,7 +3852,7 @@
           <p:cNvPr id="7" name="Holder 4">
             <a:extLst>
               <a:ext uri="{FF2B5EF4-FFF2-40B4-BE49-F238E27FC236}">
-                <a16:creationId xmlns:a16="http://schemas.microsoft.com/office/drawing/2014/main" xmlns="" id="{1B191B0D-CA30-4F3D-8FCE-22E3D134FBF2}"/>
+                <a16:creationId xmlns:a16="http://schemas.microsoft.com/office/drawing/2014/main" id="{1B191B0D-CA30-4F3D-8FCE-22E3D134FBF2}"/>
               </a:ext>
             </a:extLst>
           </p:cNvPr>
@@ -3846,7 +3924,7 @@
           <p:cNvPr id="3" name="Title 2">
             <a:extLst>
               <a:ext uri="{FF2B5EF4-FFF2-40B4-BE49-F238E27FC236}">
-                <a16:creationId xmlns:a16="http://schemas.microsoft.com/office/drawing/2014/main" xmlns="" id="{6CC41551-2ECC-427A-AAC7-C01E6C772C78}"/>
+                <a16:creationId xmlns:a16="http://schemas.microsoft.com/office/drawing/2014/main" id="{6CC41551-2ECC-427A-AAC7-C01E6C772C78}"/>
               </a:ext>
             </a:extLst>
           </p:cNvPr>
@@ -3875,7 +3953,7 @@
           <p:cNvPr id="8" name="TextBox 4">
             <a:extLst>
               <a:ext uri="{FF2B5EF4-FFF2-40B4-BE49-F238E27FC236}">
-                <a16:creationId xmlns:a16="http://schemas.microsoft.com/office/drawing/2014/main" xmlns="" id="{065F3292-7E92-40EC-866E-132DF794CA17}"/>
+                <a16:creationId xmlns:a16="http://schemas.microsoft.com/office/drawing/2014/main" id="{065F3292-7E92-40EC-866E-132DF794CA17}"/>
               </a:ext>
             </a:extLst>
           </p:cNvPr>
@@ -3899,7 +3977,7 @@
           <a:lstStyle/>
           <a:p>
             <a:r>
-              <a:rPr lang="en-US" sz="1800" b="1" dirty="0" smtClean="0">
+              <a:rPr lang="en-US" sz="1800" b="1" dirty="0">
                 <a:solidFill>
                   <a:srgbClr val="575756"/>
                 </a:solidFill>
@@ -3908,7 +3986,7 @@
               <a:t>A R Package for creating beautiful partial dependence plots for Neural Networks using ggplot2, </a:t>
             </a:r>
             <a:r>
-              <a:rPr lang="en-US" sz="1800" b="1" dirty="0" err="1" smtClean="0">
+              <a:rPr lang="en-US" sz="1800" b="1" dirty="0" err="1">
                 <a:solidFill>
                   <a:srgbClr val="575756"/>
                 </a:solidFill>
@@ -3917,7 +3995,7 @@
               <a:t>plotly</a:t>
             </a:r>
             <a:r>
-              <a:rPr lang="en-US" sz="1800" b="1" dirty="0" smtClean="0">
+              <a:rPr lang="en-US" sz="1800" b="1" dirty="0">
                 <a:solidFill>
                   <a:srgbClr val="575756"/>
                 </a:solidFill>
@@ -4012,13 +4090,6 @@
   <p:transition>
     <p:fade/>
   </p:transition>
-  <p:timing>
-    <p:tnLst>
-      <p:par>
-        <p:cTn id="1" dur="indefinite" restart="never" nodeType="tmRoot"/>
-      </p:par>
-    </p:tnLst>
-  </p:timing>
 </p:sld>
 </file>
 
@@ -4055,7 +4126,7 @@
           <a:lstStyle/>
           <a:p>
             <a:r>
-              <a:rPr lang="de-DE" dirty="0" err="1" smtClean="0"/>
+              <a:rPr lang="de-DE" dirty="0" err="1"/>
               <a:t>Functions</a:t>
             </a:r>
             <a:endParaRPr lang="de-DE" dirty="0"/>
@@ -4080,7 +4151,7 @@
             <a:fld id="{2CA8961E-5F42-FE47-9973-7751D18F26D5}" type="datetime1">
               <a:rPr lang="de-DE" smtClean="0"/>
               <a:pPr/>
-              <a:t>04.09.2019</a:t>
+              <a:t>05.09.2019</a:t>
             </a:fld>
             <a:endParaRPr lang="en-US" dirty="0"/>
           </a:p>
@@ -4115,7 +4186,7 @@
           <p:cNvPr id="7" name="Holder 4">
             <a:extLst>
               <a:ext uri="{FF2B5EF4-FFF2-40B4-BE49-F238E27FC236}">
-                <a16:creationId xmlns:a16="http://schemas.microsoft.com/office/drawing/2014/main" xmlns="" id="{1B191B0D-CA30-4F3D-8FCE-22E3D134FBF2}"/>
+                <a16:creationId xmlns:a16="http://schemas.microsoft.com/office/drawing/2014/main" id="{1B191B0D-CA30-4F3D-8FCE-22E3D134FBF2}"/>
               </a:ext>
             </a:extLst>
           </p:cNvPr>
@@ -4187,7 +4258,7 @@
           <p:cNvPr id="8" name="TextBox 4">
             <a:extLst>
               <a:ext uri="{FF2B5EF4-FFF2-40B4-BE49-F238E27FC236}">
-                <a16:creationId xmlns:a16="http://schemas.microsoft.com/office/drawing/2014/main" xmlns="" id="{065F3292-7E92-40EC-866E-132DF794CA17}"/>
+                <a16:creationId xmlns:a16="http://schemas.microsoft.com/office/drawing/2014/main" id="{065F3292-7E92-40EC-866E-132DF794CA17}"/>
               </a:ext>
             </a:extLst>
           </p:cNvPr>
@@ -4211,13 +4282,13 @@
           <a:lstStyle/>
           <a:p>
             <a:r>
-              <a:rPr lang="en-GB" sz="1800" b="1" dirty="0" smtClean="0">
+              <a:rPr lang="en-GB" sz="1800" b="1" dirty="0">
                 <a:solidFill>
                   <a:srgbClr val="575756"/>
                 </a:solidFill>
                 <a:latin typeface="DINPro"/>
               </a:rPr>
-              <a:t>Step by step procedure:</a:t>
+              <a:t>Step-by-step procedure:</a:t>
             </a:r>
           </a:p>
           <a:p>
@@ -4226,7 +4297,7 @@
               <a:buAutoNum type="arabicPeriod"/>
             </a:pPr>
             <a:r>
-              <a:rPr lang="en-GB" sz="1800" dirty="0" smtClean="0">
+              <a:rPr lang="en-GB" sz="1800" dirty="0">
                 <a:solidFill>
                   <a:srgbClr val="575756"/>
                 </a:solidFill>
@@ -4235,7 +4306,7 @@
               <a:t>Fit  a neural network using the </a:t>
             </a:r>
             <a:r>
-              <a:rPr lang="en-GB" sz="1800" b="1" dirty="0" err="1" smtClean="0">
+              <a:rPr lang="en-GB" sz="1800" b="1" dirty="0" err="1">
                 <a:solidFill>
                   <a:srgbClr val="575756"/>
                 </a:solidFill>
@@ -4244,7 +4315,7 @@
               <a:t>NeuralNetwork</a:t>
             </a:r>
             <a:r>
-              <a:rPr lang="en-GB" sz="1800" dirty="0" smtClean="0">
+              <a:rPr lang="en-GB" sz="1800" dirty="0">
                 <a:solidFill>
                   <a:srgbClr val="575756"/>
                 </a:solidFill>
@@ -4253,7 +4324,7 @@
               <a:t> class (uses the famous </a:t>
             </a:r>
             <a:r>
-              <a:rPr lang="en-GB" sz="1800" dirty="0" err="1" smtClean="0">
+              <a:rPr lang="en-GB" sz="1800" dirty="0" err="1">
                 <a:solidFill>
                   <a:srgbClr val="575756"/>
                 </a:solidFill>
@@ -4262,7 +4333,7 @@
               <a:t>neuralnet</a:t>
             </a:r>
             <a:r>
-              <a:rPr lang="en-GB" sz="1800" dirty="0" smtClean="0">
+              <a:rPr lang="en-GB" sz="1800" dirty="0">
                 <a:solidFill>
                   <a:srgbClr val="575756"/>
                 </a:solidFill>
@@ -4277,7 +4348,7 @@
               <a:buAutoNum type="arabicPeriod"/>
             </a:pPr>
             <a:r>
-              <a:rPr lang="en-GB" sz="1800" dirty="0" smtClean="0">
+              <a:rPr lang="en-GB" sz="1800" dirty="0">
                 <a:solidFill>
                   <a:srgbClr val="575756"/>
                 </a:solidFill>
@@ -4286,7 +4357,7 @@
               <a:t>Create visualizations of the partial dependencies using the </a:t>
             </a:r>
             <a:r>
-              <a:rPr lang="en-GB" sz="1800" b="1" dirty="0" err="1" smtClean="0">
+              <a:rPr lang="en-GB" sz="1800" b="1" dirty="0" err="1">
                 <a:solidFill>
                   <a:srgbClr val="575756"/>
                 </a:solidFill>
@@ -4295,16 +4366,16 @@
               <a:t>plot_partial_dependencies</a:t>
             </a:r>
             <a:r>
-              <a:rPr lang="en-GB" sz="1800" dirty="0" smtClean="0">
+              <a:rPr lang="en-GB" sz="1800" dirty="0">
                 <a:solidFill>
                   <a:srgbClr val="575756"/>
                 </a:solidFill>
                 <a:latin typeface="DINPro"/>
               </a:rPr>
-              <a:t> function (creates visualizations in ggplot2 and if wanted in </a:t>
-            </a:r>
-            <a:r>
-              <a:rPr lang="en-GB" sz="1800" dirty="0" err="1" smtClean="0">
+              <a:t> function (This creates visualizations in ggplot2 and if wanted in </a:t>
+            </a:r>
+            <a:r>
+              <a:rPr lang="en-GB" sz="1800" dirty="0" err="1">
                 <a:solidFill>
                   <a:srgbClr val="575756"/>
                 </a:solidFill>
@@ -4313,7 +4384,7 @@
               <a:t>plotly</a:t>
             </a:r>
             <a:r>
-              <a:rPr lang="en-GB" sz="1800" dirty="0" smtClean="0">
+              <a:rPr lang="en-GB" sz="1800" dirty="0">
                 <a:solidFill>
                   <a:srgbClr val="575756"/>
                 </a:solidFill>
@@ -4328,7 +4399,7 @@
               <a:buAutoNum type="arabicPeriod"/>
             </a:pPr>
             <a:r>
-              <a:rPr lang="en-GB" sz="1800" dirty="0" smtClean="0">
+              <a:rPr lang="en-GB" sz="1800" dirty="0">
                 <a:solidFill>
                   <a:srgbClr val="575756"/>
                 </a:solidFill>
@@ -4337,7 +4408,7 @@
               <a:t>Visualize the plots inside a shiny app using the function </a:t>
             </a:r>
             <a:r>
-              <a:rPr lang="en-GB" sz="1800" b="1" dirty="0" err="1" smtClean="0">
+              <a:rPr lang="en-GB" sz="1800" b="1" dirty="0" err="1">
                 <a:solidFill>
                   <a:srgbClr val="575756"/>
                 </a:solidFill>
@@ -4345,19 +4416,7 @@
               </a:rPr>
               <a:t>run_shiny_app</a:t>
             </a:r>
-            <a:endParaRPr lang="en-GB" sz="1800" b="1" dirty="0" smtClean="0">
-              <a:solidFill>
-                <a:srgbClr val="575756"/>
-              </a:solidFill>
-              <a:latin typeface="DINPro"/>
-            </a:endParaRPr>
-          </a:p>
-          <a:p>
-            <a:pPr marL="629884" lvl="1" indent="-342900">
-              <a:buFont typeface="+mj-lt"/>
-              <a:buAutoNum type="arabicPeriod"/>
-            </a:pPr>
-            <a:endParaRPr lang="en-GB" sz="1800" dirty="0" smtClean="0">
+            <a:endParaRPr lang="en-GB" sz="1800" b="1" dirty="0">
               <a:solidFill>
                 <a:srgbClr val="575756"/>
               </a:solidFill>
@@ -4377,6 +4436,18 @@
             </a:endParaRPr>
           </a:p>
           <a:p>
+            <a:pPr marL="629884" lvl="1" indent="-342900">
+              <a:buFont typeface="+mj-lt"/>
+              <a:buAutoNum type="arabicPeriod"/>
+            </a:pPr>
+            <a:endParaRPr lang="en-GB" sz="1800" dirty="0">
+              <a:solidFill>
+                <a:srgbClr val="575756"/>
+              </a:solidFill>
+              <a:latin typeface="DINPro"/>
+            </a:endParaRPr>
+          </a:p>
+          <a:p>
             <a:pPr algn="l"/>
             <a:endParaRPr lang="en-GB" b="1" dirty="0"/>
           </a:p>
@@ -4385,7 +4456,7 @@
     </p:spTree>
     <p:extLst>
       <p:ext uri="{BB962C8B-B14F-4D97-AF65-F5344CB8AC3E}">
-        <p14:creationId xmlns:p14="http://schemas.microsoft.com/office/powerpoint/2010/main" xmlns="" val="1335231998"/>
+        <p14:creationId xmlns:p14="http://schemas.microsoft.com/office/powerpoint/2010/main" val="1335231998"/>
       </p:ext>
     </p:extLst>
   </p:cSld>
@@ -4395,13 +4466,6 @@
   <p:transition>
     <p:fade/>
   </p:transition>
-  <p:timing>
-    <p:tnLst>
-      <p:par>
-        <p:cTn id="1" dur="indefinite" restart="never" nodeType="tmRoot"/>
-      </p:par>
-    </p:tnLst>
-  </p:timing>
 </p:sld>
 </file>
 
@@ -4424,133 +4488,69 @@
       </p:grpSpPr>
       <p:sp>
         <p:nvSpPr>
-          <p:cNvPr id="12" name="Inhaltsplatzhalter 11"/>
+          <p:cNvPr id="11" name="Titel 10"/>
           <p:cNvSpPr>
             <a:spLocks noGrp="1"/>
           </p:cNvSpPr>
           <p:nvPr>
-            <p:ph sz="half" idx="10"/>
+            <p:ph type="title"/>
           </p:nvPr>
         </p:nvSpPr>
         <p:spPr>
           <a:xfrm>
-            <a:off x="285720" y="1500180"/>
-            <a:ext cx="8501122" cy="2492990"/>
+            <a:off x="645612" y="809040"/>
+            <a:ext cx="7623279" cy="323165"/>
           </a:xfrm>
         </p:spPr>
         <p:txBody>
           <a:bodyPr/>
           <a:lstStyle/>
           <a:p>
-            <a:pPr marL="285750" indent="-285750">
-              <a:buFont typeface="Arial" panose="020B0604020202020204" pitchFamily="34" charset="0"/>
-              <a:buChar char="•"/>
-            </a:pPr>
-            <a:r>
-              <a:rPr lang="en-US" dirty="0"/>
-              <a:t>In "Neural Network Primer: Part I" by Maureen Caudill, AI Expert, Feb. 1989</a:t>
-            </a:r>
-          </a:p>
-          <a:p>
-            <a:pPr marL="285750" indent="-285750">
-              <a:buFont typeface="Arial" panose="020B0604020202020204" pitchFamily="34" charset="0"/>
-              <a:buChar char="•"/>
-            </a:pPr>
-            <a:r>
-              <a:rPr lang="de-DE" dirty="0">
-                <a:hlinkClick r:id="rId3"/>
-              </a:rPr>
-              <a:t>https://towardsdatascience.com/first-neural-network-for-beginners-explained-with-code-4cfd37e06eaf</a:t>
+            <a:r>
+              <a:rPr lang="de-DE" dirty="0" err="1"/>
+              <a:t>Recommendtions</a:t>
+            </a:r>
+            <a:r>
+              <a:rPr lang="de-DE" dirty="0"/>
+              <a:t> </a:t>
+            </a:r>
+            <a:r>
+              <a:rPr lang="de-DE" dirty="0" err="1"/>
+              <a:t>beyond</a:t>
+            </a:r>
+            <a:r>
+              <a:rPr lang="de-DE" dirty="0"/>
+              <a:t> </a:t>
+            </a:r>
+            <a:r>
+              <a:rPr lang="de-DE" dirty="0" err="1"/>
+              <a:t>the</a:t>
+            </a:r>
+            <a:r>
+              <a:rPr lang="de-DE" dirty="0"/>
+              <a:t> </a:t>
+            </a:r>
+            <a:r>
+              <a:rPr lang="de-DE" dirty="0" err="1"/>
+              <a:t>scope</a:t>
+            </a:r>
+            <a:r>
+              <a:rPr lang="de-DE" dirty="0"/>
+              <a:t> </a:t>
+            </a:r>
+            <a:r>
+              <a:rPr lang="de-DE" dirty="0" err="1"/>
+              <a:t>of</a:t>
+            </a:r>
+            <a:r>
+              <a:rPr lang="de-DE" dirty="0"/>
+              <a:t> </a:t>
+            </a:r>
+            <a:r>
+              <a:rPr lang="de-DE" dirty="0" err="1"/>
+              <a:t>NeuralNetworkVisualization</a:t>
             </a:r>
             <a:endParaRPr lang="de-DE" dirty="0"/>
-          </a:p>
-          <a:p>
-            <a:pPr marL="285750" indent="-285750">
-              <a:buFont typeface="Arial" panose="020B0604020202020204" pitchFamily="34" charset="0"/>
-              <a:buChar char="•"/>
-            </a:pPr>
-            <a:r>
-              <a:rPr lang="de-DE" dirty="0">
-                <a:hlinkClick r:id="rId4"/>
-              </a:rPr>
-              <a:t>https://www.datacamp.com/community/tutorials/neural-network-models-r</a:t>
-            </a:r>
-            <a:endParaRPr lang="de-DE" dirty="0"/>
-          </a:p>
-          <a:p>
-            <a:pPr marL="285750" indent="-285750">
-              <a:buFont typeface="Arial" panose="020B0604020202020204" pitchFamily="34" charset="0"/>
-              <a:buChar char="•"/>
-            </a:pPr>
-            <a:r>
-              <a:rPr lang="en-US" dirty="0"/>
-              <a:t>Friedman, J. H. (2001) Greedy function approximation: A gradient boosting machine. Annals </a:t>
-            </a:r>
-            <a:r>
-              <a:rPr lang="en-GB" dirty="0"/>
-              <a:t>of Statistics, 29, 1189 - 1232.</a:t>
-            </a:r>
-          </a:p>
-          <a:p>
-            <a:pPr marL="285750" indent="-285750">
-              <a:buFont typeface="Arial" panose="020B0604020202020204" pitchFamily="34" charset="0"/>
-              <a:buChar char="•"/>
-            </a:pPr>
-            <a:r>
-              <a:rPr lang="de-DE" dirty="0">
-                <a:hlinkClick r:id="rId5"/>
-              </a:rPr>
-              <a:t>https://towardsdatascience.com/introducing-pdpbox-2aa820afd312</a:t>
-            </a:r>
-            <a:endParaRPr lang="de-DE" dirty="0"/>
-          </a:p>
-          <a:p>
-            <a:pPr marL="285750" indent="-285750">
-              <a:buFont typeface="Arial" panose="020B0604020202020204" pitchFamily="34" charset="0"/>
-              <a:buChar char="•"/>
-            </a:pPr>
-            <a:r>
-              <a:rPr lang="de-DE" dirty="0">
-                <a:hlinkClick r:id="rId6"/>
-              </a:rPr>
-              <a:t>https://</a:t>
-            </a:r>
-            <a:r>
-              <a:rPr lang="de-DE" dirty="0" smtClean="0">
-                <a:hlinkClick r:id="rId6"/>
-              </a:rPr>
-              <a:t>christophm.github.io/interpretable-ml-book/pdp.html</a:t>
-            </a:r>
-            <a:endParaRPr lang="de-DE" dirty="0"/>
-          </a:p>
-          <a:p>
-            <a:pPr marL="285750" indent="-285750">
-              <a:buFont typeface="Arial" panose="020B0604020202020204" pitchFamily="34" charset="0"/>
-              <a:buChar char="•"/>
-            </a:pPr>
-            <a:endParaRPr lang="de-DE" dirty="0"/>
-          </a:p>
-        </p:txBody>
-      </p:sp>
-      <p:sp>
-        <p:nvSpPr>
-          <p:cNvPr id="11" name="Titel 10"/>
-          <p:cNvSpPr>
-            <a:spLocks noGrp="1"/>
-          </p:cNvSpPr>
-          <p:nvPr>
-            <p:ph type="title"/>
-          </p:nvPr>
-        </p:nvSpPr>
-        <p:spPr/>
-        <p:txBody>
-          <a:bodyPr/>
-          <a:lstStyle/>
-          <a:p>
-            <a:r>
-              <a:rPr lang="de-DE" dirty="0"/>
-              <a:t>Sources </a:t>
-            </a:r>
           </a:p>
         </p:txBody>
       </p:sp>
@@ -4572,7 +4572,7 @@
             <a:fld id="{2CA8961E-5F42-FE47-9973-7751D18F26D5}" type="datetime1">
               <a:rPr lang="de-DE" smtClean="0"/>
               <a:pPr/>
-              <a:t>04.09.2019</a:t>
+              <a:t>06.09.2019</a:t>
             </a:fld>
             <a:endParaRPr lang="en-US" dirty="0"/>
           </a:p>
@@ -4607,7 +4607,7 @@
           <p:cNvPr id="7" name="Holder 4">
             <a:extLst>
               <a:ext uri="{FF2B5EF4-FFF2-40B4-BE49-F238E27FC236}">
-                <a16:creationId xmlns:a16="http://schemas.microsoft.com/office/drawing/2014/main" xmlns="" id="{4C6B876A-C589-428A-9486-D6EC20189077}"/>
+                <a16:creationId xmlns:a16="http://schemas.microsoft.com/office/drawing/2014/main" id="{1B191B0D-CA30-4F3D-8FCE-22E3D134FBF2}"/>
               </a:ext>
             </a:extLst>
           </p:cNvPr>
@@ -4674,10 +4674,247 @@
           </a:p>
         </p:txBody>
       </p:sp>
+      <p:sp>
+        <p:nvSpPr>
+          <p:cNvPr id="8" name="TextBox 4">
+            <a:extLst>
+              <a:ext uri="{FF2B5EF4-FFF2-40B4-BE49-F238E27FC236}">
+                <a16:creationId xmlns:a16="http://schemas.microsoft.com/office/drawing/2014/main" id="{065F3292-7E92-40EC-866E-132DF794CA17}"/>
+              </a:ext>
+            </a:extLst>
+          </p:cNvPr>
+          <p:cNvSpPr txBox="1"/>
+          <p:nvPr/>
+        </p:nvSpPr>
+        <p:spPr>
+          <a:xfrm>
+            <a:off x="611959" y="1364194"/>
+            <a:ext cx="7358114" cy="3277820"/>
+          </a:xfrm>
+          <a:prstGeom prst="rect">
+            <a:avLst/>
+          </a:prstGeom>
+          <a:noFill/>
+        </p:spPr>
+        <p:txBody>
+          <a:bodyPr wrap="square" rtlCol="0">
+            <a:spAutoFit/>
+          </a:bodyPr>
+          <a:lstStyle/>
+          <a:p>
+            <a:pPr marL="285750" indent="-285750">
+              <a:buFont typeface="Arial" panose="020B0604020202020204" pitchFamily="34" charset="0"/>
+              <a:buChar char="•"/>
+            </a:pPr>
+            <a:r>
+              <a:rPr lang="en-GB" sz="1600" dirty="0">
+                <a:solidFill>
+                  <a:srgbClr val="575756"/>
+                </a:solidFill>
+                <a:latin typeface="DINPro"/>
+              </a:rPr>
+              <a:t>A PDP is not always appropriate. Thus, there are several methods which could help to extend the package’s functionality.</a:t>
+            </a:r>
+          </a:p>
+          <a:p>
+            <a:pPr marL="285750" indent="-285750">
+              <a:buFont typeface="Arial" panose="020B0604020202020204" pitchFamily="34" charset="0"/>
+              <a:buChar char="•"/>
+            </a:pPr>
+            <a:endParaRPr lang="en-GB" sz="1600" dirty="0">
+              <a:solidFill>
+                <a:srgbClr val="575756"/>
+              </a:solidFill>
+              <a:latin typeface="DINPro"/>
+            </a:endParaRPr>
+          </a:p>
+          <a:p>
+            <a:pPr marL="572734" lvl="1" indent="-285750">
+              <a:buFont typeface="Arial" panose="020B0604020202020204" pitchFamily="34" charset="0"/>
+              <a:buChar char="•"/>
+            </a:pPr>
+            <a:r>
+              <a:rPr lang="en-GB" sz="1600" b="1" dirty="0">
+                <a:solidFill>
+                  <a:srgbClr val="575756"/>
+                </a:solidFill>
+                <a:latin typeface="DINPro"/>
+              </a:rPr>
+              <a:t>Interacting features: </a:t>
+            </a:r>
+            <a:r>
+              <a:rPr lang="en-GB" sz="1600" dirty="0">
+                <a:solidFill>
+                  <a:srgbClr val="575756"/>
+                </a:solidFill>
+                <a:latin typeface="DINPro"/>
+              </a:rPr>
+              <a:t>D</a:t>
+            </a:r>
+            <a:r>
+              <a:rPr lang="en-US" sz="1600" dirty="0" err="1">
+                <a:solidFill>
+                  <a:srgbClr val="575756"/>
+                </a:solidFill>
+                <a:latin typeface="DINPro"/>
+              </a:rPr>
+              <a:t>isaggregating</a:t>
+            </a:r>
+            <a:r>
+              <a:rPr lang="en-US" sz="1600" dirty="0">
+                <a:solidFill>
+                  <a:srgbClr val="575756"/>
+                </a:solidFill>
+                <a:latin typeface="DINPro"/>
+              </a:rPr>
+              <a:t> the global effect estimates of the partial dependence to local effect estimates</a:t>
+            </a:r>
+            <a:r>
+              <a:rPr lang="en-GB" sz="1600" dirty="0">
+                <a:solidFill>
+                  <a:srgbClr val="575756"/>
+                </a:solidFill>
+                <a:latin typeface="DINPro"/>
+              </a:rPr>
+              <a:t>for single observations </a:t>
+            </a:r>
+            <a:r>
+              <a:rPr lang="en-GB" sz="1600" dirty="0">
+                <a:solidFill>
+                  <a:srgbClr val="575756"/>
+                </a:solidFill>
+                <a:latin typeface="DINPro"/>
+                <a:sym typeface="Wingdings" panose="05000000000000000000" pitchFamily="2" charset="2"/>
+              </a:rPr>
+              <a:t> </a:t>
+            </a:r>
+            <a:r>
+              <a:rPr lang="en-GB" sz="1600" b="1" dirty="0">
+                <a:solidFill>
+                  <a:srgbClr val="575756"/>
+                </a:solidFill>
+                <a:latin typeface="DINPro"/>
+              </a:rPr>
+              <a:t>ICE plot</a:t>
+            </a:r>
+          </a:p>
+          <a:p>
+            <a:pPr marL="572734" lvl="1" indent="-285750">
+              <a:buFont typeface="Arial" panose="020B0604020202020204" pitchFamily="34" charset="0"/>
+              <a:buChar char="•"/>
+            </a:pPr>
+            <a:r>
+              <a:rPr lang="en-GB" sz="1600" b="1" dirty="0">
+                <a:solidFill>
+                  <a:srgbClr val="575756"/>
+                </a:solidFill>
+                <a:latin typeface="DINPro"/>
+              </a:rPr>
+              <a:t>Correlated features lead to extrapolation: </a:t>
+            </a:r>
+            <a:r>
+              <a:rPr lang="en-US" sz="1600" dirty="0">
+                <a:solidFill>
+                  <a:srgbClr val="575756"/>
+                </a:solidFill>
+                <a:latin typeface="DINPro"/>
+              </a:rPr>
+              <a:t>Main effect of the feature at a certain value compared to the average prediction of the data</a:t>
+            </a:r>
+            <a:r>
+              <a:rPr lang="en-GB" sz="1600" dirty="0">
+                <a:solidFill>
+                  <a:srgbClr val="575756"/>
+                </a:solidFill>
+                <a:latin typeface="DINPro"/>
+              </a:rPr>
+              <a:t> </a:t>
+            </a:r>
+            <a:r>
+              <a:rPr lang="en-GB" sz="1600" dirty="0">
+                <a:solidFill>
+                  <a:srgbClr val="575756"/>
+                </a:solidFill>
+                <a:latin typeface="DINPro"/>
+                <a:sym typeface="Wingdings" panose="05000000000000000000" pitchFamily="2" charset="2"/>
+              </a:rPr>
+              <a:t> </a:t>
+            </a:r>
+            <a:r>
+              <a:rPr lang="en-GB" sz="1600" b="1" dirty="0">
+                <a:solidFill>
+                  <a:srgbClr val="575756"/>
+                </a:solidFill>
+                <a:latin typeface="DINPro"/>
+                <a:sym typeface="Wingdings" panose="05000000000000000000" pitchFamily="2" charset="2"/>
+              </a:rPr>
+              <a:t>ALE plot</a:t>
+            </a:r>
+            <a:endParaRPr lang="en-GB" sz="1600" b="1" dirty="0">
+              <a:solidFill>
+                <a:srgbClr val="575756"/>
+              </a:solidFill>
+              <a:latin typeface="DINPro"/>
+            </a:endParaRPr>
+          </a:p>
+          <a:p>
+            <a:pPr marL="572734" lvl="1" indent="-285750">
+              <a:buFont typeface="Arial" panose="020B0604020202020204" pitchFamily="34" charset="0"/>
+              <a:buChar char="•"/>
+            </a:pPr>
+            <a:r>
+              <a:rPr lang="en-GB" sz="1600" b="1" dirty="0">
+                <a:solidFill>
+                  <a:srgbClr val="575756"/>
+                </a:solidFill>
+                <a:latin typeface="DINPro"/>
+              </a:rPr>
+              <a:t>Nonlinear relationships: </a:t>
+            </a:r>
+            <a:r>
+              <a:rPr lang="en-GB" sz="1600" dirty="0">
+                <a:solidFill>
+                  <a:srgbClr val="575756"/>
+                </a:solidFill>
+                <a:latin typeface="DINPro"/>
+              </a:rPr>
+              <a:t>Plot a snippet of the change in the predicted response for a unit change in the predictor of interest while keeping the remaining predictors constant</a:t>
+            </a:r>
+          </a:p>
+          <a:p>
+            <a:pPr marL="916869" lvl="2" indent="-342900">
+              <a:buFont typeface="+mj-lt"/>
+              <a:buAutoNum type="arabicPeriod"/>
+            </a:pPr>
+            <a:endParaRPr lang="en-GB" sz="1800" dirty="0">
+              <a:solidFill>
+                <a:srgbClr val="575756"/>
+              </a:solidFill>
+              <a:latin typeface="DINPro"/>
+            </a:endParaRPr>
+          </a:p>
+          <a:p>
+            <a:pPr marL="629884" lvl="1" indent="-342900">
+              <a:buFont typeface="+mj-lt"/>
+              <a:buAutoNum type="arabicPeriod"/>
+            </a:pPr>
+            <a:endParaRPr lang="en-GB" sz="1800" dirty="0">
+              <a:solidFill>
+                <a:srgbClr val="575756"/>
+              </a:solidFill>
+              <a:latin typeface="DINPro"/>
+            </a:endParaRPr>
+          </a:p>
+          <a:p>
+            <a:pPr algn="l"/>
+            <a:endParaRPr lang="en-GB" b="1" dirty="0"/>
+          </a:p>
+        </p:txBody>
+      </p:sp>
     </p:spTree>
     <p:extLst>
       <p:ext uri="{BB962C8B-B14F-4D97-AF65-F5344CB8AC3E}">
-        <p14:creationId xmlns:p14="http://schemas.microsoft.com/office/powerpoint/2010/main" xmlns="" val="1616967820"/>
+        <p14:creationId xmlns:p14="http://schemas.microsoft.com/office/powerpoint/2010/main" val="823567650"/>
       </p:ext>
     </p:extLst>
   </p:cSld>
@@ -4687,13 +4924,273 @@
   <p:transition>
     <p:fade/>
   </p:transition>
-  <p:timing>
-    <p:tnLst>
-      <p:par>
-        <p:cTn id="1" dur="indefinite" restart="never" nodeType="tmRoot"/>
-      </p:par>
-    </p:tnLst>
-  </p:timing>
+</p:sld>
+</file>
+
+<file path=ppt/slides/slide13.xml><?xml version="1.0" encoding="utf-8"?>
+<p:sld xmlns:a="http://schemas.openxmlformats.org/drawingml/2006/main" xmlns:r="http://schemas.openxmlformats.org/officeDocument/2006/relationships" xmlns:p="http://schemas.openxmlformats.org/presentationml/2006/main">
+  <p:cSld>
+    <p:spTree>
+      <p:nvGrpSpPr>
+        <p:cNvPr id="1" name=""/>
+        <p:cNvGrpSpPr/>
+        <p:nvPr/>
+      </p:nvGrpSpPr>
+      <p:grpSpPr>
+        <a:xfrm>
+          <a:off x="0" y="0"/>
+          <a:ext cx="0" cy="0"/>
+          <a:chOff x="0" y="0"/>
+          <a:chExt cx="0" cy="0"/>
+        </a:xfrm>
+      </p:grpSpPr>
+      <p:sp>
+        <p:nvSpPr>
+          <p:cNvPr id="12" name="Inhaltsplatzhalter 11"/>
+          <p:cNvSpPr>
+            <a:spLocks noGrp="1"/>
+          </p:cNvSpPr>
+          <p:nvPr>
+            <p:ph sz="half" idx="10"/>
+          </p:nvPr>
+        </p:nvSpPr>
+        <p:spPr>
+          <a:xfrm>
+            <a:off x="539552" y="1500180"/>
+            <a:ext cx="7920880" cy="2492990"/>
+          </a:xfrm>
+        </p:spPr>
+        <p:txBody>
+          <a:bodyPr/>
+          <a:lstStyle/>
+          <a:p>
+            <a:pPr marL="285750" indent="-285750">
+              <a:buFont typeface="Arial" panose="020B0604020202020204" pitchFamily="34" charset="0"/>
+              <a:buChar char="•"/>
+            </a:pPr>
+            <a:r>
+              <a:rPr lang="en-US" dirty="0"/>
+              <a:t>"Neural Network Primer: Part I" by Maureen Caudill, AI Expert, Feb. 1989</a:t>
+            </a:r>
+          </a:p>
+          <a:p>
+            <a:pPr marL="285750" indent="-285750">
+              <a:buFont typeface="Arial" panose="020B0604020202020204" pitchFamily="34" charset="0"/>
+              <a:buChar char="•"/>
+            </a:pPr>
+            <a:r>
+              <a:rPr lang="de-DE" dirty="0"/>
+              <a:t>https://towardsdatascience.com/first-neural-network-for-beginners-explained-with-code-4cfd37e06eaf</a:t>
+            </a:r>
+          </a:p>
+          <a:p>
+            <a:pPr marL="285750" indent="-285750">
+              <a:buFont typeface="Arial" panose="020B0604020202020204" pitchFamily="34" charset="0"/>
+              <a:buChar char="•"/>
+            </a:pPr>
+            <a:r>
+              <a:rPr lang="de-DE" dirty="0"/>
+              <a:t>https://www.datacamp.com/community/tutorials/neural-network-models-r</a:t>
+            </a:r>
+          </a:p>
+          <a:p>
+            <a:pPr marL="285750" indent="-285750">
+              <a:buFont typeface="Arial" panose="020B0604020202020204" pitchFamily="34" charset="0"/>
+              <a:buChar char="•"/>
+            </a:pPr>
+            <a:r>
+              <a:rPr lang="en-US" dirty="0"/>
+              <a:t>Friedman, J. H. (2001): Greedy function approximation: A gradient boosting machine. Annals </a:t>
+            </a:r>
+            <a:r>
+              <a:rPr lang="en-GB" dirty="0"/>
+              <a:t>of Statistics, 29, 1189 - 1232.</a:t>
+            </a:r>
+          </a:p>
+          <a:p>
+            <a:pPr marL="285750" indent="-285750">
+              <a:buFont typeface="Arial" panose="020B0604020202020204" pitchFamily="34" charset="0"/>
+              <a:buChar char="•"/>
+            </a:pPr>
+            <a:r>
+              <a:rPr lang="de-DE" dirty="0"/>
+              <a:t>https://towardsdatascience.com/introducing-pdpbox-2aa820afd312</a:t>
+            </a:r>
+          </a:p>
+          <a:p>
+            <a:pPr marL="285750" indent="-285750">
+              <a:buFont typeface="Arial" panose="020B0604020202020204" pitchFamily="34" charset="0"/>
+              <a:buChar char="•"/>
+            </a:pPr>
+            <a:r>
+              <a:rPr lang="de-DE" dirty="0"/>
+              <a:t>https://christophm.github.io/interpretable-ml-book/pdp.html</a:t>
+            </a:r>
+          </a:p>
+          <a:p>
+            <a:pPr marL="285750" indent="-285750">
+              <a:buFont typeface="Arial" panose="020B0604020202020204" pitchFamily="34" charset="0"/>
+              <a:buChar char="•"/>
+            </a:pPr>
+            <a:endParaRPr lang="de-DE" dirty="0"/>
+          </a:p>
+        </p:txBody>
+      </p:sp>
+      <p:sp>
+        <p:nvSpPr>
+          <p:cNvPr id="11" name="Titel 10"/>
+          <p:cNvSpPr>
+            <a:spLocks noGrp="1"/>
+          </p:cNvSpPr>
+          <p:nvPr>
+            <p:ph type="title"/>
+          </p:nvPr>
+        </p:nvSpPr>
+        <p:spPr/>
+        <p:txBody>
+          <a:bodyPr/>
+          <a:lstStyle/>
+          <a:p>
+            <a:r>
+              <a:rPr lang="de-DE" dirty="0"/>
+              <a:t>Sources </a:t>
+            </a:r>
+          </a:p>
+        </p:txBody>
+      </p:sp>
+      <p:sp>
+        <p:nvSpPr>
+          <p:cNvPr id="75" name="Datumsplatzhalter 74"/>
+          <p:cNvSpPr>
+            <a:spLocks noGrp="1"/>
+          </p:cNvSpPr>
+          <p:nvPr>
+            <p:ph type="dt" sz="half" idx="2"/>
+          </p:nvPr>
+        </p:nvSpPr>
+        <p:spPr/>
+        <p:txBody>
+          <a:bodyPr/>
+          <a:lstStyle/>
+          <a:p>
+            <a:fld id="{2CA8961E-5F42-FE47-9973-7751D18F26D5}" type="datetime1">
+              <a:rPr lang="de-DE" smtClean="0"/>
+              <a:pPr/>
+              <a:t>05.09.2019</a:t>
+            </a:fld>
+            <a:endParaRPr lang="en-US" dirty="0"/>
+          </a:p>
+        </p:txBody>
+      </p:sp>
+      <p:sp>
+        <p:nvSpPr>
+          <p:cNvPr id="76" name="Foliennummernplatzhalter 75"/>
+          <p:cNvSpPr>
+            <a:spLocks noGrp="1"/>
+          </p:cNvSpPr>
+          <p:nvPr>
+            <p:ph type="sldNum" sz="quarter" idx="4"/>
+          </p:nvPr>
+        </p:nvSpPr>
+        <p:spPr/>
+        <p:txBody>
+          <a:bodyPr/>
+          <a:lstStyle/>
+          <a:p>
+            <a:fld id="{B6F15528-21DE-4FAA-801E-634DDDAF4B2B}" type="slidenum">
+              <a:rPr lang="de-DE" smtClean="0"/>
+              <a:pPr/>
+              <a:t>13</a:t>
+            </a:fld>
+            <a:endParaRPr lang="de-DE" dirty="0"/>
+          </a:p>
+        </p:txBody>
+      </p:sp>
+      <p:sp>
+        <p:nvSpPr>
+          <p:cNvPr id="7" name="Holder 4">
+            <a:extLst>
+              <a:ext uri="{FF2B5EF4-FFF2-40B4-BE49-F238E27FC236}">
+                <a16:creationId xmlns:a16="http://schemas.microsoft.com/office/drawing/2014/main" id="{4C6B876A-C589-428A-9486-D6EC20189077}"/>
+              </a:ext>
+            </a:extLst>
+          </p:cNvPr>
+          <p:cNvSpPr>
+            <a:spLocks noGrp="1"/>
+          </p:cNvSpPr>
+          <p:nvPr>
+            <p:ph type="ftr" sz="quarter" idx="3"/>
+          </p:nvPr>
+        </p:nvSpPr>
+        <p:spPr>
+          <a:xfrm>
+            <a:off x="1732359" y="4877216"/>
+            <a:ext cx="6054328" cy="145733"/>
+          </a:xfrm>
+          <a:prstGeom prst="rect">
+            <a:avLst/>
+          </a:prstGeom>
+        </p:spPr>
+        <p:txBody>
+          <a:bodyPr lIns="0" tIns="0" rIns="0" bIns="0"/>
+          <a:lstStyle>
+            <a:lvl1pPr algn="ctr">
+              <a:defRPr sz="900">
+                <a:solidFill>
+                  <a:srgbClr val="0F96D4"/>
+                </a:solidFill>
+              </a:defRPr>
+            </a:lvl1pPr>
+          </a:lstStyle>
+          <a:p>
+            <a:r>
+              <a:rPr lang="de-DE" dirty="0" err="1"/>
+              <a:t>Visualization</a:t>
+            </a:r>
+            <a:r>
+              <a:rPr lang="de-DE" dirty="0"/>
+              <a:t> </a:t>
+            </a:r>
+            <a:r>
+              <a:rPr lang="de-DE" dirty="0" err="1"/>
+              <a:t>of</a:t>
+            </a:r>
+            <a:r>
+              <a:rPr lang="de-DE" dirty="0"/>
+              <a:t> Marginal </a:t>
+            </a:r>
+            <a:r>
+              <a:rPr lang="de-DE" dirty="0" err="1"/>
+              <a:t>Effects</a:t>
+            </a:r>
+            <a:r>
+              <a:rPr lang="de-DE" dirty="0"/>
+              <a:t> in </a:t>
+            </a:r>
+            <a:r>
+              <a:rPr lang="de-DE" dirty="0" err="1"/>
+              <a:t>Neural</a:t>
+            </a:r>
+            <a:r>
+              <a:rPr lang="de-DE" dirty="0"/>
+              <a:t> Networks</a:t>
+            </a:r>
+          </a:p>
+        </p:txBody>
+      </p:sp>
+    </p:spTree>
+    <p:extLst>
+      <p:ext uri="{BB962C8B-B14F-4D97-AF65-F5344CB8AC3E}">
+        <p14:creationId xmlns:p14="http://schemas.microsoft.com/office/powerpoint/2010/main" val="1616967820"/>
+      </p:ext>
+    </p:extLst>
+  </p:cSld>
+  <p:clrMapOvr>
+    <a:masterClrMapping/>
+  </p:clrMapOvr>
+  <p:transition>
+    <p:fade/>
+  </p:transition>
 </p:sld>
 </file>
 
@@ -4813,7 +5310,7 @@
             <a:fld id="{2CA8961E-5F42-FE47-9973-7751D18F26D5}" type="datetime1">
               <a:rPr lang="de-DE" smtClean="0"/>
               <a:pPr/>
-              <a:t>04.09.2019</a:t>
+              <a:t>05.09.2019</a:t>
             </a:fld>
             <a:endParaRPr lang="en-US" dirty="0"/>
           </a:p>
@@ -4848,7 +5345,7 @@
           <p:cNvPr id="8" name="Holder 4">
             <a:extLst>
               <a:ext uri="{FF2B5EF4-FFF2-40B4-BE49-F238E27FC236}">
-                <a16:creationId xmlns:a16="http://schemas.microsoft.com/office/drawing/2014/main" xmlns="" id="{9E48CCCD-C5E7-419A-9896-997DBAE05D5B}"/>
+                <a16:creationId xmlns:a16="http://schemas.microsoft.com/office/drawing/2014/main" id="{9E48CCCD-C5E7-419A-9896-997DBAE05D5B}"/>
               </a:ext>
             </a:extLst>
           </p:cNvPr>
@@ -4918,7 +5415,7 @@
     </p:spTree>
     <p:extLst>
       <p:ext uri="{BB962C8B-B14F-4D97-AF65-F5344CB8AC3E}">
-        <p14:creationId xmlns:p14="http://schemas.microsoft.com/office/powerpoint/2010/main" xmlns="" val="3893991188"/>
+        <p14:creationId xmlns:p14="http://schemas.microsoft.com/office/powerpoint/2010/main" val="3893991188"/>
       </p:ext>
     </p:extLst>
   </p:cSld>
@@ -4928,13 +5425,6 @@
   <p:transition>
     <p:fade/>
   </p:transition>
-  <p:timing>
-    <p:tnLst>
-      <p:par>
-        <p:cTn id="1" dur="indefinite" restart="never" nodeType="tmRoot"/>
-      </p:par>
-    </p:tnLst>
-  </p:timing>
 </p:sld>
 </file>
 
@@ -5031,7 +5521,7 @@
           </a:p>
           <a:p>
             <a:r>
-              <a:rPr lang="en-US" sz="1600" dirty="0" smtClean="0"/>
+              <a:rPr lang="en-US" sz="1600" dirty="0"/>
               <a:t>     Id</a:t>
             </a:r>
             <a:r>
@@ -5053,22 +5543,13 @@
               <a:buChar char="•"/>
             </a:pPr>
             <a:r>
-              <a:rPr lang="en-US" sz="1600" dirty="0" smtClean="0">
+              <a:rPr lang="en-US" sz="1600" dirty="0">
                 <a:solidFill>
                   <a:srgbClr val="575756"/>
                 </a:solidFill>
                 <a:latin typeface="DINPro"/>
               </a:rPr>
-              <a:t>the </a:t>
-            </a:r>
-            <a:r>
-              <a:rPr lang="en-US" sz="1600" dirty="0">
-                <a:solidFill>
-                  <a:srgbClr val="575756"/>
-                </a:solidFill>
-                <a:latin typeface="DINPro"/>
-              </a:rPr>
-              <a:t>volume, number of variables or diversity of the data is large</a:t>
+              <a:t>the volume, number of variables or diversity of the data is large</a:t>
             </a:r>
           </a:p>
           <a:p>
@@ -5137,14 +5618,13 @@
               <a:t>Theory – </a:t>
             </a:r>
             <a:r>
-              <a:rPr lang="de-DE" dirty="0" err="1" smtClean="0"/>
+              <a:rPr lang="de-DE" dirty="0" err="1"/>
               <a:t>Neural</a:t>
             </a:r>
             <a:r>
-              <a:rPr lang="de-DE" dirty="0" smtClean="0"/>
+              <a:rPr lang="de-DE" dirty="0"/>
               <a:t> Networks</a:t>
             </a:r>
-            <a:endParaRPr lang="de-DE" dirty="0"/>
           </a:p>
         </p:txBody>
       </p:sp>
@@ -5166,7 +5646,7 @@
             <a:fld id="{2CA8961E-5F42-FE47-9973-7751D18F26D5}" type="datetime1">
               <a:rPr lang="de-DE" smtClean="0"/>
               <a:pPr/>
-              <a:t>04.09.2019</a:t>
+              <a:t>05.09.2019</a:t>
             </a:fld>
             <a:endParaRPr lang="en-US" dirty="0"/>
           </a:p>
@@ -5201,7 +5681,7 @@
           <p:cNvPr id="7" name="Holder 4">
             <a:extLst>
               <a:ext uri="{FF2B5EF4-FFF2-40B4-BE49-F238E27FC236}">
-                <a16:creationId xmlns:a16="http://schemas.microsoft.com/office/drawing/2014/main" xmlns="" id="{6D11A793-7F15-4E38-8B63-3316D295FA55}"/>
+                <a16:creationId xmlns:a16="http://schemas.microsoft.com/office/drawing/2014/main" id="{6D11A793-7F15-4E38-8B63-3316D295FA55}"/>
               </a:ext>
             </a:extLst>
           </p:cNvPr>
@@ -5328,7 +5808,7 @@
     </p:spTree>
     <p:extLst>
       <p:ext uri="{BB962C8B-B14F-4D97-AF65-F5344CB8AC3E}">
-        <p14:creationId xmlns:p14="http://schemas.microsoft.com/office/powerpoint/2010/main" xmlns="" val="1684766004"/>
+        <p14:creationId xmlns:p14="http://schemas.microsoft.com/office/powerpoint/2010/main" val="1684766004"/>
       </p:ext>
     </p:extLst>
   </p:cSld>
@@ -5338,13 +5818,6 @@
   <p:transition>
     <p:fade/>
   </p:transition>
-  <p:timing>
-    <p:tnLst>
-      <p:par>
-        <p:cTn id="1" dur="indefinite" restart="never" nodeType="tmRoot"/>
-      </p:par>
-    </p:tnLst>
-  </p:timing>
 </p:sld>
 </file>
 
@@ -5381,11 +5854,11 @@
           <a:lstStyle/>
           <a:p>
             <a:r>
-              <a:rPr lang="de-DE" dirty="0" err="1" smtClean="0"/>
+              <a:rPr lang="de-DE" dirty="0" err="1"/>
               <a:t>Theory</a:t>
             </a:r>
             <a:r>
-              <a:rPr lang="de-DE" dirty="0" smtClean="0"/>
+              <a:rPr lang="de-DE" dirty="0"/>
               <a:t> – </a:t>
             </a:r>
             <a:r>
@@ -5417,7 +5890,7 @@
             <a:fld id="{2CA8961E-5F42-FE47-9973-7751D18F26D5}" type="datetime1">
               <a:rPr lang="de-DE" smtClean="0"/>
               <a:pPr/>
-              <a:t>04.09.2019</a:t>
+              <a:t>05.09.2019</a:t>
             </a:fld>
             <a:endParaRPr lang="en-US" dirty="0"/>
           </a:p>
@@ -5452,7 +5925,7 @@
           <p:cNvPr id="7" name="Holder 4">
             <a:extLst>
               <a:ext uri="{FF2B5EF4-FFF2-40B4-BE49-F238E27FC236}">
-                <a16:creationId xmlns:a16="http://schemas.microsoft.com/office/drawing/2014/main" xmlns="" id="{6D11A793-7F15-4E38-8B63-3316D295FA55}"/>
+                <a16:creationId xmlns:a16="http://schemas.microsoft.com/office/drawing/2014/main" id="{6D11A793-7F15-4E38-8B63-3316D295FA55}"/>
               </a:ext>
             </a:extLst>
           </p:cNvPr>
@@ -5581,7 +6054,7 @@
           <p:cNvPr id="5" name="Content Placeholder 4">
             <a:extLst>
               <a:ext uri="{FF2B5EF4-FFF2-40B4-BE49-F238E27FC236}">
-                <a16:creationId xmlns:a16="http://schemas.microsoft.com/office/drawing/2014/main" xmlns="" id="{4D4614DC-9848-4D9C-B08C-3952D842E291}"/>
+                <a16:creationId xmlns:a16="http://schemas.microsoft.com/office/drawing/2014/main" id="{4D4614DC-9848-4D9C-B08C-3952D842E291}"/>
               </a:ext>
             </a:extLst>
           </p:cNvPr>
@@ -5614,7 +6087,7 @@
           <p:cNvPr id="6" name="Picture 5">
             <a:extLst>
               <a:ext uri="{FF2B5EF4-FFF2-40B4-BE49-F238E27FC236}">
-                <a16:creationId xmlns:a16="http://schemas.microsoft.com/office/drawing/2014/main" xmlns="" id="{B69EE6BA-271C-4127-97F5-A5620869D988}"/>
+                <a16:creationId xmlns:a16="http://schemas.microsoft.com/office/drawing/2014/main" id="{B69EE6BA-271C-4127-97F5-A5620869D988}"/>
               </a:ext>
             </a:extLst>
           </p:cNvPr>
@@ -5644,7 +6117,7 @@
           <p:cNvPr id="10" name="Arrow: Right 9">
             <a:extLst>
               <a:ext uri="{FF2B5EF4-FFF2-40B4-BE49-F238E27FC236}">
-                <a16:creationId xmlns:a16="http://schemas.microsoft.com/office/drawing/2014/main" xmlns="" id="{07E8D168-23A7-44CC-8A08-1951FEE20A04}"/>
+                <a16:creationId xmlns:a16="http://schemas.microsoft.com/office/drawing/2014/main" id="{07E8D168-23A7-44CC-8A08-1951FEE20A04}"/>
               </a:ext>
             </a:extLst>
           </p:cNvPr>
@@ -5690,7 +6163,7 @@
           <p:cNvPr id="14" name="Rectangle 13">
             <a:extLst>
               <a:ext uri="{FF2B5EF4-FFF2-40B4-BE49-F238E27FC236}">
-                <a16:creationId xmlns:a16="http://schemas.microsoft.com/office/drawing/2014/main" xmlns="" id="{214011B9-B35B-4B24-9F5B-CD135B1A6C46}"/>
+                <a16:creationId xmlns:a16="http://schemas.microsoft.com/office/drawing/2014/main" id="{214011B9-B35B-4B24-9F5B-CD135B1A6C46}"/>
               </a:ext>
             </a:extLst>
           </p:cNvPr>
@@ -5728,22 +6201,13 @@
               <a:buChar char="•"/>
             </a:pPr>
             <a:r>
-              <a:rPr lang="en-US" sz="1600" dirty="0" smtClean="0">
+              <a:rPr lang="en-US" sz="1600" dirty="0">
                 <a:solidFill>
                   <a:srgbClr val="575756"/>
                 </a:solidFill>
                 <a:latin typeface="DINPro"/>
               </a:rPr>
-              <a:t>The </a:t>
-            </a:r>
-            <a:r>
-              <a:rPr lang="en-US" sz="1600" dirty="0">
-                <a:solidFill>
-                  <a:srgbClr val="575756"/>
-                </a:solidFill>
-                <a:latin typeface="DINPro"/>
-              </a:rPr>
-              <a:t>input nodes take in information (numeric activation values)</a:t>
+              <a:t>The input nodes take in information (numeric activation values)</a:t>
             </a:r>
           </a:p>
           <a:p>
@@ -5830,7 +6294,7 @@
     </p:spTree>
     <p:extLst>
       <p:ext uri="{BB962C8B-B14F-4D97-AF65-F5344CB8AC3E}">
-        <p14:creationId xmlns:p14="http://schemas.microsoft.com/office/powerpoint/2010/main" xmlns="" val="2570867716"/>
+        <p14:creationId xmlns:p14="http://schemas.microsoft.com/office/powerpoint/2010/main" val="2570867716"/>
       </p:ext>
     </p:extLst>
   </p:cSld>
@@ -5840,13 +6304,6 @@
   <p:transition>
     <p:fade/>
   </p:transition>
-  <p:timing>
-    <p:tnLst>
-      <p:par>
-        <p:cTn id="1" dur="indefinite" restart="never" nodeType="tmRoot"/>
-      </p:par>
-    </p:tnLst>
-  </p:timing>
 </p:sld>
 </file>
 
@@ -5915,7 +6372,7 @@
             <a:fld id="{2CA8961E-5F42-FE47-9973-7751D18F26D5}" type="datetime1">
               <a:rPr lang="de-DE" smtClean="0"/>
               <a:pPr/>
-              <a:t>04.09.2019</a:t>
+              <a:t>05.09.2019</a:t>
             </a:fld>
             <a:endParaRPr lang="en-US" dirty="0"/>
           </a:p>
@@ -5950,7 +6407,7 @@
           <p:cNvPr id="7" name="Holder 4">
             <a:extLst>
               <a:ext uri="{FF2B5EF4-FFF2-40B4-BE49-F238E27FC236}">
-                <a16:creationId xmlns:a16="http://schemas.microsoft.com/office/drawing/2014/main" xmlns="" id="{6D11A793-7F15-4E38-8B63-3316D295FA55}"/>
+                <a16:creationId xmlns:a16="http://schemas.microsoft.com/office/drawing/2014/main" id="{6D11A793-7F15-4E38-8B63-3316D295FA55}"/>
               </a:ext>
             </a:extLst>
           </p:cNvPr>
@@ -6079,7 +6536,7 @@
           <p:cNvPr id="4" name="Picture 3">
             <a:extLst>
               <a:ext uri="{FF2B5EF4-FFF2-40B4-BE49-F238E27FC236}">
-                <a16:creationId xmlns:a16="http://schemas.microsoft.com/office/drawing/2014/main" xmlns="" id="{EC4B86F9-014A-4698-A747-1F8CF42ED7EB}"/>
+                <a16:creationId xmlns:a16="http://schemas.microsoft.com/office/drawing/2014/main" id="{EC4B86F9-014A-4698-A747-1F8CF42ED7EB}"/>
               </a:ext>
             </a:extLst>
           </p:cNvPr>
@@ -6109,7 +6566,7 @@
           <p:cNvPr id="8" name="Picture 7">
             <a:extLst>
               <a:ext uri="{FF2B5EF4-FFF2-40B4-BE49-F238E27FC236}">
-                <a16:creationId xmlns:a16="http://schemas.microsoft.com/office/drawing/2014/main" xmlns="" id="{36F61EDC-1102-41E7-9E41-5BB3EBF69696}"/>
+                <a16:creationId xmlns:a16="http://schemas.microsoft.com/office/drawing/2014/main" id="{36F61EDC-1102-41E7-9E41-5BB3EBF69696}"/>
               </a:ext>
             </a:extLst>
           </p:cNvPr>
@@ -6139,7 +6596,7 @@
           <p:cNvPr id="9" name="Arrow: Right 8">
             <a:extLst>
               <a:ext uri="{FF2B5EF4-FFF2-40B4-BE49-F238E27FC236}">
-                <a16:creationId xmlns:a16="http://schemas.microsoft.com/office/drawing/2014/main" xmlns="" id="{4F24E544-A263-4410-9578-9030FC3FD3EB}"/>
+                <a16:creationId xmlns:a16="http://schemas.microsoft.com/office/drawing/2014/main" id="{4F24E544-A263-4410-9578-9030FC3FD3EB}"/>
               </a:ext>
             </a:extLst>
           </p:cNvPr>
@@ -6183,7 +6640,7 @@
     </p:spTree>
     <p:extLst>
       <p:ext uri="{BB962C8B-B14F-4D97-AF65-F5344CB8AC3E}">
-        <p14:creationId xmlns:p14="http://schemas.microsoft.com/office/powerpoint/2010/main" xmlns="" val="2650204975"/>
+        <p14:creationId xmlns:p14="http://schemas.microsoft.com/office/powerpoint/2010/main" val="2650204975"/>
       </p:ext>
     </p:extLst>
   </p:cSld>
@@ -6193,13 +6650,6 @@
   <p:transition>
     <p:fade/>
   </p:transition>
-  <p:timing>
-    <p:tnLst>
-      <p:par>
-        <p:cTn id="1" dur="indefinite" restart="never" nodeType="tmRoot"/>
-      </p:par>
-    </p:tnLst>
-  </p:timing>
 </p:sld>
 </file>
 
@@ -6241,21 +6691,16 @@
             </a:r>
             <a:r>
               <a:rPr lang="de-DE" dirty="0"/>
-              <a:t> – </a:t>
-            </a:r>
-            <a:r>
-              <a:rPr lang="de-DE" dirty="0" smtClean="0"/>
-              <a:t>Partial </a:t>
-            </a:r>
-            <a:r>
-              <a:rPr lang="de-DE" dirty="0" err="1" smtClean="0"/>
+              <a:t> – Partial </a:t>
+            </a:r>
+            <a:r>
+              <a:rPr lang="de-DE" dirty="0" err="1"/>
               <a:t>Dependence</a:t>
             </a:r>
             <a:r>
-              <a:rPr lang="de-DE" dirty="0" smtClean="0"/>
+              <a:rPr lang="de-DE" dirty="0"/>
               <a:t> Plots</a:t>
             </a:r>
-            <a:endParaRPr lang="de-DE" dirty="0"/>
           </a:p>
         </p:txBody>
       </p:sp>
@@ -6277,7 +6722,7 @@
             <a:fld id="{2CA8961E-5F42-FE47-9973-7751D18F26D5}" type="datetime1">
               <a:rPr lang="de-DE" smtClean="0"/>
               <a:pPr/>
-              <a:t>04.09.2019</a:t>
+              <a:t>05.09.2019</a:t>
             </a:fld>
             <a:endParaRPr lang="en-US" dirty="0"/>
           </a:p>
@@ -6312,7 +6757,7 @@
           <p:cNvPr id="7" name="Holder 4">
             <a:extLst>
               <a:ext uri="{FF2B5EF4-FFF2-40B4-BE49-F238E27FC236}">
-                <a16:creationId xmlns:a16="http://schemas.microsoft.com/office/drawing/2014/main" xmlns="" id="{6D11A793-7F15-4E38-8B63-3316D295FA55}"/>
+                <a16:creationId xmlns:a16="http://schemas.microsoft.com/office/drawing/2014/main" id="{6D11A793-7F15-4E38-8B63-3316D295FA55}"/>
               </a:ext>
             </a:extLst>
           </p:cNvPr>
@@ -6436,8 +6881,8 @@
           </a:p>
         </p:txBody>
       </p:sp>
-      <mc:AlternateContent xmlns:mc="http://schemas.openxmlformats.org/markup-compatibility/2006">
-        <mc:Choice xmlns:a14="http://schemas.microsoft.com/office/drawing/2010/main" xmlns="" Requires="a14">
+      <mc:AlternateContent xmlns:mc="http://schemas.openxmlformats.org/markup-compatibility/2006" xmlns:a14="http://schemas.microsoft.com/office/drawing/2010/main">
+        <mc:Choice Requires="a14">
           <p:sp>
             <p:nvSpPr>
               <p:cNvPr id="14" name="Inhaltsplatzhalter 11">
@@ -6497,7 +6942,7 @@
                         <a:solidFill>
                           <a:srgbClr val="575756"/>
                         </a:solidFill>
-                        <a:latin typeface="DINPro"/>
+                        <a:latin typeface="Cambria Math" panose="02040503050406030204" pitchFamily="18" charset="0"/>
                         <a:cs typeface="DINPro"/>
                       </a:rPr>
                       <m:t>𝑥</m:t>
@@ -6507,7 +6952,7 @@
                         <a:solidFill>
                           <a:srgbClr val="575756"/>
                         </a:solidFill>
-                        <a:latin typeface="DINPro"/>
+                        <a:latin typeface="Cambria Math" panose="02040503050406030204" pitchFamily="18" charset="0"/>
                         <a:cs typeface="DINPro"/>
                       </a:rPr>
                       <m:t>={</m:t>
@@ -6515,11 +6960,11 @@
                     <m:sSub>
                       <m:sSubPr>
                         <m:ctrlPr>
-                          <a:rPr lang="en-GB" sz="1600">
+                          <a:rPr lang="en-GB" sz="1600" i="1">
                             <a:solidFill>
                               <a:srgbClr val="575756"/>
                             </a:solidFill>
-                            <a:latin typeface="DINPro"/>
+                            <a:latin typeface="Cambria Math" panose="02040503050406030204" pitchFamily="18" charset="0"/>
                             <a:cs typeface="DINPro"/>
                           </a:rPr>
                         </m:ctrlPr>
@@ -6530,7 +6975,7 @@
                             <a:solidFill>
                               <a:srgbClr val="575756"/>
                             </a:solidFill>
-                            <a:latin typeface="DINPro"/>
+                            <a:latin typeface="Cambria Math" panose="02040503050406030204" pitchFamily="18" charset="0"/>
                             <a:cs typeface="DINPro"/>
                           </a:rPr>
                           <m:t>𝑥</m:t>
@@ -6542,7 +6987,7 @@
                             <a:solidFill>
                               <a:srgbClr val="575756"/>
                             </a:solidFill>
-                            <a:latin typeface="DINPro"/>
+                            <a:latin typeface="Cambria Math" panose="02040503050406030204" pitchFamily="18" charset="0"/>
                             <a:cs typeface="DINPro"/>
                           </a:rPr>
                           <m:t>1</m:t>
@@ -6561,26 +7006,16 @@
                   </a:rPr>
                   <a:t>,</a:t>
                 </a:r>
-                <a:r>
-                  <a:rPr lang="en-GB" sz="1600" dirty="0">
-                    <a:solidFill>
-                      <a:srgbClr val="575756"/>
-                    </a:solidFill>
-                    <a:latin typeface="DINPro"/>
-                    <a:cs typeface="DINPro"/>
-                  </a:rPr>
-                  <a:t/>
-                </a:r>
                 <a14:m>
                   <m:oMath xmlns:m="http://schemas.openxmlformats.org/officeDocument/2006/math">
                     <m:sSub>
                       <m:sSubPr>
                         <m:ctrlPr>
-                          <a:rPr lang="en-GB" sz="1600">
+                          <a:rPr lang="en-GB" sz="1600" i="1">
                             <a:solidFill>
                               <a:srgbClr val="575756"/>
                             </a:solidFill>
-                            <a:latin typeface="DINPro"/>
+                            <a:latin typeface="Cambria Math" panose="02040503050406030204" pitchFamily="18" charset="0"/>
                             <a:cs typeface="DINPro"/>
                           </a:rPr>
                         </m:ctrlPr>
@@ -6591,7 +7026,7 @@
                             <a:solidFill>
                               <a:srgbClr val="575756"/>
                             </a:solidFill>
-                            <a:latin typeface="DINPro"/>
+                            <a:latin typeface="Cambria Math" panose="02040503050406030204" pitchFamily="18" charset="0"/>
                             <a:cs typeface="DINPro"/>
                           </a:rPr>
                           <m:t>𝑥</m:t>
@@ -6603,7 +7038,7 @@
                             <a:solidFill>
                               <a:srgbClr val="575756"/>
                             </a:solidFill>
-                            <a:latin typeface="DINPro"/>
+                            <a:latin typeface="Cambria Math" panose="02040503050406030204" pitchFamily="18" charset="0"/>
                             <a:cs typeface="DINPro"/>
                           </a:rPr>
                           <m:t>2</m:t>
@@ -6622,26 +7057,16 @@
                   </a:rPr>
                   <a:t>…</a:t>
                 </a:r>
-                <a:r>
-                  <a:rPr lang="en-GB" sz="1600" dirty="0">
-                    <a:solidFill>
-                      <a:srgbClr val="575756"/>
-                    </a:solidFill>
-                    <a:latin typeface="DINPro"/>
-                    <a:cs typeface="DINPro"/>
-                  </a:rPr>
-                  <a:t/>
-                </a:r>
                 <a14:m>
                   <m:oMath xmlns:m="http://schemas.openxmlformats.org/officeDocument/2006/math">
                     <m:sSub>
                       <m:sSubPr>
                         <m:ctrlPr>
-                          <a:rPr lang="en-GB" sz="1600">
+                          <a:rPr lang="en-GB" sz="1600" i="1">
                             <a:solidFill>
                               <a:srgbClr val="575756"/>
                             </a:solidFill>
-                            <a:latin typeface="DINPro"/>
+                            <a:latin typeface="Cambria Math" panose="02040503050406030204" pitchFamily="18" charset="0"/>
                             <a:cs typeface="DINPro"/>
                           </a:rPr>
                         </m:ctrlPr>
@@ -6652,7 +7077,7 @@
                             <a:solidFill>
                               <a:srgbClr val="575756"/>
                             </a:solidFill>
-                            <a:latin typeface="DINPro"/>
+                            <a:latin typeface="Cambria Math" panose="02040503050406030204" pitchFamily="18" charset="0"/>
                             <a:cs typeface="DINPro"/>
                           </a:rPr>
                           <m:t>𝑥</m:t>
@@ -6664,7 +7089,7 @@
                             <a:solidFill>
                               <a:srgbClr val="575756"/>
                             </a:solidFill>
-                            <a:latin typeface="DINPro"/>
+                            <a:latin typeface="Cambria Math" panose="02040503050406030204" pitchFamily="18" charset="0"/>
                             <a:cs typeface="DINPro"/>
                           </a:rPr>
                           <m:t>𝑝</m:t>
@@ -6689,11 +7114,11 @@
                       <m:accPr>
                         <m:chr m:val="̂"/>
                         <m:ctrlPr>
-                          <a:rPr lang="en-US" sz="1600">
+                          <a:rPr lang="en-US" sz="1600" i="1">
                             <a:solidFill>
                               <a:srgbClr val="575756"/>
                             </a:solidFill>
-                            <a:latin typeface="DINPro"/>
+                            <a:latin typeface="Cambria Math" panose="02040503050406030204" pitchFamily="18" charset="0"/>
                             <a:cs typeface="DINPro"/>
                           </a:rPr>
                         </m:ctrlPr>
@@ -6704,7 +7129,7 @@
                             <a:solidFill>
                               <a:srgbClr val="575756"/>
                             </a:solidFill>
-                            <a:latin typeface="DINPro"/>
+                            <a:latin typeface="Cambria Math" panose="02040503050406030204" pitchFamily="18" charset="0"/>
                             <a:cs typeface="DINPro"/>
                           </a:rPr>
                           <m:t>𝑓</m:t>
@@ -6716,7 +7141,7 @@
                         <a:solidFill>
                           <a:srgbClr val="575756"/>
                         </a:solidFill>
-                        <a:latin typeface="DINPro"/>
+                        <a:latin typeface="Cambria Math" panose="02040503050406030204" pitchFamily="18" charset="0"/>
                         <a:cs typeface="DINPro"/>
                       </a:rPr>
                       <m:t>(</m:t>
@@ -6726,7 +7151,7 @@
                         <a:solidFill>
                           <a:srgbClr val="575756"/>
                         </a:solidFill>
-                        <a:latin typeface="DINPro"/>
+                        <a:latin typeface="Cambria Math" panose="02040503050406030204" pitchFamily="18" charset="0"/>
                         <a:cs typeface="DINPro"/>
                       </a:rPr>
                       <m:t>𝑥</m:t>
@@ -6736,7 +7161,7 @@
                         <a:solidFill>
                           <a:srgbClr val="575756"/>
                         </a:solidFill>
-                        <a:latin typeface="DINPro"/>
+                        <a:latin typeface="Cambria Math" panose="02040503050406030204" pitchFamily="18" charset="0"/>
                         <a:cs typeface="DINPro"/>
                       </a:rPr>
                       <m:t>)</m:t>
@@ -6760,7 +7185,7 @@
                         <a:solidFill>
                           <a:srgbClr val="575756"/>
                         </a:solidFill>
-                        <a:latin typeface="DINPro"/>
+                        <a:latin typeface="Cambria Math" panose="02040503050406030204" pitchFamily="18" charset="0"/>
                         <a:cs typeface="DINPro"/>
                       </a:rPr>
                       <m:t>𝑥</m:t>
@@ -6782,11 +7207,11 @@
                     <m:sSub>
                       <m:sSubPr>
                         <m:ctrlPr>
-                          <a:rPr lang="en-US" sz="1600">
+                          <a:rPr lang="en-US" sz="1600" i="1">
                             <a:solidFill>
                               <a:srgbClr val="575756"/>
                             </a:solidFill>
-                            <a:latin typeface="DINPro"/>
+                            <a:latin typeface="Cambria Math" panose="02040503050406030204" pitchFamily="18" charset="0"/>
                             <a:cs typeface="DINPro"/>
                           </a:rPr>
                         </m:ctrlPr>
@@ -6797,7 +7222,7 @@
                             <a:solidFill>
                               <a:srgbClr val="575756"/>
                             </a:solidFill>
-                            <a:latin typeface="DINPro"/>
+                            <a:latin typeface="Cambria Math" panose="02040503050406030204" pitchFamily="18" charset="0"/>
                             <a:cs typeface="DINPro"/>
                           </a:rPr>
                           <m:t>𝑧</m:t>
@@ -6809,7 +7234,7 @@
                             <a:solidFill>
                               <a:srgbClr val="575756"/>
                             </a:solidFill>
-                            <a:latin typeface="DINPro"/>
+                            <a:latin typeface="Cambria Math" panose="02040503050406030204" pitchFamily="18" charset="0"/>
                             <a:cs typeface="DINPro"/>
                           </a:rPr>
                           <m:t>𝑠</m:t>
@@ -6833,11 +7258,11 @@
                     <m:sSub>
                       <m:sSubPr>
                         <m:ctrlPr>
-                          <a:rPr lang="en-US" sz="1600">
+                          <a:rPr lang="en-US" sz="1600" i="1">
                             <a:solidFill>
                               <a:srgbClr val="575756"/>
                             </a:solidFill>
-                            <a:latin typeface="DINPro"/>
+                            <a:latin typeface="Cambria Math" panose="02040503050406030204" pitchFamily="18" charset="0"/>
                             <a:cs typeface="DINPro"/>
                           </a:rPr>
                         </m:ctrlPr>
@@ -6848,7 +7273,7 @@
                             <a:solidFill>
                               <a:srgbClr val="575756"/>
                             </a:solidFill>
-                            <a:latin typeface="DINPro"/>
+                            <a:latin typeface="Cambria Math" panose="02040503050406030204" pitchFamily="18" charset="0"/>
                             <a:cs typeface="DINPro"/>
                           </a:rPr>
                           <m:t>𝑧</m:t>
@@ -6860,7 +7285,7 @@
                             <a:solidFill>
                               <a:srgbClr val="575756"/>
                             </a:solidFill>
-                            <a:latin typeface="DINPro"/>
+                            <a:latin typeface="Cambria Math" panose="02040503050406030204" pitchFamily="18" charset="0"/>
                             <a:cs typeface="DINPro"/>
                           </a:rPr>
                           <m:t>𝑐</m:t>
@@ -6872,7 +7297,7 @@
                         <a:solidFill>
                           <a:srgbClr val="575756"/>
                         </a:solidFill>
-                        <a:latin typeface="DINPro"/>
+                        <a:latin typeface="Cambria Math" panose="02040503050406030204" pitchFamily="18" charset="0"/>
                         <a:cs typeface="DINPro"/>
                       </a:rPr>
                       <m:t>=</m:t>
@@ -6882,7 +7307,7 @@
                         <a:solidFill>
                           <a:srgbClr val="575756"/>
                         </a:solidFill>
-                        <a:latin typeface="DINPro"/>
+                        <a:latin typeface="Cambria Math" panose="02040503050406030204" pitchFamily="18" charset="0"/>
                         <a:cs typeface="DINPro"/>
                       </a:rPr>
                       <m:t>𝑥</m:t>
@@ -6892,7 +7317,7 @@
                         <a:solidFill>
                           <a:srgbClr val="575756"/>
                         </a:solidFill>
-                        <a:latin typeface="DINPro"/>
+                        <a:latin typeface="Cambria Math" panose="02040503050406030204" pitchFamily="18" charset="0"/>
                         <a:cs typeface="DINPro"/>
                       </a:rPr>
                       <m:t>/</m:t>
@@ -6900,11 +7325,11 @@
                     <m:sSub>
                       <m:sSubPr>
                         <m:ctrlPr>
-                          <a:rPr lang="en-US" sz="1600">
+                          <a:rPr lang="en-US" sz="1600" i="1">
                             <a:solidFill>
                               <a:srgbClr val="575756"/>
                             </a:solidFill>
-                            <a:latin typeface="DINPro"/>
+                            <a:latin typeface="Cambria Math" panose="02040503050406030204" pitchFamily="18" charset="0"/>
                             <a:cs typeface="DINPro"/>
                           </a:rPr>
                         </m:ctrlPr>
@@ -6915,7 +7340,7 @@
                             <a:solidFill>
                               <a:srgbClr val="575756"/>
                             </a:solidFill>
-                            <a:latin typeface="DINPro"/>
+                            <a:latin typeface="Cambria Math" panose="02040503050406030204" pitchFamily="18" charset="0"/>
                             <a:cs typeface="DINPro"/>
                           </a:rPr>
                           <m:t>𝑧</m:t>
@@ -6927,7 +7352,7 @@
                             <a:solidFill>
                               <a:srgbClr val="575756"/>
                             </a:solidFill>
-                            <a:latin typeface="DINPro"/>
+                            <a:latin typeface="Cambria Math" panose="02040503050406030204" pitchFamily="18" charset="0"/>
                             <a:cs typeface="DINPro"/>
                           </a:rPr>
                           <m:t>𝑠</m:t>
@@ -6951,11 +7376,11 @@
                     <m:sSub>
                       <m:sSubPr>
                         <m:ctrlPr>
-                          <a:rPr lang="en-US" sz="1600">
+                          <a:rPr lang="en-US" sz="1600" i="1">
                             <a:solidFill>
                               <a:srgbClr val="575756"/>
                             </a:solidFill>
-                            <a:latin typeface="DINPro"/>
+                            <a:latin typeface="Cambria Math" panose="02040503050406030204" pitchFamily="18" charset="0"/>
                             <a:cs typeface="DINPro"/>
                           </a:rPr>
                         </m:ctrlPr>
@@ -6966,7 +7391,7 @@
                             <a:solidFill>
                               <a:srgbClr val="575756"/>
                             </a:solidFill>
-                            <a:latin typeface="DINPro"/>
+                            <a:latin typeface="Cambria Math" panose="02040503050406030204" pitchFamily="18" charset="0"/>
                             <a:cs typeface="DINPro"/>
                           </a:rPr>
                           <m:t>𝑧</m:t>
@@ -6978,7 +7403,7 @@
                             <a:solidFill>
                               <a:srgbClr val="575756"/>
                             </a:solidFill>
-                            <a:latin typeface="DINPro"/>
+                            <a:latin typeface="Cambria Math" panose="02040503050406030204" pitchFamily="18" charset="0"/>
                             <a:cs typeface="DINPro"/>
                           </a:rPr>
                           <m:t>𝑠</m:t>
@@ -7009,11 +7434,11 @@
                       <m:sSub>
                         <m:sSubPr>
                           <m:ctrlPr>
-                            <a:rPr lang="en-GB" sz="1600">
+                            <a:rPr lang="en-GB" sz="1600" i="1">
                               <a:solidFill>
                                 <a:srgbClr val="575756"/>
                               </a:solidFill>
-                              <a:latin typeface="DINPro"/>
+                              <a:latin typeface="Cambria Math" panose="02040503050406030204" pitchFamily="18" charset="0"/>
                               <a:cs typeface="DINPro"/>
                             </a:rPr>
                           </m:ctrlPr>
@@ -7024,7 +7449,7 @@
                               <a:solidFill>
                                 <a:srgbClr val="575756"/>
                               </a:solidFill>
-                              <a:latin typeface="DINPro"/>
+                              <a:latin typeface="Cambria Math" panose="02040503050406030204" pitchFamily="18" charset="0"/>
                               <a:cs typeface="DINPro"/>
                             </a:rPr>
                             <m:t>𝑓</m:t>
@@ -7036,7 +7461,7 @@
                               <a:solidFill>
                                 <a:srgbClr val="575756"/>
                               </a:solidFill>
-                              <a:latin typeface="DINPro"/>
+                              <a:latin typeface="Cambria Math" panose="02040503050406030204" pitchFamily="18" charset="0"/>
                               <a:cs typeface="DINPro"/>
                             </a:rPr>
                             <m:t>𝑠</m:t>
@@ -7046,11 +7471,11 @@
                       <m:sSub>
                         <m:sSubPr>
                           <m:ctrlPr>
-                            <a:rPr lang="en-GB" sz="1600">
+                            <a:rPr lang="en-GB" sz="1600" i="1">
                               <a:solidFill>
                                 <a:srgbClr val="575756"/>
                               </a:solidFill>
-                              <a:latin typeface="DINPro"/>
+                              <a:latin typeface="Cambria Math" panose="02040503050406030204" pitchFamily="18" charset="0"/>
                               <a:cs typeface="DINPro"/>
                             </a:rPr>
                           </m:ctrlPr>
@@ -7061,7 +7486,7 @@
                               <a:solidFill>
                                 <a:srgbClr val="575756"/>
                               </a:solidFill>
-                              <a:latin typeface="DINPro"/>
+                              <a:latin typeface="Cambria Math" panose="02040503050406030204" pitchFamily="18" charset="0"/>
                               <a:cs typeface="DINPro"/>
                             </a:rPr>
                             <m:t>(</m:t>
@@ -7071,7 +7496,7 @@
                               <a:solidFill>
                                 <a:srgbClr val="575756"/>
                               </a:solidFill>
-                              <a:latin typeface="DINPro"/>
+                              <a:latin typeface="Cambria Math" panose="02040503050406030204" pitchFamily="18" charset="0"/>
                               <a:cs typeface="DINPro"/>
                             </a:rPr>
                             <m:t>𝑧</m:t>
@@ -7083,7 +7508,7 @@
                               <a:solidFill>
                                 <a:srgbClr val="575756"/>
                               </a:solidFill>
-                              <a:latin typeface="DINPro"/>
+                              <a:latin typeface="Cambria Math" panose="02040503050406030204" pitchFamily="18" charset="0"/>
                               <a:cs typeface="DINPro"/>
                             </a:rPr>
                             <m:t>𝑠</m:t>
@@ -7095,7 +7520,7 @@
                           <a:solidFill>
                             <a:srgbClr val="575756"/>
                           </a:solidFill>
-                          <a:latin typeface="DINPro"/>
+                          <a:latin typeface="Cambria Math" panose="02040503050406030204" pitchFamily="18" charset="0"/>
                           <a:cs typeface="DINPro"/>
                         </a:rPr>
                         <m:t>)=</m:t>
@@ -7103,11 +7528,11 @@
                       <m:sSub>
                         <m:sSubPr>
                           <m:ctrlPr>
-                            <a:rPr lang="en-GB" sz="1600">
+                            <a:rPr lang="en-GB" sz="1600" i="1">
                               <a:solidFill>
                                 <a:srgbClr val="575756"/>
                               </a:solidFill>
-                              <a:latin typeface="DINPro"/>
+                              <a:latin typeface="Cambria Math" panose="02040503050406030204" pitchFamily="18" charset="0"/>
                               <a:cs typeface="DINPro"/>
                             </a:rPr>
                           </m:ctrlPr>
@@ -7118,7 +7543,7 @@
                               <a:solidFill>
                                 <a:srgbClr val="575756"/>
                               </a:solidFill>
-                              <a:latin typeface="DINPro"/>
+                              <a:latin typeface="Cambria Math" panose="02040503050406030204" pitchFamily="18" charset="0"/>
                               <a:cs typeface="DINPro"/>
                             </a:rPr>
                             <m:t>𝐸</m:t>
@@ -7128,11 +7553,11 @@
                           <m:sSub>
                             <m:sSubPr>
                               <m:ctrlPr>
-                                <a:rPr lang="en-GB" sz="1600">
+                                <a:rPr lang="en-GB" sz="1600" i="1">
                                   <a:solidFill>
                                     <a:srgbClr val="575756"/>
                                   </a:solidFill>
-                                  <a:latin typeface="DINPro"/>
+                                  <a:latin typeface="Cambria Math" panose="02040503050406030204" pitchFamily="18" charset="0"/>
                                   <a:cs typeface="DINPro"/>
                                 </a:rPr>
                               </m:ctrlPr>
@@ -7143,7 +7568,7 @@
                                   <a:solidFill>
                                     <a:srgbClr val="575756"/>
                                   </a:solidFill>
-                                  <a:latin typeface="DINPro"/>
+                                  <a:latin typeface="Cambria Math" panose="02040503050406030204" pitchFamily="18" charset="0"/>
                                   <a:cs typeface="DINPro"/>
                                 </a:rPr>
                                 <m:t>𝑧</m:t>
@@ -7155,7 +7580,7 @@
                                   <a:solidFill>
                                     <a:srgbClr val="575756"/>
                                   </a:solidFill>
-                                  <a:latin typeface="DINPro"/>
+                                  <a:latin typeface="Cambria Math" panose="02040503050406030204" pitchFamily="18" charset="0"/>
                                   <a:cs typeface="DINPro"/>
                                 </a:rPr>
                                 <m:t>𝑐</m:t>
@@ -7167,11 +7592,11 @@
                       <m:d>
                         <m:dPr>
                           <m:ctrlPr>
-                            <a:rPr lang="en-GB" sz="1600">
+                            <a:rPr lang="en-GB" sz="1600" i="1">
                               <a:solidFill>
                                 <a:srgbClr val="575756"/>
                               </a:solidFill>
-                              <a:latin typeface="DINPro"/>
+                              <a:latin typeface="Cambria Math" panose="02040503050406030204" pitchFamily="18" charset="0"/>
                               <a:cs typeface="DINPro"/>
                             </a:rPr>
                           </m:ctrlPr>
@@ -7181,11 +7606,11 @@
                             <m:accPr>
                               <m:chr m:val="̂"/>
                               <m:ctrlPr>
-                                <a:rPr lang="en-GB" sz="1600">
+                                <a:rPr lang="en-GB" sz="1600" i="1">
                                   <a:solidFill>
                                     <a:srgbClr val="575756"/>
                                   </a:solidFill>
-                                  <a:latin typeface="DINPro"/>
+                                  <a:latin typeface="Cambria Math" panose="02040503050406030204" pitchFamily="18" charset="0"/>
                                   <a:cs typeface="DINPro"/>
                                 </a:rPr>
                               </m:ctrlPr>
@@ -7196,7 +7621,7 @@
                                   <a:solidFill>
                                     <a:srgbClr val="575756"/>
                                   </a:solidFill>
-                                  <a:latin typeface="DINPro"/>
+                                  <a:latin typeface="Cambria Math" panose="02040503050406030204" pitchFamily="18" charset="0"/>
                                   <a:cs typeface="DINPro"/>
                                 </a:rPr>
                                 <m:t>𝑓</m:t>
@@ -7206,11 +7631,11 @@
                           <m:d>
                             <m:dPr>
                               <m:ctrlPr>
-                                <a:rPr lang="en-GB" sz="1600">
+                                <a:rPr lang="en-GB" sz="1600" i="1">
                                   <a:solidFill>
                                     <a:srgbClr val="575756"/>
                                   </a:solidFill>
-                                  <a:latin typeface="DINPro"/>
+                                  <a:latin typeface="Cambria Math" panose="02040503050406030204" pitchFamily="18" charset="0"/>
                                   <a:cs typeface="DINPro"/>
                                 </a:rPr>
                               </m:ctrlPr>
@@ -7219,11 +7644,11 @@
                               <m:sSub>
                                 <m:sSubPr>
                                   <m:ctrlPr>
-                                    <a:rPr lang="en-GB" sz="1600">
+                                    <a:rPr lang="en-GB" sz="1600" i="1">
                                       <a:solidFill>
                                         <a:srgbClr val="575756"/>
                                       </a:solidFill>
-                                      <a:latin typeface="DINPro"/>
+                                      <a:latin typeface="Cambria Math" panose="02040503050406030204" pitchFamily="18" charset="0"/>
                                       <a:cs typeface="DINPro"/>
                                     </a:rPr>
                                   </m:ctrlPr>
@@ -7234,7 +7659,7 @@
                                       <a:solidFill>
                                         <a:srgbClr val="575756"/>
                                       </a:solidFill>
-                                      <a:latin typeface="DINPro"/>
+                                      <a:latin typeface="Cambria Math" panose="02040503050406030204" pitchFamily="18" charset="0"/>
                                       <a:cs typeface="DINPro"/>
                                     </a:rPr>
                                     <m:t>𝑧</m:t>
@@ -7246,7 +7671,7 @@
                                       <a:solidFill>
                                         <a:srgbClr val="575756"/>
                                       </a:solidFill>
-                                      <a:latin typeface="DINPro"/>
+                                      <a:latin typeface="Cambria Math" panose="02040503050406030204" pitchFamily="18" charset="0"/>
                                       <a:cs typeface="DINPro"/>
                                     </a:rPr>
                                     <m:t>𝑠</m:t>
@@ -7258,7 +7683,7 @@
                                   <a:solidFill>
                                     <a:srgbClr val="575756"/>
                                   </a:solidFill>
-                                  <a:latin typeface="DINPro"/>
+                                  <a:latin typeface="Cambria Math" panose="02040503050406030204" pitchFamily="18" charset="0"/>
                                   <a:cs typeface="DINPro"/>
                                 </a:rPr>
                                 <m:t>, </m:t>
@@ -7266,11 +7691,11 @@
                               <m:sSub>
                                 <m:sSubPr>
                                   <m:ctrlPr>
-                                    <a:rPr lang="en-GB" sz="1600">
+                                    <a:rPr lang="en-GB" sz="1600" i="1">
                                       <a:solidFill>
                                         <a:srgbClr val="575756"/>
                                       </a:solidFill>
-                                      <a:latin typeface="DINPro"/>
+                                      <a:latin typeface="Cambria Math" panose="02040503050406030204" pitchFamily="18" charset="0"/>
                                       <a:cs typeface="DINPro"/>
                                     </a:rPr>
                                   </m:ctrlPr>
@@ -7281,7 +7706,7 @@
                                       <a:solidFill>
                                         <a:srgbClr val="575756"/>
                                       </a:solidFill>
-                                      <a:latin typeface="DINPro"/>
+                                      <a:latin typeface="Cambria Math" panose="02040503050406030204" pitchFamily="18" charset="0"/>
                                       <a:cs typeface="DINPro"/>
                                     </a:rPr>
                                     <m:t>𝑧</m:t>
@@ -7293,7 +7718,7 @@
                                       <a:solidFill>
                                         <a:srgbClr val="575756"/>
                                       </a:solidFill>
-                                      <a:latin typeface="DINPro"/>
+                                      <a:latin typeface="Cambria Math" panose="02040503050406030204" pitchFamily="18" charset="0"/>
                                       <a:cs typeface="DINPro"/>
                                     </a:rPr>
                                     <m:t>𝑐</m:t>
@@ -7309,7 +7734,7 @@
                           <a:solidFill>
                             <a:srgbClr val="575756"/>
                           </a:solidFill>
-                          <a:latin typeface="DINPro"/>
+                          <a:latin typeface="Cambria Math" panose="02040503050406030204" pitchFamily="18" charset="0"/>
                           <a:cs typeface="DINPro"/>
                         </a:rPr>
                         <m:t>=</m:t>
@@ -7320,11 +7745,11 @@
                           <m:subHide m:val="on"/>
                           <m:supHide m:val="on"/>
                           <m:ctrlPr>
-                            <a:rPr lang="en-GB" sz="1600">
+                            <a:rPr lang="en-GB" sz="1600" i="1">
                               <a:solidFill>
                                 <a:srgbClr val="575756"/>
                               </a:solidFill>
-                              <a:latin typeface="DINPro"/>
+                              <a:latin typeface="Cambria Math" panose="02040503050406030204" pitchFamily="18" charset="0"/>
                               <a:cs typeface="DINPro"/>
                             </a:rPr>
                           </m:ctrlPr>
@@ -7336,11 +7761,11 @@
                             <m:accPr>
                               <m:chr m:val="̂"/>
                               <m:ctrlPr>
-                                <a:rPr lang="en-GB" sz="1600">
+                                <a:rPr lang="en-GB" sz="1600" i="1">
                                   <a:solidFill>
                                     <a:srgbClr val="575756"/>
                                   </a:solidFill>
-                                  <a:latin typeface="DINPro"/>
+                                  <a:latin typeface="Cambria Math" panose="02040503050406030204" pitchFamily="18" charset="0"/>
                                   <a:cs typeface="DINPro"/>
                                 </a:rPr>
                               </m:ctrlPr>
@@ -7351,7 +7776,7 @@
                                   <a:solidFill>
                                     <a:srgbClr val="575756"/>
                                   </a:solidFill>
-                                  <a:latin typeface="DINPro"/>
+                                  <a:latin typeface="Cambria Math" panose="02040503050406030204" pitchFamily="18" charset="0"/>
                                   <a:cs typeface="DINPro"/>
                                 </a:rPr>
                                 <m:t>𝑓</m:t>
@@ -7361,11 +7786,11 @@
                           <m:d>
                             <m:dPr>
                               <m:ctrlPr>
-                                <a:rPr lang="en-GB" sz="1600">
+                                <a:rPr lang="en-GB" sz="1600" i="1">
                                   <a:solidFill>
                                     <a:srgbClr val="575756"/>
                                   </a:solidFill>
-                                  <a:latin typeface="DINPro"/>
+                                  <a:latin typeface="Cambria Math" panose="02040503050406030204" pitchFamily="18" charset="0"/>
                                   <a:cs typeface="DINPro"/>
                                 </a:rPr>
                               </m:ctrlPr>
@@ -7374,11 +7799,11 @@
                               <m:sSub>
                                 <m:sSubPr>
                                   <m:ctrlPr>
-                                    <a:rPr lang="en-GB" sz="1600">
+                                    <a:rPr lang="en-GB" sz="1600" i="1">
                                       <a:solidFill>
                                         <a:srgbClr val="575756"/>
                                       </a:solidFill>
-                                      <a:latin typeface="DINPro"/>
+                                      <a:latin typeface="Cambria Math" panose="02040503050406030204" pitchFamily="18" charset="0"/>
                                       <a:cs typeface="DINPro"/>
                                     </a:rPr>
                                   </m:ctrlPr>
@@ -7389,7 +7814,7 @@
                                       <a:solidFill>
                                         <a:srgbClr val="575756"/>
                                       </a:solidFill>
-                                      <a:latin typeface="DINPro"/>
+                                      <a:latin typeface="Cambria Math" panose="02040503050406030204" pitchFamily="18" charset="0"/>
                                       <a:cs typeface="DINPro"/>
                                     </a:rPr>
                                     <m:t>𝑧</m:t>
@@ -7401,7 +7826,7 @@
                                       <a:solidFill>
                                         <a:srgbClr val="575756"/>
                                       </a:solidFill>
-                                      <a:latin typeface="DINPro"/>
+                                      <a:latin typeface="Cambria Math" panose="02040503050406030204" pitchFamily="18" charset="0"/>
                                       <a:cs typeface="DINPro"/>
                                     </a:rPr>
                                     <m:t>𝑠</m:t>
@@ -7413,7 +7838,7 @@
                                   <a:solidFill>
                                     <a:srgbClr val="575756"/>
                                   </a:solidFill>
-                                  <a:latin typeface="DINPro"/>
+                                  <a:latin typeface="Cambria Math" panose="02040503050406030204" pitchFamily="18" charset="0"/>
                                   <a:cs typeface="DINPro"/>
                                 </a:rPr>
                                 <m:t>, </m:t>
@@ -7421,11 +7846,11 @@
                               <m:sSub>
                                 <m:sSubPr>
                                   <m:ctrlPr>
-                                    <a:rPr lang="en-GB" sz="1600">
+                                    <a:rPr lang="en-GB" sz="1600" i="1">
                                       <a:solidFill>
                                         <a:srgbClr val="575756"/>
                                       </a:solidFill>
-                                      <a:latin typeface="DINPro"/>
+                                      <a:latin typeface="Cambria Math" panose="02040503050406030204" pitchFamily="18" charset="0"/>
                                       <a:cs typeface="DINPro"/>
                                     </a:rPr>
                                   </m:ctrlPr>
@@ -7436,7 +7861,7 @@
                                       <a:solidFill>
                                         <a:srgbClr val="575756"/>
                                       </a:solidFill>
-                                      <a:latin typeface="DINPro"/>
+                                      <a:latin typeface="Cambria Math" panose="02040503050406030204" pitchFamily="18" charset="0"/>
                                       <a:cs typeface="DINPro"/>
                                     </a:rPr>
                                     <m:t>𝑧</m:t>
@@ -7448,7 +7873,7 @@
                                       <a:solidFill>
                                         <a:srgbClr val="575756"/>
                                       </a:solidFill>
-                                      <a:latin typeface="DINPro"/>
+                                      <a:latin typeface="Cambria Math" panose="02040503050406030204" pitchFamily="18" charset="0"/>
                                       <a:cs typeface="DINPro"/>
                                     </a:rPr>
                                     <m:t>𝑐</m:t>
@@ -7460,11 +7885,11 @@
                           <m:sSub>
                             <m:sSubPr>
                               <m:ctrlPr>
-                                <a:rPr lang="en-GB" sz="1600">
+                                <a:rPr lang="en-GB" sz="1600" i="1">
                                   <a:solidFill>
                                     <a:srgbClr val="575756"/>
                                   </a:solidFill>
-                                  <a:latin typeface="DINPro"/>
+                                  <a:latin typeface="Cambria Math" panose="02040503050406030204" pitchFamily="18" charset="0"/>
                                   <a:cs typeface="DINPro"/>
                                 </a:rPr>
                               </m:ctrlPr>
@@ -7475,7 +7900,7 @@
                                   <a:solidFill>
                                     <a:srgbClr val="575756"/>
                                   </a:solidFill>
-                                  <a:latin typeface="DINPro"/>
+                                  <a:latin typeface="Cambria Math" panose="02040503050406030204" pitchFamily="18" charset="0"/>
                                   <a:cs typeface="DINPro"/>
                                 </a:rPr>
                                 <m:t>𝑝</m:t>
@@ -7487,7 +7912,7 @@
                                   <a:solidFill>
                                     <a:srgbClr val="575756"/>
                                   </a:solidFill>
-                                  <a:latin typeface="DINPro"/>
+                                  <a:latin typeface="Cambria Math" panose="02040503050406030204" pitchFamily="18" charset="0"/>
                                   <a:cs typeface="DINPro"/>
                                 </a:rPr>
                                 <m:t>𝑐</m:t>
@@ -7497,11 +7922,11 @@
                           <m:d>
                             <m:dPr>
                               <m:ctrlPr>
-                                <a:rPr lang="en-GB" sz="1600">
+                                <a:rPr lang="en-GB" sz="1600" i="1">
                                   <a:solidFill>
                                     <a:srgbClr val="575756"/>
                                   </a:solidFill>
-                                  <a:latin typeface="DINPro"/>
+                                  <a:latin typeface="Cambria Math" panose="02040503050406030204" pitchFamily="18" charset="0"/>
                                   <a:cs typeface="DINPro"/>
                                 </a:rPr>
                               </m:ctrlPr>
@@ -7510,11 +7935,11 @@
                               <m:sSub>
                                 <m:sSubPr>
                                   <m:ctrlPr>
-                                    <a:rPr lang="en-GB" sz="1600">
+                                    <a:rPr lang="en-GB" sz="1600" i="1">
                                       <a:solidFill>
                                         <a:srgbClr val="575756"/>
                                       </a:solidFill>
-                                      <a:latin typeface="DINPro"/>
+                                      <a:latin typeface="Cambria Math" panose="02040503050406030204" pitchFamily="18" charset="0"/>
                                       <a:cs typeface="DINPro"/>
                                     </a:rPr>
                                   </m:ctrlPr>
@@ -7525,7 +7950,7 @@
                                       <a:solidFill>
                                         <a:srgbClr val="575756"/>
                                       </a:solidFill>
-                                      <a:latin typeface="DINPro"/>
+                                      <a:latin typeface="Cambria Math" panose="02040503050406030204" pitchFamily="18" charset="0"/>
                                       <a:cs typeface="DINPro"/>
                                     </a:rPr>
                                     <m:t>𝑧</m:t>
@@ -7537,7 +7962,7 @@
                                       <a:solidFill>
                                         <a:srgbClr val="575756"/>
                                       </a:solidFill>
-                                      <a:latin typeface="DINPro"/>
+                                      <a:latin typeface="Cambria Math" panose="02040503050406030204" pitchFamily="18" charset="0"/>
                                       <a:cs typeface="DINPro"/>
                                     </a:rPr>
                                     <m:t>𝑐</m:t>
@@ -7549,11 +7974,11 @@
                           <m:sSub>
                             <m:sSubPr>
                               <m:ctrlPr>
-                                <a:rPr lang="en-GB" sz="1600">
+                                <a:rPr lang="en-GB" sz="1600" i="1">
                                   <a:solidFill>
                                     <a:srgbClr val="575756"/>
                                   </a:solidFill>
-                                  <a:latin typeface="DINPro"/>
+                                  <a:latin typeface="Cambria Math" panose="02040503050406030204" pitchFamily="18" charset="0"/>
                                   <a:cs typeface="DINPro"/>
                                 </a:rPr>
                               </m:ctrlPr>
@@ -7564,7 +7989,7 @@
                                   <a:solidFill>
                                     <a:srgbClr val="575756"/>
                                   </a:solidFill>
-                                  <a:latin typeface="DINPro"/>
+                                  <a:latin typeface="Cambria Math" panose="02040503050406030204" pitchFamily="18" charset="0"/>
                                   <a:cs typeface="DINPro"/>
                                 </a:rPr>
                                 <m:t>𝑑𝑧</m:t>
@@ -7576,7 +8001,7 @@
                                   <a:solidFill>
                                     <a:srgbClr val="575756"/>
                                   </a:solidFill>
-                                  <a:latin typeface="DINPro"/>
+                                  <a:latin typeface="Cambria Math" panose="02040503050406030204" pitchFamily="18" charset="0"/>
                                   <a:cs typeface="DINPro"/>
                                 </a:rPr>
                                 <m:t>𝑐</m:t>
@@ -7613,11 +8038,11 @@
                     <m:sSub>
                       <m:sSubPr>
                         <m:ctrlPr>
-                          <a:rPr lang="en-GB" sz="1600">
+                          <a:rPr lang="en-GB" sz="1600" i="1">
                             <a:solidFill>
                               <a:srgbClr val="575756"/>
                             </a:solidFill>
-                            <a:latin typeface="DINPro"/>
+                            <a:latin typeface="Cambria Math" panose="02040503050406030204" pitchFamily="18" charset="0"/>
                             <a:cs typeface="DINPro"/>
                           </a:rPr>
                         </m:ctrlPr>
@@ -7628,7 +8053,7 @@
                             <a:solidFill>
                               <a:srgbClr val="575756"/>
                             </a:solidFill>
-                            <a:latin typeface="DINPro"/>
+                            <a:latin typeface="Cambria Math" panose="02040503050406030204" pitchFamily="18" charset="0"/>
                             <a:cs typeface="DINPro"/>
                           </a:rPr>
                           <m:t>𝑝</m:t>
@@ -7640,7 +8065,7 @@
                             <a:solidFill>
                               <a:srgbClr val="575756"/>
                             </a:solidFill>
-                            <a:latin typeface="DINPro"/>
+                            <a:latin typeface="Cambria Math" panose="02040503050406030204" pitchFamily="18" charset="0"/>
                             <a:cs typeface="DINPro"/>
                           </a:rPr>
                           <m:t>𝑐</m:t>
@@ -7650,11 +8075,11 @@
                     <m:d>
                       <m:dPr>
                         <m:ctrlPr>
-                          <a:rPr lang="en-GB" sz="1600">
+                          <a:rPr lang="en-GB" sz="1600" i="1">
                             <a:solidFill>
                               <a:srgbClr val="575756"/>
                             </a:solidFill>
-                            <a:latin typeface="DINPro"/>
+                            <a:latin typeface="Cambria Math" panose="02040503050406030204" pitchFamily="18" charset="0"/>
                             <a:cs typeface="DINPro"/>
                           </a:rPr>
                         </m:ctrlPr>
@@ -7663,11 +8088,11 @@
                         <m:sSub>
                           <m:sSubPr>
                             <m:ctrlPr>
-                              <a:rPr lang="en-GB" sz="1600">
+                              <a:rPr lang="en-GB" sz="1600" i="1">
                                 <a:solidFill>
                                   <a:srgbClr val="575756"/>
                                 </a:solidFill>
-                                <a:latin typeface="DINPro"/>
+                                <a:latin typeface="Cambria Math" panose="02040503050406030204" pitchFamily="18" charset="0"/>
                                 <a:cs typeface="DINPro"/>
                               </a:rPr>
                             </m:ctrlPr>
@@ -7678,7 +8103,7 @@
                                 <a:solidFill>
                                   <a:srgbClr val="575756"/>
                                 </a:solidFill>
-                                <a:latin typeface="DINPro"/>
+                                <a:latin typeface="Cambria Math" panose="02040503050406030204" pitchFamily="18" charset="0"/>
                                 <a:cs typeface="DINPro"/>
                               </a:rPr>
                               <m:t>𝑧</m:t>
@@ -7690,7 +8115,7 @@
                                 <a:solidFill>
                                   <a:srgbClr val="575756"/>
                                 </a:solidFill>
-                                <a:latin typeface="DINPro"/>
+                                <a:latin typeface="Cambria Math" panose="02040503050406030204" pitchFamily="18" charset="0"/>
                                 <a:cs typeface="DINPro"/>
                               </a:rPr>
                               <m:t>𝑐</m:t>
@@ -7704,7 +8129,7 @@
                         <a:solidFill>
                           <a:srgbClr val="575756"/>
                         </a:solidFill>
-                        <a:latin typeface="DINPro"/>
+                        <a:latin typeface="Cambria Math" panose="02040503050406030204" pitchFamily="18" charset="0"/>
                         <a:cs typeface="DINPro"/>
                       </a:rPr>
                       <m:t> </m:t>
@@ -7726,11 +8151,11 @@
                     <m:sSub>
                       <m:sSubPr>
                         <m:ctrlPr>
-                          <a:rPr lang="en-GB" sz="1600">
+                          <a:rPr lang="en-GB" sz="1600" i="1">
                             <a:solidFill>
                               <a:srgbClr val="575756"/>
                             </a:solidFill>
-                            <a:latin typeface="DINPro"/>
+                            <a:latin typeface="Cambria Math" panose="02040503050406030204" pitchFamily="18" charset="0"/>
                             <a:cs typeface="DINPro"/>
                           </a:rPr>
                         </m:ctrlPr>
@@ -7741,7 +8166,7 @@
                             <a:solidFill>
                               <a:srgbClr val="575756"/>
                             </a:solidFill>
-                            <a:latin typeface="DINPro"/>
+                            <a:latin typeface="Cambria Math" panose="02040503050406030204" pitchFamily="18" charset="0"/>
                             <a:cs typeface="DINPro"/>
                           </a:rPr>
                           <m:t>𝑧</m:t>
@@ -7753,7 +8178,7 @@
                             <a:solidFill>
                               <a:srgbClr val="575756"/>
                             </a:solidFill>
-                            <a:latin typeface="DINPro"/>
+                            <a:latin typeface="Cambria Math" panose="02040503050406030204" pitchFamily="18" charset="0"/>
                             <a:cs typeface="DINPro"/>
                           </a:rPr>
                           <m:t>𝑐</m:t>
@@ -7765,7 +8190,7 @@
                         <a:solidFill>
                           <a:srgbClr val="575756"/>
                         </a:solidFill>
-                        <a:latin typeface="DINPro"/>
+                        <a:latin typeface="Cambria Math" panose="02040503050406030204" pitchFamily="18" charset="0"/>
                         <a:cs typeface="DINPro"/>
                       </a:rPr>
                       <m:t> </m:t>
@@ -7787,11 +8212,11 @@
                     <m:sSub>
                       <m:sSubPr>
                         <m:ctrlPr>
-                          <a:rPr lang="en-GB" sz="1600">
+                          <a:rPr lang="en-GB" sz="1600" i="1">
                             <a:solidFill>
                               <a:srgbClr val="575756"/>
                             </a:solidFill>
-                            <a:latin typeface="DINPro"/>
+                            <a:latin typeface="Cambria Math" panose="02040503050406030204" pitchFamily="18" charset="0"/>
                             <a:cs typeface="DINPro"/>
                           </a:rPr>
                         </m:ctrlPr>
@@ -7802,7 +8227,7 @@
                             <a:solidFill>
                               <a:srgbClr val="575756"/>
                             </a:solidFill>
-                            <a:latin typeface="DINPro"/>
+                            <a:latin typeface="Cambria Math" panose="02040503050406030204" pitchFamily="18" charset="0"/>
                             <a:cs typeface="DINPro"/>
                           </a:rPr>
                           <m:t>𝑝</m:t>
@@ -7814,7 +8239,7 @@
                             <a:solidFill>
                               <a:srgbClr val="575756"/>
                             </a:solidFill>
-                            <a:latin typeface="DINPro"/>
+                            <a:latin typeface="Cambria Math" panose="02040503050406030204" pitchFamily="18" charset="0"/>
                             <a:cs typeface="DINPro"/>
                           </a:rPr>
                           <m:t>𝑐</m:t>
@@ -7824,11 +8249,11 @@
                     <m:d>
                       <m:dPr>
                         <m:ctrlPr>
-                          <a:rPr lang="en-GB" sz="1600">
+                          <a:rPr lang="en-GB" sz="1600" i="1">
                             <a:solidFill>
                               <a:srgbClr val="575756"/>
                             </a:solidFill>
-                            <a:latin typeface="DINPro"/>
+                            <a:latin typeface="Cambria Math" panose="02040503050406030204" pitchFamily="18" charset="0"/>
                             <a:cs typeface="DINPro"/>
                           </a:rPr>
                         </m:ctrlPr>
@@ -7837,11 +8262,11 @@
                         <m:sSub>
                           <m:sSubPr>
                             <m:ctrlPr>
-                              <a:rPr lang="en-GB" sz="1600">
+                              <a:rPr lang="en-GB" sz="1600" i="1">
                                 <a:solidFill>
                                   <a:srgbClr val="575756"/>
                                 </a:solidFill>
-                                <a:latin typeface="DINPro"/>
+                                <a:latin typeface="Cambria Math" panose="02040503050406030204" pitchFamily="18" charset="0"/>
                                 <a:cs typeface="DINPro"/>
                               </a:rPr>
                             </m:ctrlPr>
@@ -7852,7 +8277,7 @@
                                 <a:solidFill>
                                   <a:srgbClr val="575756"/>
                                 </a:solidFill>
-                                <a:latin typeface="DINPro"/>
+                                <a:latin typeface="Cambria Math" panose="02040503050406030204" pitchFamily="18" charset="0"/>
                                 <a:cs typeface="DINPro"/>
                               </a:rPr>
                               <m:t>𝑧</m:t>
@@ -7864,7 +8289,7 @@
                                 <a:solidFill>
                                   <a:srgbClr val="575756"/>
                                 </a:solidFill>
-                                <a:latin typeface="DINPro"/>
+                                <a:latin typeface="Cambria Math" panose="02040503050406030204" pitchFamily="18" charset="0"/>
                                 <a:cs typeface="DINPro"/>
                               </a:rPr>
                               <m:t>𝑐</m:t>
@@ -7890,11 +8315,11 @@
                     <m:sSub>
                       <m:sSubPr>
                         <m:ctrlPr>
-                          <a:rPr lang="en-GB" sz="1600">
+                          <a:rPr lang="en-GB" sz="1600" i="1">
                             <a:solidFill>
                               <a:srgbClr val="575756"/>
                             </a:solidFill>
-                            <a:latin typeface="DINPro"/>
+                            <a:latin typeface="Cambria Math" panose="02040503050406030204" pitchFamily="18" charset="0"/>
                             <a:cs typeface="DINPro"/>
                           </a:rPr>
                         </m:ctrlPr>
@@ -7906,11 +8331,11 @@
                             <m:subHide m:val="on"/>
                             <m:supHide m:val="on"/>
                             <m:ctrlPr>
-                              <a:rPr lang="en-GB" sz="1600">
+                              <a:rPr lang="en-GB" sz="1600" i="1">
                                 <a:solidFill>
                                   <a:srgbClr val="575756"/>
                                 </a:solidFill>
-                                <a:latin typeface="DINPro"/>
+                                <a:latin typeface="Cambria Math" panose="02040503050406030204" pitchFamily="18" charset="0"/>
                                 <a:cs typeface="DINPro"/>
                               </a:rPr>
                             </m:ctrlPr>
@@ -7923,7 +8348,7 @@
                                 <a:solidFill>
                                   <a:srgbClr val="575756"/>
                                 </a:solidFill>
-                                <a:latin typeface="DINPro"/>
+                                <a:latin typeface="Cambria Math" panose="02040503050406030204" pitchFamily="18" charset="0"/>
                                 <a:cs typeface="DINPro"/>
                               </a:rPr>
                               <m:t>𝑝</m:t>
@@ -7933,7 +8358,7 @@
                                 <a:solidFill>
                                   <a:srgbClr val="575756"/>
                                 </a:solidFill>
-                                <a:latin typeface="DINPro"/>
+                                <a:latin typeface="Cambria Math" panose="02040503050406030204" pitchFamily="18" charset="0"/>
                                 <a:cs typeface="DINPro"/>
                               </a:rPr>
                               <m:t>(</m:t>
@@ -7943,7 +8368,7 @@
                                 <a:solidFill>
                                   <a:srgbClr val="575756"/>
                                 </a:solidFill>
-                                <a:latin typeface="DINPro"/>
+                                <a:latin typeface="Cambria Math" panose="02040503050406030204" pitchFamily="18" charset="0"/>
                                 <a:cs typeface="DINPro"/>
                               </a:rPr>
                               <m:t>𝑥</m:t>
@@ -7953,7 +8378,7 @@
                                 <a:solidFill>
                                   <a:srgbClr val="575756"/>
                                 </a:solidFill>
-                                <a:latin typeface="DINPro"/>
+                                <a:latin typeface="Cambria Math" panose="02040503050406030204" pitchFamily="18" charset="0"/>
                                 <a:cs typeface="DINPro"/>
                               </a:rPr>
                               <m:t>)</m:t>
@@ -7965,7 +8390,7 @@
                             <a:solidFill>
                               <a:srgbClr val="575756"/>
                             </a:solidFill>
-                            <a:latin typeface="DINPro"/>
+                            <a:latin typeface="Cambria Math" panose="02040503050406030204" pitchFamily="18" charset="0"/>
                             <a:cs typeface="DINPro"/>
                           </a:rPr>
                           <m:t>𝑑𝑧</m:t>
@@ -7977,7 +8402,7 @@
                             <a:solidFill>
                               <a:srgbClr val="575756"/>
                             </a:solidFill>
-                            <a:latin typeface="DINPro"/>
+                            <a:latin typeface="Cambria Math" panose="02040503050406030204" pitchFamily="18" charset="0"/>
                             <a:cs typeface="DINPro"/>
                           </a:rPr>
                           <m:t>𝑐</m:t>
@@ -8012,380 +8437,372 @@
               </a:p>
               <a:p>
                 <a:pPr lvl="1"/>
-                <a:r>
-                  <a:rPr lang="en-US" sz="1600" dirty="0">
-                    <a:solidFill>
-                      <a:srgbClr val="575756"/>
-                    </a:solidFill>
-                    <a:latin typeface="DINPro"/>
-                    <a:cs typeface="DINPro"/>
-                  </a:rPr>
-                  <a:t/>
-                </a:r>
                 <a14:m>
-                  <m:oMath xmlns:m="http://schemas.openxmlformats.org/officeDocument/2006/math">
-                    <m:sSub>
-                      <m:sSubPr>
-                        <m:ctrlPr>
-                          <a:rPr lang="en-GB" sz="1600" i="1">
-                            <a:solidFill>
-                              <a:srgbClr val="575756"/>
-                            </a:solidFill>
-                            <a:latin typeface="DINPro"/>
-                            <a:cs typeface="DINPro"/>
-                          </a:rPr>
-                        </m:ctrlPr>
-                      </m:sSubPr>
-                      <m:e>
-                        <m:acc>
-                          <m:accPr>
-                            <m:chr m:val="̅"/>
-                            <m:ctrlPr>
-                              <a:rPr lang="en-GB" sz="1600" i="1">
-                                <a:solidFill>
-                                  <a:srgbClr val="575756"/>
-                                </a:solidFill>
-                                <a:latin typeface="DINPro"/>
-                                <a:cs typeface="DINPro"/>
-                              </a:rPr>
-                            </m:ctrlPr>
-                          </m:accPr>
-                          <m:e>
-                            <m:r>
-                              <a:rPr lang="en-GB" sz="1600" i="1">
-                                <a:solidFill>
-                                  <a:srgbClr val="575756"/>
-                                </a:solidFill>
-                                <a:latin typeface="DINPro"/>
-                                <a:cs typeface="DINPro"/>
-                              </a:rPr>
-                              <m:t>𝑓</m:t>
-                            </m:r>
-                          </m:e>
-                        </m:acc>
-                      </m:e>
-                      <m:sub>
-                        <m:r>
-                          <a:rPr lang="en-GB" sz="1600" i="1">
-                            <a:solidFill>
-                              <a:srgbClr val="575756"/>
-                            </a:solidFill>
-                            <a:latin typeface="DINPro"/>
-                            <a:cs typeface="DINPro"/>
-                          </a:rPr>
-                          <m:t>𝑠</m:t>
-                        </m:r>
-                      </m:sub>
-                    </m:sSub>
-                    <m:d>
-                      <m:dPr>
-                        <m:ctrlPr>
-                          <a:rPr lang="en-GB" sz="1600" i="1">
-                            <a:solidFill>
-                              <a:srgbClr val="575756"/>
-                            </a:solidFill>
-                            <a:latin typeface="DINPro"/>
-                            <a:cs typeface="DINPro"/>
-                          </a:rPr>
-                        </m:ctrlPr>
-                      </m:dPr>
-                      <m:e>
-                        <m:sSub>
-                          <m:sSubPr>
-                            <m:ctrlPr>
-                              <a:rPr lang="en-GB" sz="1600" i="1">
-                                <a:solidFill>
-                                  <a:srgbClr val="575756"/>
-                                </a:solidFill>
-                                <a:latin typeface="DINPro"/>
-                                <a:cs typeface="DINPro"/>
-                              </a:rPr>
-                            </m:ctrlPr>
-                          </m:sSubPr>
-                          <m:e>
-                            <m:r>
-                              <a:rPr lang="en-GB" sz="1600" i="1">
-                                <a:solidFill>
-                                  <a:srgbClr val="575756"/>
-                                </a:solidFill>
-                                <a:latin typeface="DINPro"/>
-                                <a:cs typeface="DINPro"/>
-                              </a:rPr>
-                              <m:t>𝑧</m:t>
-                            </m:r>
-                          </m:e>
-                          <m:sub>
-                            <m:r>
-                              <a:rPr lang="en-GB" sz="1600" i="1">
-                                <a:solidFill>
-                                  <a:srgbClr val="575756"/>
-                                </a:solidFill>
-                                <a:latin typeface="DINPro"/>
-                                <a:cs typeface="DINPro"/>
-                              </a:rPr>
-                              <m:t>𝑠</m:t>
-                            </m:r>
-                          </m:sub>
-                        </m:sSub>
-                      </m:e>
-                    </m:d>
-                    <m:r>
-                      <a:rPr lang="en-GB" sz="1600" i="1">
-                        <a:solidFill>
-                          <a:srgbClr val="575756"/>
-                        </a:solidFill>
-                        <a:latin typeface="DINPro"/>
-                        <a:cs typeface="DINPro"/>
-                      </a:rPr>
-                      <m:t>= </m:t>
-                    </m:r>
-                    <m:f>
-                      <m:fPr>
-                        <m:ctrlPr>
-                          <a:rPr lang="en-GB" sz="1600" i="1">
-                            <a:solidFill>
-                              <a:srgbClr val="575756"/>
-                            </a:solidFill>
-                            <a:latin typeface="DINPro"/>
-                            <a:cs typeface="DINPro"/>
-                          </a:rPr>
-                        </m:ctrlPr>
-                      </m:fPr>
-                      <m:num>
-                        <m:r>
-                          <a:rPr lang="en-GB" sz="1600" i="1">
-                            <a:solidFill>
-                              <a:srgbClr val="575756"/>
-                            </a:solidFill>
-                            <a:latin typeface="DINPro"/>
-                            <a:cs typeface="DINPro"/>
-                          </a:rPr>
-                          <m:t>1</m:t>
-                        </m:r>
-                      </m:num>
-                      <m:den>
-                        <m:r>
-                          <a:rPr lang="en-GB" sz="1600" i="1">
-                            <a:solidFill>
-                              <a:srgbClr val="575756"/>
-                            </a:solidFill>
-                            <a:latin typeface="DINPro"/>
-                            <a:cs typeface="DINPro"/>
-                          </a:rPr>
-                          <m:t>𝑛</m:t>
-                        </m:r>
-                      </m:den>
-                    </m:f>
-                    <m:nary>
-                      <m:naryPr>
-                        <m:chr m:val="∑"/>
-                        <m:ctrlPr>
-                          <a:rPr lang="en-GB" sz="1600" i="1">
-                            <a:solidFill>
-                              <a:srgbClr val="575756"/>
-                            </a:solidFill>
-                            <a:latin typeface="DINPro"/>
-                            <a:cs typeface="DINPro"/>
-                          </a:rPr>
-                        </m:ctrlPr>
-                      </m:naryPr>
-                      <m:sub>
-                        <m:r>
-                          <m:rPr>
-                            <m:brk m:alnAt="23"/>
-                          </m:rPr>
-                          <a:rPr lang="en-GB" sz="1600" i="1">
-                            <a:solidFill>
-                              <a:srgbClr val="575756"/>
-                            </a:solidFill>
-                            <a:latin typeface="DINPro"/>
-                            <a:cs typeface="DINPro"/>
-                          </a:rPr>
-                          <m:t>𝑖</m:t>
-                        </m:r>
-                        <m:r>
-                          <a:rPr lang="en-GB" sz="1600" i="1">
-                            <a:solidFill>
-                              <a:srgbClr val="575756"/>
-                            </a:solidFill>
-                            <a:latin typeface="DINPro"/>
-                            <a:cs typeface="DINPro"/>
-                          </a:rPr>
-                          <m:t>=1</m:t>
-                        </m:r>
-                      </m:sub>
-                      <m:sup>
-                        <m:r>
-                          <a:rPr lang="en-GB" sz="1600" i="1">
-                            <a:solidFill>
-                              <a:srgbClr val="575756"/>
-                            </a:solidFill>
-                            <a:latin typeface="DINPro"/>
-                            <a:cs typeface="DINPro"/>
-                          </a:rPr>
-                          <m:t>𝑛</m:t>
-                        </m:r>
-                      </m:sup>
-                      <m:e>
-                        <m:acc>
-                          <m:accPr>
-                            <m:chr m:val="̂"/>
-                            <m:ctrlPr>
-                              <a:rPr lang="en-GB" sz="1600" i="1">
-                                <a:solidFill>
-                                  <a:srgbClr val="575756"/>
-                                </a:solidFill>
-                                <a:latin typeface="DINPro"/>
-                                <a:cs typeface="DINPro"/>
-                              </a:rPr>
-                            </m:ctrlPr>
-                          </m:accPr>
-                          <m:e>
-                            <m:r>
-                              <a:rPr lang="en-GB" sz="1600" i="1">
-                                <a:solidFill>
-                                  <a:srgbClr val="575756"/>
-                                </a:solidFill>
-                                <a:latin typeface="DINPro"/>
-                                <a:cs typeface="DINPro"/>
-                              </a:rPr>
-                              <m:t>𝑓</m:t>
-                            </m:r>
-                          </m:e>
-                        </m:acc>
-                        <m:d>
-                          <m:dPr>
-                            <m:ctrlPr>
-                              <a:rPr lang="en-GB" sz="1600" i="1">
-                                <a:solidFill>
-                                  <a:srgbClr val="575756"/>
-                                </a:solidFill>
-                                <a:latin typeface="DINPro"/>
-                                <a:cs typeface="DINPro"/>
-                              </a:rPr>
-                            </m:ctrlPr>
-                          </m:dPr>
-                          <m:e>
-                            <m:sSub>
-                              <m:sSubPr>
-                                <m:ctrlPr>
-                                  <a:rPr lang="en-GB" sz="1600" i="1">
-                                    <a:solidFill>
-                                      <a:srgbClr val="575756"/>
-                                    </a:solidFill>
-                                    <a:latin typeface="DINPro"/>
-                                    <a:cs typeface="DINPro"/>
-                                  </a:rPr>
-                                </m:ctrlPr>
-                              </m:sSubPr>
-                              <m:e>
-                                <m:r>
-                                  <a:rPr lang="en-GB" sz="1600" i="1">
-                                    <a:solidFill>
-                                      <a:srgbClr val="575756"/>
-                                    </a:solidFill>
-                                    <a:latin typeface="DINPro"/>
-                                    <a:cs typeface="DINPro"/>
-                                  </a:rPr>
-                                  <m:t>𝑧</m:t>
-                                </m:r>
-                              </m:e>
-                              <m:sub>
-                                <m:r>
-                                  <a:rPr lang="en-GB" sz="1600" i="1">
-                                    <a:solidFill>
-                                      <a:srgbClr val="575756"/>
-                                    </a:solidFill>
-                                    <a:latin typeface="DINPro"/>
-                                    <a:cs typeface="DINPro"/>
-                                  </a:rPr>
-                                  <m:t>𝑠</m:t>
-                                </m:r>
-                              </m:sub>
-                            </m:sSub>
-                            <m:r>
-                              <a:rPr lang="en-GB" sz="1600" i="1">
-                                <a:solidFill>
-                                  <a:srgbClr val="575756"/>
-                                </a:solidFill>
-                                <a:latin typeface="DINPro"/>
-                                <a:cs typeface="DINPro"/>
-                              </a:rPr>
-                              <m:t>, </m:t>
-                            </m:r>
-                            <m:sSub>
-                              <m:sSubPr>
-                                <m:ctrlPr>
-                                  <a:rPr lang="en-GB" sz="1600" i="1">
-                                    <a:solidFill>
-                                      <a:srgbClr val="575756"/>
-                                    </a:solidFill>
-                                    <a:latin typeface="DINPro"/>
-                                    <a:cs typeface="DINPro"/>
-                                  </a:rPr>
-                                </m:ctrlPr>
-                              </m:sSubPr>
-                              <m:e>
-                                <m:r>
-                                  <a:rPr lang="en-GB" sz="1600" i="1">
-                                    <a:solidFill>
-                                      <a:srgbClr val="575756"/>
-                                    </a:solidFill>
-                                    <a:latin typeface="DINPro"/>
-                                    <a:cs typeface="DINPro"/>
-                                  </a:rPr>
-                                  <m:t>𝑧</m:t>
-                                </m:r>
-                              </m:e>
-                              <m:sub>
-                                <m:r>
-                                  <a:rPr lang="en-GB" sz="1600" i="1">
-                                    <a:solidFill>
-                                      <a:srgbClr val="575756"/>
-                                    </a:solidFill>
-                                    <a:latin typeface="DINPro"/>
-                                    <a:cs typeface="DINPro"/>
-                                  </a:rPr>
-                                  <m:t>𝑖</m:t>
-                                </m:r>
-                                <m:r>
-                                  <a:rPr lang="en-GB" sz="1600" i="1">
-                                    <a:solidFill>
-                                      <a:srgbClr val="575756"/>
-                                    </a:solidFill>
-                                    <a:latin typeface="DINPro"/>
-                                    <a:cs typeface="DINPro"/>
-                                  </a:rPr>
-                                  <m:t>,</m:t>
-                                </m:r>
-                                <m:r>
-                                  <a:rPr lang="en-GB" sz="1600" i="1">
-                                    <a:solidFill>
-                                      <a:srgbClr val="575756"/>
-                                    </a:solidFill>
-                                    <a:latin typeface="DINPro"/>
-                                    <a:cs typeface="DINPro"/>
-                                  </a:rPr>
-                                  <m:t>𝑐</m:t>
-                                </m:r>
-                              </m:sub>
-                            </m:sSub>
-                          </m:e>
-                        </m:d>
-                      </m:e>
-                    </m:nary>
-                  </m:oMath>
+                  <m:oMathPara xmlns:m="http://schemas.openxmlformats.org/officeDocument/2006/math">
+                    <m:oMathParaPr>
+                      <m:jc m:val="centerGroup"/>
+                    </m:oMathParaPr>
+                    <m:oMath xmlns:m="http://schemas.openxmlformats.org/officeDocument/2006/math">
+                      <m:sSub>
+                        <m:sSubPr>
+                          <m:ctrlPr>
+                            <a:rPr lang="en-GB" sz="1600" i="1">
+                              <a:solidFill>
+                                <a:srgbClr val="575756"/>
+                              </a:solidFill>
+                              <a:latin typeface="Cambria Math" panose="02040503050406030204" pitchFamily="18" charset="0"/>
+                              <a:cs typeface="DINPro"/>
+                            </a:rPr>
+                          </m:ctrlPr>
+                        </m:sSubPr>
+                        <m:e>
+                          <m:acc>
+                            <m:accPr>
+                              <m:chr m:val="̅"/>
+                              <m:ctrlPr>
+                                <a:rPr lang="en-GB" sz="1600" i="1">
+                                  <a:solidFill>
+                                    <a:srgbClr val="575756"/>
+                                  </a:solidFill>
+                                  <a:latin typeface="Cambria Math" panose="02040503050406030204" pitchFamily="18" charset="0"/>
+                                  <a:cs typeface="DINPro"/>
+                                </a:rPr>
+                              </m:ctrlPr>
+                            </m:accPr>
+                            <m:e>
+                              <m:r>
+                                <a:rPr lang="en-GB" sz="1600" i="1">
+                                  <a:solidFill>
+                                    <a:srgbClr val="575756"/>
+                                  </a:solidFill>
+                                  <a:latin typeface="Cambria Math" panose="02040503050406030204" pitchFamily="18" charset="0"/>
+                                  <a:cs typeface="DINPro"/>
+                                </a:rPr>
+                                <m:t>𝑓</m:t>
+                              </m:r>
+                            </m:e>
+                          </m:acc>
+                        </m:e>
+                        <m:sub>
+                          <m:r>
+                            <a:rPr lang="en-GB" sz="1600" i="1">
+                              <a:solidFill>
+                                <a:srgbClr val="575756"/>
+                              </a:solidFill>
+                              <a:latin typeface="Cambria Math" panose="02040503050406030204" pitchFamily="18" charset="0"/>
+                              <a:cs typeface="DINPro"/>
+                            </a:rPr>
+                            <m:t>𝑠</m:t>
+                          </m:r>
+                        </m:sub>
+                      </m:sSub>
+                      <m:d>
+                        <m:dPr>
+                          <m:ctrlPr>
+                            <a:rPr lang="en-GB" sz="1600" i="1">
+                              <a:solidFill>
+                                <a:srgbClr val="575756"/>
+                              </a:solidFill>
+                              <a:latin typeface="Cambria Math" panose="02040503050406030204" pitchFamily="18" charset="0"/>
+                              <a:cs typeface="DINPro"/>
+                            </a:rPr>
+                          </m:ctrlPr>
+                        </m:dPr>
+                        <m:e>
+                          <m:sSub>
+                            <m:sSubPr>
+                              <m:ctrlPr>
+                                <a:rPr lang="en-GB" sz="1600" i="1">
+                                  <a:solidFill>
+                                    <a:srgbClr val="575756"/>
+                                  </a:solidFill>
+                                  <a:latin typeface="Cambria Math" panose="02040503050406030204" pitchFamily="18" charset="0"/>
+                                  <a:cs typeface="DINPro"/>
+                                </a:rPr>
+                              </m:ctrlPr>
+                            </m:sSubPr>
+                            <m:e>
+                              <m:r>
+                                <a:rPr lang="en-GB" sz="1600" i="1">
+                                  <a:solidFill>
+                                    <a:srgbClr val="575756"/>
+                                  </a:solidFill>
+                                  <a:latin typeface="Cambria Math" panose="02040503050406030204" pitchFamily="18" charset="0"/>
+                                  <a:cs typeface="DINPro"/>
+                                </a:rPr>
+                                <m:t>𝑧</m:t>
+                              </m:r>
+                            </m:e>
+                            <m:sub>
+                              <m:r>
+                                <a:rPr lang="en-GB" sz="1600" i="1">
+                                  <a:solidFill>
+                                    <a:srgbClr val="575756"/>
+                                  </a:solidFill>
+                                  <a:latin typeface="Cambria Math" panose="02040503050406030204" pitchFamily="18" charset="0"/>
+                                  <a:cs typeface="DINPro"/>
+                                </a:rPr>
+                                <m:t>𝑠</m:t>
+                              </m:r>
+                            </m:sub>
+                          </m:sSub>
+                        </m:e>
+                      </m:d>
+                      <m:r>
+                        <a:rPr lang="en-GB" sz="1600" i="1">
+                          <a:solidFill>
+                            <a:srgbClr val="575756"/>
+                          </a:solidFill>
+                          <a:latin typeface="Cambria Math" panose="02040503050406030204" pitchFamily="18" charset="0"/>
+                          <a:cs typeface="DINPro"/>
+                        </a:rPr>
+                        <m:t>= </m:t>
+                      </m:r>
+                      <m:f>
+                        <m:fPr>
+                          <m:ctrlPr>
+                            <a:rPr lang="en-GB" sz="1600" i="1">
+                              <a:solidFill>
+                                <a:srgbClr val="575756"/>
+                              </a:solidFill>
+                              <a:latin typeface="Cambria Math" panose="02040503050406030204" pitchFamily="18" charset="0"/>
+                              <a:cs typeface="DINPro"/>
+                            </a:rPr>
+                          </m:ctrlPr>
+                        </m:fPr>
+                        <m:num>
+                          <m:r>
+                            <a:rPr lang="en-GB" sz="1600" i="1">
+                              <a:solidFill>
+                                <a:srgbClr val="575756"/>
+                              </a:solidFill>
+                              <a:latin typeface="Cambria Math" panose="02040503050406030204" pitchFamily="18" charset="0"/>
+                              <a:cs typeface="DINPro"/>
+                            </a:rPr>
+                            <m:t>1</m:t>
+                          </m:r>
+                        </m:num>
+                        <m:den>
+                          <m:r>
+                            <a:rPr lang="en-GB" sz="1600" i="1">
+                              <a:solidFill>
+                                <a:srgbClr val="575756"/>
+                              </a:solidFill>
+                              <a:latin typeface="Cambria Math" panose="02040503050406030204" pitchFamily="18" charset="0"/>
+                              <a:cs typeface="DINPro"/>
+                            </a:rPr>
+                            <m:t>𝑛</m:t>
+                          </m:r>
+                        </m:den>
+                      </m:f>
+                      <m:nary>
+                        <m:naryPr>
+                          <m:chr m:val="∑"/>
+                          <m:ctrlPr>
+                            <a:rPr lang="en-GB" sz="1600" i="1">
+                              <a:solidFill>
+                                <a:srgbClr val="575756"/>
+                              </a:solidFill>
+                              <a:latin typeface="Cambria Math" panose="02040503050406030204" pitchFamily="18" charset="0"/>
+                              <a:cs typeface="DINPro"/>
+                            </a:rPr>
+                          </m:ctrlPr>
+                        </m:naryPr>
+                        <m:sub>
+                          <m:r>
+                            <m:rPr>
+                              <m:brk m:alnAt="23"/>
+                            </m:rPr>
+                            <a:rPr lang="en-GB" sz="1600" i="1">
+                              <a:solidFill>
+                                <a:srgbClr val="575756"/>
+                              </a:solidFill>
+                              <a:latin typeface="Cambria Math" panose="02040503050406030204" pitchFamily="18" charset="0"/>
+                              <a:cs typeface="DINPro"/>
+                            </a:rPr>
+                            <m:t>𝑖</m:t>
+                          </m:r>
+                          <m:r>
+                            <a:rPr lang="en-GB" sz="1600" i="1">
+                              <a:solidFill>
+                                <a:srgbClr val="575756"/>
+                              </a:solidFill>
+                              <a:latin typeface="Cambria Math" panose="02040503050406030204" pitchFamily="18" charset="0"/>
+                              <a:cs typeface="DINPro"/>
+                            </a:rPr>
+                            <m:t>=1</m:t>
+                          </m:r>
+                        </m:sub>
+                        <m:sup>
+                          <m:r>
+                            <a:rPr lang="en-GB" sz="1600" i="1">
+                              <a:solidFill>
+                                <a:srgbClr val="575756"/>
+                              </a:solidFill>
+                              <a:latin typeface="Cambria Math" panose="02040503050406030204" pitchFamily="18" charset="0"/>
+                              <a:cs typeface="DINPro"/>
+                            </a:rPr>
+                            <m:t>𝑛</m:t>
+                          </m:r>
+                        </m:sup>
+                        <m:e>
+                          <m:acc>
+                            <m:accPr>
+                              <m:chr m:val="̂"/>
+                              <m:ctrlPr>
+                                <a:rPr lang="en-GB" sz="1600" i="1">
+                                  <a:solidFill>
+                                    <a:srgbClr val="575756"/>
+                                  </a:solidFill>
+                                  <a:latin typeface="Cambria Math" panose="02040503050406030204" pitchFamily="18" charset="0"/>
+                                  <a:cs typeface="DINPro"/>
+                                </a:rPr>
+                              </m:ctrlPr>
+                            </m:accPr>
+                            <m:e>
+                              <m:r>
+                                <a:rPr lang="en-GB" sz="1600" i="1">
+                                  <a:solidFill>
+                                    <a:srgbClr val="575756"/>
+                                  </a:solidFill>
+                                  <a:latin typeface="Cambria Math" panose="02040503050406030204" pitchFamily="18" charset="0"/>
+                                  <a:cs typeface="DINPro"/>
+                                </a:rPr>
+                                <m:t>𝑓</m:t>
+                              </m:r>
+                            </m:e>
+                          </m:acc>
+                          <m:d>
+                            <m:dPr>
+                              <m:ctrlPr>
+                                <a:rPr lang="en-GB" sz="1600" i="1">
+                                  <a:solidFill>
+                                    <a:srgbClr val="575756"/>
+                                  </a:solidFill>
+                                  <a:latin typeface="Cambria Math" panose="02040503050406030204" pitchFamily="18" charset="0"/>
+                                  <a:cs typeface="DINPro"/>
+                                </a:rPr>
+                              </m:ctrlPr>
+                            </m:dPr>
+                            <m:e>
+                              <m:sSub>
+                                <m:sSubPr>
+                                  <m:ctrlPr>
+                                    <a:rPr lang="en-GB" sz="1600" i="1">
+                                      <a:solidFill>
+                                        <a:srgbClr val="575756"/>
+                                      </a:solidFill>
+                                      <a:latin typeface="Cambria Math" panose="02040503050406030204" pitchFamily="18" charset="0"/>
+                                      <a:cs typeface="DINPro"/>
+                                    </a:rPr>
+                                  </m:ctrlPr>
+                                </m:sSubPr>
+                                <m:e>
+                                  <m:r>
+                                    <a:rPr lang="en-GB" sz="1600" i="1">
+                                      <a:solidFill>
+                                        <a:srgbClr val="575756"/>
+                                      </a:solidFill>
+                                      <a:latin typeface="Cambria Math" panose="02040503050406030204" pitchFamily="18" charset="0"/>
+                                      <a:cs typeface="DINPro"/>
+                                    </a:rPr>
+                                    <m:t>𝑧</m:t>
+                                  </m:r>
+                                </m:e>
+                                <m:sub>
+                                  <m:r>
+                                    <a:rPr lang="en-GB" sz="1600" i="1">
+                                      <a:solidFill>
+                                        <a:srgbClr val="575756"/>
+                                      </a:solidFill>
+                                      <a:latin typeface="Cambria Math" panose="02040503050406030204" pitchFamily="18" charset="0"/>
+                                      <a:cs typeface="DINPro"/>
+                                    </a:rPr>
+                                    <m:t>𝑠</m:t>
+                                  </m:r>
+                                </m:sub>
+                              </m:sSub>
+                              <m:r>
+                                <a:rPr lang="en-GB" sz="1600" i="1">
+                                  <a:solidFill>
+                                    <a:srgbClr val="575756"/>
+                                  </a:solidFill>
+                                  <a:latin typeface="Cambria Math" panose="02040503050406030204" pitchFamily="18" charset="0"/>
+                                  <a:cs typeface="DINPro"/>
+                                </a:rPr>
+                                <m:t>, </m:t>
+                              </m:r>
+                              <m:sSub>
+                                <m:sSubPr>
+                                  <m:ctrlPr>
+                                    <a:rPr lang="en-GB" sz="1600" i="1">
+                                      <a:solidFill>
+                                        <a:srgbClr val="575756"/>
+                                      </a:solidFill>
+                                      <a:latin typeface="Cambria Math" panose="02040503050406030204" pitchFamily="18" charset="0"/>
+                                      <a:cs typeface="DINPro"/>
+                                    </a:rPr>
+                                  </m:ctrlPr>
+                                </m:sSubPr>
+                                <m:e>
+                                  <m:r>
+                                    <a:rPr lang="en-GB" sz="1600" i="1">
+                                      <a:solidFill>
+                                        <a:srgbClr val="575756"/>
+                                      </a:solidFill>
+                                      <a:latin typeface="Cambria Math" panose="02040503050406030204" pitchFamily="18" charset="0"/>
+                                      <a:cs typeface="DINPro"/>
+                                    </a:rPr>
+                                    <m:t>𝑧</m:t>
+                                  </m:r>
+                                </m:e>
+                                <m:sub>
+                                  <m:r>
+                                    <a:rPr lang="en-GB" sz="1600" i="1">
+                                      <a:solidFill>
+                                        <a:srgbClr val="575756"/>
+                                      </a:solidFill>
+                                      <a:latin typeface="Cambria Math" panose="02040503050406030204" pitchFamily="18" charset="0"/>
+                                      <a:cs typeface="DINPro"/>
+                                    </a:rPr>
+                                    <m:t>𝑖</m:t>
+                                  </m:r>
+                                  <m:r>
+                                    <a:rPr lang="en-GB" sz="1600" i="1">
+                                      <a:solidFill>
+                                        <a:srgbClr val="575756"/>
+                                      </a:solidFill>
+                                      <a:latin typeface="Cambria Math" panose="02040503050406030204" pitchFamily="18" charset="0"/>
+                                      <a:cs typeface="DINPro"/>
+                                    </a:rPr>
+                                    <m:t>,</m:t>
+                                  </m:r>
+                                  <m:r>
+                                    <a:rPr lang="en-GB" sz="1600" i="1">
+                                      <a:solidFill>
+                                        <a:srgbClr val="575756"/>
+                                      </a:solidFill>
+                                      <a:latin typeface="Cambria Math" panose="02040503050406030204" pitchFamily="18" charset="0"/>
+                                      <a:cs typeface="DINPro"/>
+                                    </a:rPr>
+                                    <m:t>𝑐</m:t>
+                                  </m:r>
+                                </m:sub>
+                              </m:sSub>
+                            </m:e>
+                          </m:d>
+                        </m:e>
+                      </m:nary>
+                    </m:oMath>
+                  </m:oMathPara>
                 </a14:m>
-                <a:r>
-                  <a:rPr lang="en-US" sz="1600" dirty="0">
-                    <a:solidFill>
-                      <a:srgbClr val="575756"/>
-                    </a:solidFill>
-                    <a:latin typeface="DINPro"/>
-                    <a:cs typeface="DINPro"/>
-                  </a:rPr>
-                  <a:t/>
-                </a:r>
+                <a:endParaRPr lang="en-US" sz="1600" dirty="0">
+                  <a:solidFill>
+                    <a:srgbClr val="575756"/>
+                  </a:solidFill>
+                  <a:latin typeface="DINPro"/>
+                  <a:cs typeface="DINPro"/>
+                </a:endParaRPr>
               </a:p>
               <a:p>
                 <a:pPr lvl="1"/>
@@ -8404,11 +8821,11 @@
                     <m:sSub>
                       <m:sSubPr>
                         <m:ctrlPr>
-                          <a:rPr lang="en-GB" sz="1600">
+                          <a:rPr lang="en-GB" sz="1600" i="1">
                             <a:solidFill>
                               <a:srgbClr val="575756"/>
                             </a:solidFill>
-                            <a:latin typeface="DINPro"/>
+                            <a:latin typeface="Cambria Math" panose="02040503050406030204" pitchFamily="18" charset="0"/>
                             <a:cs typeface="DINPro"/>
                           </a:rPr>
                         </m:ctrlPr>
@@ -8419,7 +8836,7 @@
                             <a:solidFill>
                               <a:srgbClr val="575756"/>
                             </a:solidFill>
-                            <a:latin typeface="DINPro"/>
+                            <a:latin typeface="Cambria Math" panose="02040503050406030204" pitchFamily="18" charset="0"/>
                             <a:cs typeface="DINPro"/>
                           </a:rPr>
                           <m:t>𝑧</m:t>
@@ -8431,7 +8848,7 @@
                             <a:solidFill>
                               <a:srgbClr val="575756"/>
                             </a:solidFill>
-                            <a:latin typeface="DINPro"/>
+                            <a:latin typeface="Cambria Math" panose="02040503050406030204" pitchFamily="18" charset="0"/>
                             <a:cs typeface="DINPro"/>
                           </a:rPr>
                           <m:t>𝑖</m:t>
@@ -8441,7 +8858,7 @@
                             <a:solidFill>
                               <a:srgbClr val="575756"/>
                             </a:solidFill>
-                            <a:latin typeface="DINPro"/>
+                            <a:latin typeface="Cambria Math" panose="02040503050406030204" pitchFamily="18" charset="0"/>
                             <a:cs typeface="DINPro"/>
                           </a:rPr>
                           <m:t>,</m:t>
@@ -8451,7 +8868,7 @@
                             <a:solidFill>
                               <a:srgbClr val="575756"/>
                             </a:solidFill>
-                            <a:latin typeface="DINPro"/>
+                            <a:latin typeface="Cambria Math" panose="02040503050406030204" pitchFamily="18" charset="0"/>
                             <a:cs typeface="DINPro"/>
                           </a:rPr>
                           <m:t>𝑐</m:t>
@@ -8463,7 +8880,7 @@
                         <a:solidFill>
                           <a:srgbClr val="575756"/>
                         </a:solidFill>
-                        <a:latin typeface="DINPro"/>
+                        <a:latin typeface="Cambria Math" panose="02040503050406030204" pitchFamily="18" charset="0"/>
                         <a:cs typeface="DINPro"/>
                       </a:rPr>
                       <m:t>(</m:t>
@@ -8473,7 +8890,7 @@
                         <a:solidFill>
                           <a:srgbClr val="575756"/>
                         </a:solidFill>
-                        <a:latin typeface="DINPro"/>
+                        <a:latin typeface="Cambria Math" panose="02040503050406030204" pitchFamily="18" charset="0"/>
                         <a:cs typeface="DINPro"/>
                       </a:rPr>
                       <m:t>𝑖</m:t>
@@ -8483,7 +8900,7 @@
                         <a:solidFill>
                           <a:srgbClr val="575756"/>
                         </a:solidFill>
-                        <a:latin typeface="DINPro"/>
+                        <a:latin typeface="Cambria Math" panose="02040503050406030204" pitchFamily="18" charset="0"/>
                         <a:cs typeface="DINPro"/>
                       </a:rPr>
                       <m:t>=</m:t>
@@ -8493,7 +8910,7 @@
                         <a:solidFill>
                           <a:srgbClr val="575756"/>
                         </a:solidFill>
-                        <a:latin typeface="DINPro"/>
+                        <a:latin typeface="Cambria Math" panose="02040503050406030204" pitchFamily="18" charset="0"/>
                         <a:cs typeface="DINPro"/>
                       </a:rPr>
                       <m:t>1</m:t>
@@ -8503,7 +8920,7 @@
                         <a:solidFill>
                           <a:srgbClr val="575756"/>
                         </a:solidFill>
-                        <a:latin typeface="DINPro"/>
+                        <a:latin typeface="Cambria Math" panose="02040503050406030204" pitchFamily="18" charset="0"/>
                         <a:cs typeface="DINPro"/>
                       </a:rPr>
                       <m:t>,</m:t>
@@ -8513,7 +8930,7 @@
                         <a:solidFill>
                           <a:srgbClr val="575756"/>
                         </a:solidFill>
-                        <a:latin typeface="DINPro"/>
+                        <a:latin typeface="Cambria Math" panose="02040503050406030204" pitchFamily="18" charset="0"/>
                         <a:cs typeface="DINPro"/>
                       </a:rPr>
                       <m:t>2</m:t>
@@ -8523,7 +8940,7 @@
                         <a:solidFill>
                           <a:srgbClr val="575756"/>
                         </a:solidFill>
-                        <a:latin typeface="DINPro"/>
+                        <a:latin typeface="Cambria Math" panose="02040503050406030204" pitchFamily="18" charset="0"/>
                         <a:cs typeface="DINPro"/>
                       </a:rPr>
                       <m:t>,…,</m:t>
@@ -8533,7 +8950,7 @@
                         <a:solidFill>
                           <a:srgbClr val="575756"/>
                         </a:solidFill>
-                        <a:latin typeface="DINPro"/>
+                        <a:latin typeface="Cambria Math" panose="02040503050406030204" pitchFamily="18" charset="0"/>
                         <a:cs typeface="DINPro"/>
                       </a:rPr>
                       <m:t>𝑛</m:t>
@@ -8543,7 +8960,7 @@
                         <a:solidFill>
                           <a:srgbClr val="575756"/>
                         </a:solidFill>
-                        <a:latin typeface="DINPro"/>
+                        <a:latin typeface="Cambria Math" panose="02040503050406030204" pitchFamily="18" charset="0"/>
                         <a:cs typeface="DINPro"/>
                       </a:rPr>
                       <m:t>) </m:t>
@@ -8565,11 +8982,11 @@
                     <m:sSub>
                       <m:sSubPr>
                         <m:ctrlPr>
-                          <a:rPr lang="en-GB" sz="1600">
+                          <a:rPr lang="en-GB" sz="1600" i="1">
                             <a:solidFill>
                               <a:srgbClr val="575756"/>
                             </a:solidFill>
-                            <a:latin typeface="DINPro"/>
+                            <a:latin typeface="Cambria Math" panose="02040503050406030204" pitchFamily="18" charset="0"/>
                             <a:cs typeface="DINPro"/>
                           </a:rPr>
                         </m:ctrlPr>
@@ -8580,7 +8997,7 @@
                             <a:solidFill>
                               <a:srgbClr val="575756"/>
                             </a:solidFill>
-                            <a:latin typeface="DINPro"/>
+                            <a:latin typeface="Cambria Math" panose="02040503050406030204" pitchFamily="18" charset="0"/>
                             <a:cs typeface="DINPro"/>
                           </a:rPr>
                           <m:t>𝑧</m:t>
@@ -8592,7 +9009,7 @@
                             <a:solidFill>
                               <a:srgbClr val="575756"/>
                             </a:solidFill>
-                            <a:latin typeface="DINPro"/>
+                            <a:latin typeface="Cambria Math" panose="02040503050406030204" pitchFamily="18" charset="0"/>
                             <a:cs typeface="DINPro"/>
                           </a:rPr>
                           <m:t>𝑐</m:t>
@@ -8653,7 +9070,7 @@
             </p:txBody>
           </p:sp>
         </mc:Choice>
-        <mc:Fallback>
+        <mc:Fallback xmlns="">
           <p:sp>
             <p:nvSpPr>
               <p:cNvPr id="14" name="Inhaltsplatzhalter 11">
@@ -8700,7 +9117,7 @@
     </p:spTree>
     <p:extLst>
       <p:ext uri="{BB962C8B-B14F-4D97-AF65-F5344CB8AC3E}">
-        <p14:creationId xmlns:p14="http://schemas.microsoft.com/office/powerpoint/2010/main" xmlns="" val="1248759268"/>
+        <p14:creationId xmlns:p14="http://schemas.microsoft.com/office/powerpoint/2010/main" val="1248759268"/>
       </p:ext>
     </p:extLst>
   </p:cSld>
@@ -8710,13 +9127,6 @@
   <p:transition>
     <p:fade/>
   </p:transition>
-  <p:timing>
-    <p:tnLst>
-      <p:par>
-        <p:cTn id="1" dur="indefinite" restart="never" nodeType="tmRoot"/>
-      </p:par>
-    </p:tnLst>
-  </p:timing>
 </p:sld>
 </file>
 
@@ -8758,23 +9168,15 @@
             </a:r>
             <a:r>
               <a:rPr lang="de-DE" dirty="0"/>
-              <a:t> – </a:t>
-            </a:r>
-            <a:r>
-              <a:rPr lang="de-DE" dirty="0" smtClean="0"/>
-              <a:t>Partial </a:t>
-            </a:r>
-            <a:r>
-              <a:rPr lang="de-DE" err="1" smtClean="0"/>
+              <a:t> – Partial </a:t>
+            </a:r>
+            <a:r>
+              <a:rPr lang="de-DE" err="1"/>
               <a:t>Dependence</a:t>
             </a:r>
             <a:r>
-              <a:rPr lang="de-DE" smtClean="0"/>
-              <a:t> </a:t>
-            </a:r>
-            <a:r>
-              <a:rPr lang="de-DE" smtClean="0"/>
-              <a:t>Plots</a:t>
+              <a:rPr lang="de-DE"/>
+              <a:t> Plots</a:t>
             </a:r>
             <a:endParaRPr lang="de-DE" dirty="0"/>
           </a:p>
@@ -8798,7 +9200,7 @@
             <a:fld id="{2CA8961E-5F42-FE47-9973-7751D18F26D5}" type="datetime1">
               <a:rPr lang="de-DE" smtClean="0"/>
               <a:pPr/>
-              <a:t>04.09.2019</a:t>
+              <a:t>05.09.2019</a:t>
             </a:fld>
             <a:endParaRPr lang="en-US" dirty="0"/>
           </a:p>
@@ -8833,7 +9235,7 @@
           <p:cNvPr id="7" name="Holder 4">
             <a:extLst>
               <a:ext uri="{FF2B5EF4-FFF2-40B4-BE49-F238E27FC236}">
-                <a16:creationId xmlns:a16="http://schemas.microsoft.com/office/drawing/2014/main" xmlns="" id="{6D11A793-7F15-4E38-8B63-3316D295FA55}"/>
+                <a16:creationId xmlns:a16="http://schemas.microsoft.com/office/drawing/2014/main" id="{6D11A793-7F15-4E38-8B63-3316D295FA55}"/>
               </a:ext>
             </a:extLst>
           </p:cNvPr>
@@ -8957,8 +9359,8 @@
           </a:p>
         </p:txBody>
       </p:sp>
-      <mc:AlternateContent xmlns:mc="http://schemas.openxmlformats.org/markup-compatibility/2006">
-        <mc:Choice xmlns:a14="http://schemas.microsoft.com/office/drawing/2010/main" xmlns="" Requires="a14">
+      <mc:AlternateContent xmlns:mc="http://schemas.openxmlformats.org/markup-compatibility/2006" xmlns:a14="http://schemas.microsoft.com/office/drawing/2010/main">
+        <mc:Choice Requires="a14">
           <p:sp>
             <p:nvSpPr>
               <p:cNvPr id="14" name="Inhaltsplatzhalter 11">
@@ -9324,11 +9726,11 @@
                     <m:sSub>
                       <m:sSubPr>
                         <m:ctrlPr>
-                          <a:rPr lang="en-US" dirty="0">
+                          <a:rPr lang="en-US" i="1" dirty="0">
                             <a:solidFill>
                               <a:srgbClr val="575756"/>
                             </a:solidFill>
-                            <a:latin typeface="DINPro"/>
+                            <a:latin typeface="Cambria Math" panose="02040503050406030204" pitchFamily="18" charset="0"/>
                             <a:cs typeface="DINPro"/>
                           </a:rPr>
                         </m:ctrlPr>
@@ -9339,7 +9741,7 @@
                             <a:solidFill>
                               <a:srgbClr val="575756"/>
                             </a:solidFill>
-                            <a:latin typeface="DINPro"/>
+                            <a:latin typeface="Cambria Math" panose="02040503050406030204" pitchFamily="18" charset="0"/>
                             <a:cs typeface="DINPro"/>
                           </a:rPr>
                           <m:t>𝑥</m:t>
@@ -9351,7 +9753,7 @@
                             <a:solidFill>
                               <a:srgbClr val="575756"/>
                             </a:solidFill>
-                            <a:latin typeface="DINPro"/>
+                            <a:latin typeface="Cambria Math" panose="02040503050406030204" pitchFamily="18" charset="0"/>
                             <a:cs typeface="DINPro"/>
                           </a:rPr>
                           <m:t>1</m:t>
@@ -9363,7 +9765,7 @@
                         <a:solidFill>
                           <a:srgbClr val="575756"/>
                         </a:solidFill>
-                        <a:latin typeface="DINPro"/>
+                        <a:latin typeface="Cambria Math" panose="02040503050406030204" pitchFamily="18" charset="0"/>
                         <a:cs typeface="DINPro"/>
                       </a:rPr>
                       <m:t> </m:t>
@@ -9385,11 +9787,11 @@
                     <m:sSub>
                       <m:sSubPr>
                         <m:ctrlPr>
-                          <a:rPr lang="en-US" dirty="0">
+                          <a:rPr lang="en-US" i="1" dirty="0">
                             <a:solidFill>
                               <a:srgbClr val="575756"/>
                             </a:solidFill>
-                            <a:latin typeface="DINPro"/>
+                            <a:latin typeface="Cambria Math" panose="02040503050406030204" pitchFamily="18" charset="0"/>
                             <a:cs typeface="DINPro"/>
                           </a:rPr>
                         </m:ctrlPr>
@@ -9400,7 +9802,7 @@
                             <a:solidFill>
                               <a:srgbClr val="575756"/>
                             </a:solidFill>
-                            <a:latin typeface="DINPro"/>
+                            <a:latin typeface="Cambria Math" panose="02040503050406030204" pitchFamily="18" charset="0"/>
                             <a:cs typeface="DINPro"/>
                           </a:rPr>
                           <m:t>𝑥</m:t>
@@ -9412,7 +9814,7 @@
                             <a:solidFill>
                               <a:srgbClr val="575756"/>
                             </a:solidFill>
-                            <a:latin typeface="DINPro"/>
+                            <a:latin typeface="Cambria Math" panose="02040503050406030204" pitchFamily="18" charset="0"/>
                             <a:cs typeface="DINPro"/>
                           </a:rPr>
                           <m:t>1</m:t>
@@ -9422,7 +9824,7 @@
                             <a:solidFill>
                               <a:srgbClr val="575756"/>
                             </a:solidFill>
-                            <a:latin typeface="DINPro"/>
+                            <a:latin typeface="Cambria Math" panose="02040503050406030204" pitchFamily="18" charset="0"/>
                             <a:cs typeface="DINPro"/>
                           </a:rPr>
                           <m:t>𝑖</m:t>
@@ -9434,7 +9836,7 @@
                         <a:solidFill>
                           <a:srgbClr val="575756"/>
                         </a:solidFill>
-                        <a:latin typeface="DINPro"/>
+                        <a:latin typeface="Cambria Math" panose="02040503050406030204" pitchFamily="18" charset="0"/>
                         <a:cs typeface="DINPro"/>
                       </a:rPr>
                       <m:t> </m:t>
@@ -9485,11 +9887,11 @@
                     <m:sSub>
                       <m:sSubPr>
                         <m:ctrlPr>
-                          <a:rPr lang="en-US">
+                          <a:rPr lang="en-US" i="1">
                             <a:solidFill>
                               <a:srgbClr val="575756"/>
                             </a:solidFill>
-                            <a:latin typeface="DINPro"/>
+                            <a:latin typeface="Cambria Math" panose="02040503050406030204" pitchFamily="18" charset="0"/>
                             <a:cs typeface="DINPro"/>
                           </a:rPr>
                         </m:ctrlPr>
@@ -9499,11 +9901,11 @@
                           <m:accPr>
                             <m:chr m:val="̅"/>
                             <m:ctrlPr>
-                              <a:rPr lang="en-US">
+                              <a:rPr lang="en-US" i="1">
                                 <a:solidFill>
                                   <a:srgbClr val="575756"/>
                                 </a:solidFill>
-                                <a:latin typeface="DINPro"/>
+                                <a:latin typeface="Cambria Math" panose="02040503050406030204" pitchFamily="18" charset="0"/>
                                 <a:cs typeface="DINPro"/>
                               </a:rPr>
                             </m:ctrlPr>
@@ -9514,7 +9916,7 @@
                                 <a:solidFill>
                                   <a:srgbClr val="575756"/>
                                 </a:solidFill>
-                                <a:latin typeface="DINPro"/>
+                                <a:latin typeface="Cambria Math" panose="02040503050406030204" pitchFamily="18" charset="0"/>
                                 <a:cs typeface="DINPro"/>
                               </a:rPr>
                               <m:t>𝑓</m:t>
@@ -9528,7 +9930,7 @@
                             <a:solidFill>
                               <a:srgbClr val="575756"/>
                             </a:solidFill>
-                            <a:latin typeface="DINPro"/>
+                            <a:latin typeface="Cambria Math" panose="02040503050406030204" pitchFamily="18" charset="0"/>
                             <a:cs typeface="DINPro"/>
                           </a:rPr>
                           <m:t>1</m:t>
@@ -9540,7 +9942,7 @@
                         <a:solidFill>
                           <a:srgbClr val="575756"/>
                         </a:solidFill>
-                        <a:latin typeface="DINPro"/>
+                        <a:latin typeface="Cambria Math" panose="02040503050406030204" pitchFamily="18" charset="0"/>
                         <a:cs typeface="DINPro"/>
                       </a:rPr>
                       <m:t>(</m:t>
@@ -9548,11 +9950,11 @@
                     <m:sSub>
                       <m:sSubPr>
                         <m:ctrlPr>
-                          <a:rPr lang="en-GB">
+                          <a:rPr lang="en-GB" i="1">
                             <a:solidFill>
                               <a:srgbClr val="575756"/>
                             </a:solidFill>
-                            <a:latin typeface="DINPro"/>
+                            <a:latin typeface="Cambria Math" panose="02040503050406030204" pitchFamily="18" charset="0"/>
                             <a:cs typeface="DINPro"/>
                           </a:rPr>
                         </m:ctrlPr>
@@ -9563,7 +9965,7 @@
                             <a:solidFill>
                               <a:srgbClr val="575756"/>
                             </a:solidFill>
-                            <a:latin typeface="DINPro"/>
+                            <a:latin typeface="Cambria Math" panose="02040503050406030204" pitchFamily="18" charset="0"/>
                             <a:cs typeface="DINPro"/>
                           </a:rPr>
                           <m:t>𝑥</m:t>
@@ -9575,7 +9977,7 @@
                             <a:solidFill>
                               <a:srgbClr val="575756"/>
                             </a:solidFill>
-                            <a:latin typeface="DINPro"/>
+                            <a:latin typeface="Cambria Math" panose="02040503050406030204" pitchFamily="18" charset="0"/>
                             <a:cs typeface="DINPro"/>
                           </a:rPr>
                           <m:t>1</m:t>
@@ -9585,7 +9987,7 @@
                             <a:solidFill>
                               <a:srgbClr val="575756"/>
                             </a:solidFill>
-                            <a:latin typeface="DINPro"/>
+                            <a:latin typeface="Cambria Math" panose="02040503050406030204" pitchFamily="18" charset="0"/>
                             <a:cs typeface="DINPro"/>
                           </a:rPr>
                           <m:t>𝑖</m:t>
@@ -9597,7 +9999,7 @@
                         <a:solidFill>
                           <a:srgbClr val="575756"/>
                         </a:solidFill>
-                        <a:latin typeface="DINPro"/>
+                        <a:latin typeface="Cambria Math" panose="02040503050406030204" pitchFamily="18" charset="0"/>
                         <a:cs typeface="DINPro"/>
                       </a:rPr>
                       <m:t>)</m:t>
@@ -9820,7 +10222,7 @@
             </p:txBody>
           </p:sp>
         </mc:Choice>
-        <mc:Fallback>
+        <mc:Fallback xmlns="">
           <p:sp>
             <p:nvSpPr>
               <p:cNvPr id="14" name="Inhaltsplatzhalter 11">
@@ -9867,7 +10269,7 @@
     </p:spTree>
     <p:extLst>
       <p:ext uri="{BB962C8B-B14F-4D97-AF65-F5344CB8AC3E}">
-        <p14:creationId xmlns:p14="http://schemas.microsoft.com/office/powerpoint/2010/main" xmlns="" val="2770350162"/>
+        <p14:creationId xmlns:p14="http://schemas.microsoft.com/office/powerpoint/2010/main" val="2770350162"/>
       </p:ext>
     </p:extLst>
   </p:cSld>
@@ -9877,13 +10279,6 @@
   <p:transition>
     <p:fade/>
   </p:transition>
-  <p:timing>
-    <p:tnLst>
-      <p:par>
-        <p:cTn id="1" dur="indefinite" restart="never" nodeType="tmRoot"/>
-      </p:par>
-    </p:tnLst>
-  </p:timing>
 </p:sld>
 </file>
 
@@ -9921,21 +10316,16 @@
           <a:p>
             <a:r>
               <a:rPr lang="de-DE" dirty="0"/>
-              <a:t>Theory – </a:t>
-            </a:r>
-            <a:r>
-              <a:rPr lang="de-DE" dirty="0" smtClean="0"/>
-              <a:t>Partial </a:t>
-            </a:r>
-            <a:r>
-              <a:rPr lang="de-DE" dirty="0" err="1" smtClean="0"/>
+              <a:t>Theory – Partial </a:t>
+            </a:r>
+            <a:r>
+              <a:rPr lang="de-DE" dirty="0" err="1"/>
               <a:t>Dependence</a:t>
             </a:r>
             <a:r>
-              <a:rPr lang="de-DE" dirty="0" smtClean="0"/>
+              <a:rPr lang="de-DE" dirty="0"/>
               <a:t> Plots</a:t>
             </a:r>
-            <a:endParaRPr lang="de-DE" dirty="0"/>
           </a:p>
         </p:txBody>
       </p:sp>
@@ -9957,7 +10347,7 @@
             <a:fld id="{2CA8961E-5F42-FE47-9973-7751D18F26D5}" type="datetime1">
               <a:rPr lang="de-DE" smtClean="0"/>
               <a:pPr/>
-              <a:t>04.09.2019</a:t>
+              <a:t>05.09.2019</a:t>
             </a:fld>
             <a:endParaRPr lang="en-US" dirty="0"/>
           </a:p>
@@ -9992,7 +10382,7 @@
           <p:cNvPr id="7" name="Holder 4">
             <a:extLst>
               <a:ext uri="{FF2B5EF4-FFF2-40B4-BE49-F238E27FC236}">
-                <a16:creationId xmlns:a16="http://schemas.microsoft.com/office/drawing/2014/main" xmlns="" id="{6D11A793-7F15-4E38-8B63-3316D295FA55}"/>
+                <a16:creationId xmlns:a16="http://schemas.microsoft.com/office/drawing/2014/main" id="{6D11A793-7F15-4E38-8B63-3316D295FA55}"/>
               </a:ext>
             </a:extLst>
           </p:cNvPr>
@@ -10121,7 +10511,7 @@
           <p:cNvPr id="2" name="Content Placeholder 1">
             <a:extLst>
               <a:ext uri="{FF2B5EF4-FFF2-40B4-BE49-F238E27FC236}">
-                <a16:creationId xmlns:a16="http://schemas.microsoft.com/office/drawing/2014/main" xmlns="" id="{A0018CCD-7D60-45CE-B465-A0C7B3BAFCDD}"/>
+                <a16:creationId xmlns:a16="http://schemas.microsoft.com/office/drawing/2014/main" id="{A0018CCD-7D60-45CE-B465-A0C7B3BAFCDD}"/>
               </a:ext>
             </a:extLst>
           </p:cNvPr>
@@ -10153,7 +10543,7 @@
           <p:cNvPr id="3" name="Picture 2">
             <a:extLst>
               <a:ext uri="{FF2B5EF4-FFF2-40B4-BE49-F238E27FC236}">
-                <a16:creationId xmlns:a16="http://schemas.microsoft.com/office/drawing/2014/main" xmlns="" id="{288DAC61-5656-4D3A-B470-E5453ECCB4AE}"/>
+                <a16:creationId xmlns:a16="http://schemas.microsoft.com/office/drawing/2014/main" id="{288DAC61-5656-4D3A-B470-E5453ECCB4AE}"/>
               </a:ext>
             </a:extLst>
           </p:cNvPr>
@@ -10183,7 +10573,7 @@
           <p:cNvPr id="4" name="Arrow: Right 3">
             <a:extLst>
               <a:ext uri="{FF2B5EF4-FFF2-40B4-BE49-F238E27FC236}">
-                <a16:creationId xmlns:a16="http://schemas.microsoft.com/office/drawing/2014/main" xmlns="" id="{AB55108D-47F3-4D22-88B8-A91940A3B7BF}"/>
+                <a16:creationId xmlns:a16="http://schemas.microsoft.com/office/drawing/2014/main" id="{AB55108D-47F3-4D22-88B8-A91940A3B7BF}"/>
               </a:ext>
             </a:extLst>
           </p:cNvPr>
@@ -10229,7 +10619,7 @@
           <p:cNvPr id="5" name="TextBox 4">
             <a:extLst>
               <a:ext uri="{FF2B5EF4-FFF2-40B4-BE49-F238E27FC236}">
-                <a16:creationId xmlns:a16="http://schemas.microsoft.com/office/drawing/2014/main" xmlns="" id="{065F3292-7E92-40EC-866E-132DF794CA17}"/>
+                <a16:creationId xmlns:a16="http://schemas.microsoft.com/office/drawing/2014/main" id="{065F3292-7E92-40EC-866E-132DF794CA17}"/>
               </a:ext>
             </a:extLst>
           </p:cNvPr>
@@ -10317,7 +10707,7 @@
     </p:spTree>
     <p:extLst>
       <p:ext uri="{BB962C8B-B14F-4D97-AF65-F5344CB8AC3E}">
-        <p14:creationId xmlns:p14="http://schemas.microsoft.com/office/powerpoint/2010/main" xmlns="" val="3357797379"/>
+        <p14:creationId xmlns:p14="http://schemas.microsoft.com/office/powerpoint/2010/main" val="3357797379"/>
       </p:ext>
     </p:extLst>
   </p:cSld>
@@ -10327,13 +10717,6 @@
   <p:transition>
     <p:fade/>
   </p:transition>
-  <p:timing>
-    <p:tnLst>
-      <p:par>
-        <p:cTn id="1" dur="indefinite" restart="never" nodeType="tmRoot"/>
-      </p:par>
-    </p:tnLst>
-  </p:timing>
 </p:sld>
 </file>
 
@@ -10370,26 +10753,17 @@
           <a:lstStyle/>
           <a:p>
             <a:r>
-              <a:rPr lang="de-DE" dirty="0" smtClean="0"/>
-              <a:t>Evaluation </a:t>
-            </a:r>
-            <a:r>
               <a:rPr lang="de-DE" dirty="0"/>
-              <a:t>– </a:t>
-            </a:r>
-            <a:r>
-              <a:rPr lang="de-DE" dirty="0" smtClean="0"/>
-              <a:t>Partial </a:t>
-            </a:r>
-            <a:r>
-              <a:rPr lang="de-DE" dirty="0" err="1" smtClean="0"/>
+              <a:t>Evaluation – Partial </a:t>
+            </a:r>
+            <a:r>
+              <a:rPr lang="de-DE" dirty="0" err="1"/>
               <a:t>Dependence</a:t>
             </a:r>
             <a:r>
-              <a:rPr lang="de-DE" dirty="0" smtClean="0"/>
+              <a:rPr lang="de-DE" dirty="0"/>
               <a:t> Plots</a:t>
             </a:r>
-            <a:endParaRPr lang="de-DE" dirty="0"/>
           </a:p>
         </p:txBody>
       </p:sp>
@@ -10411,7 +10785,7 @@
             <a:fld id="{2CA8961E-5F42-FE47-9973-7751D18F26D5}" type="datetime1">
               <a:rPr lang="de-DE" smtClean="0"/>
               <a:pPr/>
-              <a:t>04.09.2019</a:t>
+              <a:t>05.09.2019</a:t>
             </a:fld>
             <a:endParaRPr lang="en-US" dirty="0"/>
           </a:p>
@@ -10446,7 +10820,7 @@
           <p:cNvPr id="7" name="Holder 4">
             <a:extLst>
               <a:ext uri="{FF2B5EF4-FFF2-40B4-BE49-F238E27FC236}">
-                <a16:creationId xmlns:a16="http://schemas.microsoft.com/office/drawing/2014/main" xmlns="" id="{6D11A793-7F15-4E38-8B63-3316D295FA55}"/>
+                <a16:creationId xmlns:a16="http://schemas.microsoft.com/office/drawing/2014/main" id="{6D11A793-7F15-4E38-8B63-3316D295FA55}"/>
               </a:ext>
             </a:extLst>
           </p:cNvPr>
@@ -10575,7 +10949,7 @@
           <p:cNvPr id="14" name="Table 13">
             <a:extLst>
               <a:ext uri="{FF2B5EF4-FFF2-40B4-BE49-F238E27FC236}">
-                <a16:creationId xmlns:a16="http://schemas.microsoft.com/office/drawing/2014/main" xmlns="" id="{1A7781A9-C69E-404D-80D1-F7D372C117C7}"/>
+                <a16:creationId xmlns:a16="http://schemas.microsoft.com/office/drawing/2014/main" id="{1A7781A9-C69E-404D-80D1-F7D372C117C7}"/>
               </a:ext>
             </a:extLst>
           </p:cNvPr>
@@ -10585,14 +10959,14 @@
           <p:nvPr>
             <p:extLst>
               <p:ext uri="{D42A27DB-BD31-4B8C-83A1-F6EECF244321}">
-                <p14:modId xmlns:p14="http://schemas.microsoft.com/office/powerpoint/2010/main" xmlns="" val="380628098"/>
+                <p14:modId xmlns:p14="http://schemas.microsoft.com/office/powerpoint/2010/main" val="380628098"/>
               </p:ext>
             </p:extLst>
           </p:nvPr>
         </p:nvGraphicFramePr>
         <p:xfrm>
           <a:off x="714348" y="1357304"/>
-          <a:ext cx="7638901" cy="3418840"/>
+          <a:ext cx="7638901" cy="3175000"/>
         </p:xfrm>
         <a:graphic>
           <a:graphicData uri="http://schemas.openxmlformats.org/drawingml/2006/table">
@@ -10604,14 +10978,14 @@
                 <a:gridCol w="3836346">
                   <a:extLst>
                     <a:ext uri="{9D8B030D-6E8A-4147-A177-3AD203B41FA5}">
-                      <a16:colId xmlns:a16="http://schemas.microsoft.com/office/drawing/2014/main" xmlns="" val="1280365671"/>
+                      <a16:colId xmlns:a16="http://schemas.microsoft.com/office/drawing/2014/main" val="1280365671"/>
                     </a:ext>
                   </a:extLst>
                 </a:gridCol>
                 <a:gridCol w="3802555">
                   <a:extLst>
                     <a:ext uri="{9D8B030D-6E8A-4147-A177-3AD203B41FA5}">
-                      <a16:colId xmlns:a16="http://schemas.microsoft.com/office/drawing/2014/main" xmlns="" val="2383897337"/>
+                      <a16:colId xmlns:a16="http://schemas.microsoft.com/office/drawing/2014/main" val="2383897337"/>
                     </a:ext>
                   </a:extLst>
                 </a:gridCol>
@@ -10659,7 +11033,7 @@
                 </a:tc>
                 <a:extLst>
                   <a:ext uri="{0D108BD9-81ED-4DB2-BD59-A6C34878D82A}">
-                    <a16:rowId xmlns:a16="http://schemas.microsoft.com/office/drawing/2014/main" xmlns="" val="1261277040"/>
+                    <a16:rowId xmlns:a16="http://schemas.microsoft.com/office/drawing/2014/main" val="1261277040"/>
                   </a:ext>
                 </a:extLst>
               </a:tr>
@@ -10744,7 +11118,7 @@
                 </a:tc>
                 <a:extLst>
                   <a:ext uri="{0D108BD9-81ED-4DB2-BD59-A6C34878D82A}">
-                    <a16:rowId xmlns:a16="http://schemas.microsoft.com/office/drawing/2014/main" xmlns="" val="1304633785"/>
+                    <a16:rowId xmlns:a16="http://schemas.microsoft.com/office/drawing/2014/main" val="1304633785"/>
                   </a:ext>
                 </a:extLst>
               </a:tr>
@@ -10851,7 +11225,7 @@
                 </a:tc>
                 <a:extLst>
                   <a:ext uri="{0D108BD9-81ED-4DB2-BD59-A6C34878D82A}">
-                    <a16:rowId xmlns:a16="http://schemas.microsoft.com/office/drawing/2014/main" xmlns="" val="4195576678"/>
+                    <a16:rowId xmlns:a16="http://schemas.microsoft.com/office/drawing/2014/main" val="4195576678"/>
                   </a:ext>
                 </a:extLst>
               </a:tr>
@@ -10906,7 +11280,7 @@
                 </a:tc>
                 <a:extLst>
                   <a:ext uri="{0D108BD9-81ED-4DB2-BD59-A6C34878D82A}">
-                    <a16:rowId xmlns:a16="http://schemas.microsoft.com/office/drawing/2014/main" xmlns="" val="2594535744"/>
+                    <a16:rowId xmlns:a16="http://schemas.microsoft.com/office/drawing/2014/main" val="2594535744"/>
                   </a:ext>
                 </a:extLst>
               </a:tr>
@@ -10969,7 +11343,7 @@
                 </a:tc>
                 <a:extLst>
                   <a:ext uri="{0D108BD9-81ED-4DB2-BD59-A6C34878D82A}">
-                    <a16:rowId xmlns:a16="http://schemas.microsoft.com/office/drawing/2014/main" xmlns="" val="2596838169"/>
+                    <a16:rowId xmlns:a16="http://schemas.microsoft.com/office/drawing/2014/main" val="2596838169"/>
                   </a:ext>
                 </a:extLst>
               </a:tr>
@@ -10980,7 +11354,7 @@
     </p:spTree>
     <p:extLst>
       <p:ext uri="{BB962C8B-B14F-4D97-AF65-F5344CB8AC3E}">
-        <p14:creationId xmlns:p14="http://schemas.microsoft.com/office/powerpoint/2010/main" xmlns="" val="1654057680"/>
+        <p14:creationId xmlns:p14="http://schemas.microsoft.com/office/powerpoint/2010/main" val="1654057680"/>
       </p:ext>
     </p:extLst>
   </p:cSld>
@@ -10990,13 +11364,6 @@
   <p:transition>
     <p:fade/>
   </p:transition>
-  <p:timing>
-    <p:tnLst>
-      <p:par>
-        <p:cTn id="1" dur="indefinite" restart="never" nodeType="tmRoot"/>
-      </p:par>
-    </p:tnLst>
-  </p:timing>
 </p:sld>
 </file>
 

--- a/Presentation_neural_network.pptx
+++ b/Presentation_neural_network.pptx
@@ -124,7 +124,7 @@
   </p:defaultTextStyle>
   <p:extLst>
     <p:ext uri="{EFAFB233-063F-42B5-8137-9DF3F51BA10A}">
-      <p15:sldGuideLst xmlns:p15="http://schemas.microsoft.com/office/powerpoint/2012/main">
+      <p15:sldGuideLst xmlns:p15="http://schemas.microsoft.com/office/powerpoint/2012/main" xmlns="">
         <p15:guide id="1" orient="horz" pos="1428">
           <p15:clr>
             <a:srgbClr val="A4A3A4"/>
@@ -227,7 +227,7 @@
             <a:fld id="{527C248A-E294-104F-8549-45F3DC0426E3}" type="datetime1">
               <a:rPr lang="de-DE" smtClean="0"/>
               <a:pPr/>
-              <a:t>06.09.2019</a:t>
+              <a:t>10.09.2019</a:t>
             </a:fld>
             <a:endParaRPr lang="de-DE"/>
           </a:p>
@@ -294,7 +294,7 @@
             <a:fld id="{747525CF-7212-804E-9855-29706471529B}" type="slidenum">
               <a:rPr lang="de-DE" smtClean="0"/>
               <a:pPr/>
-              <a:t>‹#›</a:t>
+              <a:t>‹Nr.›</a:t>
             </a:fld>
             <a:endParaRPr lang="de-DE"/>
           </a:p>
@@ -303,7 +303,7 @@
     </p:spTree>
     <p:extLst>
       <p:ext uri="{BB962C8B-B14F-4D97-AF65-F5344CB8AC3E}">
-        <p14:creationId xmlns:p14="http://schemas.microsoft.com/office/powerpoint/2010/main" val="278391227"/>
+        <p14:creationId xmlns:p14="http://schemas.microsoft.com/office/powerpoint/2010/main" xmlns="" val="278391227"/>
       </p:ext>
     </p:extLst>
   </p:cSld>
@@ -398,7 +398,7 @@
             <a:fld id="{9E769745-F869-354D-93AB-31F3495071FA}" type="datetime1">
               <a:rPr lang="de-DE" smtClean="0"/>
               <a:pPr/>
-              <a:t>05.09.2019</a:t>
+              <a:t>10.09.2019</a:t>
             </a:fld>
             <a:endParaRPr lang="de-DE"/>
           </a:p>
@@ -559,7 +559,7 @@
             <a:fld id="{584A433B-D369-FE47-BCB2-D5C24AAD91F8}" type="slidenum">
               <a:rPr lang="de-DE" smtClean="0"/>
               <a:pPr/>
-              <a:t>‹#›</a:t>
+              <a:t>‹Nr.›</a:t>
             </a:fld>
             <a:endParaRPr lang="de-DE"/>
           </a:p>
@@ -568,7 +568,7 @@
     </p:spTree>
     <p:extLst>
       <p:ext uri="{BB962C8B-B14F-4D97-AF65-F5344CB8AC3E}">
-        <p14:creationId xmlns:p14="http://schemas.microsoft.com/office/powerpoint/2010/main" val="1835036148"/>
+        <p14:creationId xmlns:p14="http://schemas.microsoft.com/office/powerpoint/2010/main" xmlns="" val="1835036148"/>
       </p:ext>
     </p:extLst>
   </p:cSld>
@@ -751,7 +751,7 @@
     </p:spTree>
     <p:extLst>
       <p:ext uri="{BB962C8B-B14F-4D97-AF65-F5344CB8AC3E}">
-        <p14:creationId xmlns:p14="http://schemas.microsoft.com/office/powerpoint/2010/main" val="4010995195"/>
+        <p14:creationId xmlns:p14="http://schemas.microsoft.com/office/powerpoint/2010/main" xmlns="" val="4010995195"/>
       </p:ext>
     </p:extLst>
   </p:cSld>
@@ -843,7 +843,7 @@
     </p:spTree>
     <p:extLst>
       <p:ext uri="{BB962C8B-B14F-4D97-AF65-F5344CB8AC3E}">
-        <p14:creationId xmlns:p14="http://schemas.microsoft.com/office/powerpoint/2010/main" val="124101984"/>
+        <p14:creationId xmlns:p14="http://schemas.microsoft.com/office/powerpoint/2010/main" xmlns="" val="124101984"/>
       </p:ext>
     </p:extLst>
   </p:cSld>
@@ -935,7 +935,7 @@
     </p:spTree>
     <p:extLst>
       <p:ext uri="{BB962C8B-B14F-4D97-AF65-F5344CB8AC3E}">
-        <p14:creationId xmlns:p14="http://schemas.microsoft.com/office/powerpoint/2010/main" val="3737912654"/>
+        <p14:creationId xmlns:p14="http://schemas.microsoft.com/office/powerpoint/2010/main" xmlns="" val="3737912654"/>
       </p:ext>
     </p:extLst>
   </p:cSld>
@@ -1027,7 +1027,7 @@
     </p:spTree>
     <p:extLst>
       <p:ext uri="{BB962C8B-B14F-4D97-AF65-F5344CB8AC3E}">
-        <p14:creationId xmlns:p14="http://schemas.microsoft.com/office/powerpoint/2010/main" val="2816153220"/>
+        <p14:creationId xmlns:p14="http://schemas.microsoft.com/office/powerpoint/2010/main" xmlns="" val="2816153220"/>
       </p:ext>
     </p:extLst>
   </p:cSld>
@@ -1119,7 +1119,7 @@
     </p:spTree>
     <p:extLst>
       <p:ext uri="{BB962C8B-B14F-4D97-AF65-F5344CB8AC3E}">
-        <p14:creationId xmlns:p14="http://schemas.microsoft.com/office/powerpoint/2010/main" val="3910434236"/>
+        <p14:creationId xmlns:p14="http://schemas.microsoft.com/office/powerpoint/2010/main" xmlns="" val="3910434236"/>
       </p:ext>
     </p:extLst>
   </p:cSld>
@@ -1211,7 +1211,7 @@
     </p:spTree>
     <p:extLst>
       <p:ext uri="{BB962C8B-B14F-4D97-AF65-F5344CB8AC3E}">
-        <p14:creationId xmlns:p14="http://schemas.microsoft.com/office/powerpoint/2010/main" val="2746223400"/>
+        <p14:creationId xmlns:p14="http://schemas.microsoft.com/office/powerpoint/2010/main" xmlns="" val="2746223400"/>
       </p:ext>
     </p:extLst>
   </p:cSld>
@@ -1303,7 +1303,7 @@
     </p:spTree>
     <p:extLst>
       <p:ext uri="{BB962C8B-B14F-4D97-AF65-F5344CB8AC3E}">
-        <p14:creationId xmlns:p14="http://schemas.microsoft.com/office/powerpoint/2010/main" val="4105718017"/>
+        <p14:creationId xmlns:p14="http://schemas.microsoft.com/office/powerpoint/2010/main" xmlns="" val="4105718017"/>
       </p:ext>
     </p:extLst>
   </p:cSld>
@@ -1395,7 +1395,7 @@
     </p:spTree>
     <p:extLst>
       <p:ext uri="{BB962C8B-B14F-4D97-AF65-F5344CB8AC3E}">
-        <p14:creationId xmlns:p14="http://schemas.microsoft.com/office/powerpoint/2010/main" val="1189541815"/>
+        <p14:creationId xmlns:p14="http://schemas.microsoft.com/office/powerpoint/2010/main" xmlns="" val="1189541815"/>
       </p:ext>
     </p:extLst>
   </p:cSld>
@@ -1487,7 +1487,7 @@
     </p:spTree>
     <p:extLst>
       <p:ext uri="{BB962C8B-B14F-4D97-AF65-F5344CB8AC3E}">
-        <p14:creationId xmlns:p14="http://schemas.microsoft.com/office/powerpoint/2010/main" val="3995083236"/>
+        <p14:creationId xmlns:p14="http://schemas.microsoft.com/office/powerpoint/2010/main" xmlns="" val="3995083236"/>
       </p:ext>
     </p:extLst>
   </p:cSld>
@@ -1579,7 +1579,7 @@
     </p:spTree>
     <p:extLst>
       <p:ext uri="{BB962C8B-B14F-4D97-AF65-F5344CB8AC3E}">
-        <p14:creationId xmlns:p14="http://schemas.microsoft.com/office/powerpoint/2010/main" val="2281526585"/>
+        <p14:creationId xmlns:p14="http://schemas.microsoft.com/office/powerpoint/2010/main" xmlns="" val="2281526585"/>
       </p:ext>
     </p:extLst>
   </p:cSld>
@@ -1671,7 +1671,7 @@
     </p:spTree>
     <p:extLst>
       <p:ext uri="{BB962C8B-B14F-4D97-AF65-F5344CB8AC3E}">
-        <p14:creationId xmlns:p14="http://schemas.microsoft.com/office/powerpoint/2010/main" val="4150209606"/>
+        <p14:creationId xmlns:p14="http://schemas.microsoft.com/office/powerpoint/2010/main" xmlns="" val="4150209606"/>
       </p:ext>
     </p:extLst>
   </p:cSld>
@@ -1913,7 +1913,7 @@
             <a:fld id="{6E032509-F23B-C64B-A803-42EE7C939400}" type="datetime1">
               <a:rPr lang="de-DE" smtClean="0"/>
               <a:pPr/>
-              <a:t>05.09.2019</a:t>
+              <a:t>10.09.2019</a:t>
             </a:fld>
             <a:endParaRPr lang="en-US" dirty="0"/>
           </a:p>
@@ -1955,7 +1955,7 @@
             <a:fld id="{B6F15528-21DE-4FAA-801E-634DDDAF4B2B}" type="slidenum">
               <a:rPr lang="de-DE" smtClean="0"/>
               <a:pPr/>
-              <a:t>‹#›</a:t>
+              <a:t>‹Nr.›</a:t>
             </a:fld>
             <a:endParaRPr lang="de-DE" dirty="0"/>
           </a:p>
@@ -2207,7 +2207,7 @@
             <a:fld id="{B5A66739-710B-D346-A76A-8EF9969DF470}" type="datetime1">
               <a:rPr lang="de-DE" smtClean="0"/>
               <a:pPr/>
-              <a:t>05.09.2019</a:t>
+              <a:t>10.09.2019</a:t>
             </a:fld>
             <a:endParaRPr lang="en-US" dirty="0"/>
           </a:p>
@@ -2249,7 +2249,7 @@
             <a:fld id="{B6F15528-21DE-4FAA-801E-634DDDAF4B2B}" type="slidenum">
               <a:rPr lang="de-DE" smtClean="0"/>
               <a:pPr/>
-              <a:t>‹#›</a:t>
+              <a:t>‹Nr.›</a:t>
             </a:fld>
             <a:endParaRPr lang="de-DE" dirty="0"/>
           </a:p>
@@ -2440,7 +2440,7 @@
             <a:fld id="{A4825082-582E-244C-854F-D05B274BA6D7}" type="datetime1">
               <a:rPr lang="de-DE" smtClean="0"/>
               <a:pPr/>
-              <a:t>05.09.2019</a:t>
+              <a:t>10.09.2019</a:t>
             </a:fld>
             <a:endParaRPr lang="en-US" dirty="0"/>
           </a:p>
@@ -2482,7 +2482,7 @@
             <a:fld id="{B6F15528-21DE-4FAA-801E-634DDDAF4B2B}" type="slidenum">
               <a:rPr lang="de-DE" smtClean="0"/>
               <a:pPr/>
-              <a:t>‹#›</a:t>
+              <a:t>‹Nr.›</a:t>
             </a:fld>
             <a:endParaRPr lang="de-DE" dirty="0"/>
           </a:p>
@@ -2718,7 +2718,7 @@
             <a:fld id="{B5CC66E1-990F-8549-B27F-AF4A6CC69BA6}" type="datetime1">
               <a:rPr lang="de-DE" smtClean="0"/>
               <a:pPr/>
-              <a:t>05.09.2019</a:t>
+              <a:t>10.09.2019</a:t>
             </a:fld>
             <a:endParaRPr lang="en-US" dirty="0"/>
           </a:p>
@@ -2819,7 +2819,7 @@
             <a:fld id="{B6F15528-21DE-4FAA-801E-634DDDAF4B2B}" type="slidenum">
               <a:rPr lang="de-DE" smtClean="0"/>
               <a:pPr/>
-              <a:t>‹#›</a:t>
+              <a:t>‹Nr.›</a:t>
             </a:fld>
             <a:endParaRPr lang="de-DE" dirty="0"/>
           </a:p>
@@ -3059,7 +3059,7 @@
             <a:fld id="{A2269F1F-3B2D-2E43-ACEB-AE0978F89715}" type="datetime1">
               <a:rPr lang="de-DE" smtClean="0"/>
               <a:pPr/>
-              <a:t>05.09.2019</a:t>
+              <a:t>10.09.2019</a:t>
             </a:fld>
             <a:endParaRPr lang="en-US" dirty="0"/>
           </a:p>
@@ -3140,7 +3140,7 @@
             <a:fld id="{B6F15528-21DE-4FAA-801E-634DDDAF4B2B}" type="slidenum">
               <a:rPr lang="de-DE" smtClean="0"/>
               <a:pPr/>
-              <a:t>‹#›</a:t>
+              <a:t>‹Nr.›</a:t>
             </a:fld>
             <a:endParaRPr lang="de-DE" dirty="0"/>
           </a:p>
@@ -3391,7 +3391,7 @@
             <a:fld id="{528B2B95-229A-6C4B-A656-3D33B7154AAB}" type="datetime1">
               <a:rPr lang="de-DE" smtClean="0"/>
               <a:pPr/>
-              <a:t>05.09.2019</a:t>
+              <a:t>10.09.2019</a:t>
             </a:fld>
             <a:endParaRPr lang="en-US" dirty="0"/>
           </a:p>
@@ -3433,7 +3433,7 @@
             <a:fld id="{B6F15528-21DE-4FAA-801E-634DDDAF4B2B}" type="slidenum">
               <a:rPr lang="de-DE" smtClean="0"/>
               <a:pPr/>
-              <a:t>‹#›</a:t>
+              <a:t>‹Nr.›</a:t>
             </a:fld>
             <a:endParaRPr lang="de-DE" dirty="0"/>
           </a:p>
@@ -3779,6 +3779,13 @@
   <p:clrMapOvr>
     <a:masterClrMapping/>
   </p:clrMapOvr>
+  <p:timing>
+    <p:tnLst>
+      <p:par>
+        <p:cTn id="1" dur="indefinite" restart="never" nodeType="tmRoot"/>
+      </p:par>
+    </p:tnLst>
+  </p:timing>
 </p:sld>
 </file>
 
@@ -3817,7 +3824,7 @@
             <a:fld id="{2CA8961E-5F42-FE47-9973-7751D18F26D5}" type="datetime1">
               <a:rPr lang="de-DE" smtClean="0"/>
               <a:pPr/>
-              <a:t>05.09.2019</a:t>
+              <a:t>10.09.2019</a:t>
             </a:fld>
             <a:endParaRPr lang="en-US" dirty="0"/>
           </a:p>
@@ -3852,7 +3859,7 @@
           <p:cNvPr id="7" name="Holder 4">
             <a:extLst>
               <a:ext uri="{FF2B5EF4-FFF2-40B4-BE49-F238E27FC236}">
-                <a16:creationId xmlns:a16="http://schemas.microsoft.com/office/drawing/2014/main" id="{1B191B0D-CA30-4F3D-8FCE-22E3D134FBF2}"/>
+                <a16:creationId xmlns:a16="http://schemas.microsoft.com/office/drawing/2014/main" xmlns="" id="{1B191B0D-CA30-4F3D-8FCE-22E3D134FBF2}"/>
               </a:ext>
             </a:extLst>
           </p:cNvPr>
@@ -3924,7 +3931,7 @@
           <p:cNvPr id="3" name="Title 2">
             <a:extLst>
               <a:ext uri="{FF2B5EF4-FFF2-40B4-BE49-F238E27FC236}">
-                <a16:creationId xmlns:a16="http://schemas.microsoft.com/office/drawing/2014/main" id="{6CC41551-2ECC-427A-AAC7-C01E6C772C78}"/>
+                <a16:creationId xmlns:a16="http://schemas.microsoft.com/office/drawing/2014/main" xmlns="" id="{6CC41551-2ECC-427A-AAC7-C01E6C772C78}"/>
               </a:ext>
             </a:extLst>
           </p:cNvPr>
@@ -3953,7 +3960,7 @@
           <p:cNvPr id="8" name="TextBox 4">
             <a:extLst>
               <a:ext uri="{FF2B5EF4-FFF2-40B4-BE49-F238E27FC236}">
-                <a16:creationId xmlns:a16="http://schemas.microsoft.com/office/drawing/2014/main" id="{065F3292-7E92-40EC-866E-132DF794CA17}"/>
+                <a16:creationId xmlns:a16="http://schemas.microsoft.com/office/drawing/2014/main" xmlns="" id="{065F3292-7E92-40EC-866E-132DF794CA17}"/>
               </a:ext>
             </a:extLst>
           </p:cNvPr>
@@ -4090,6 +4097,13 @@
   <p:transition>
     <p:fade/>
   </p:transition>
+  <p:timing>
+    <p:tnLst>
+      <p:par>
+        <p:cTn id="1" dur="indefinite" restart="never" nodeType="tmRoot"/>
+      </p:par>
+    </p:tnLst>
+  </p:timing>
 </p:sld>
 </file>
 
@@ -4151,7 +4165,7 @@
             <a:fld id="{2CA8961E-5F42-FE47-9973-7751D18F26D5}" type="datetime1">
               <a:rPr lang="de-DE" smtClean="0"/>
               <a:pPr/>
-              <a:t>05.09.2019</a:t>
+              <a:t>10.09.2019</a:t>
             </a:fld>
             <a:endParaRPr lang="en-US" dirty="0"/>
           </a:p>
@@ -4186,7 +4200,7 @@
           <p:cNvPr id="7" name="Holder 4">
             <a:extLst>
               <a:ext uri="{FF2B5EF4-FFF2-40B4-BE49-F238E27FC236}">
-                <a16:creationId xmlns:a16="http://schemas.microsoft.com/office/drawing/2014/main" id="{1B191B0D-CA30-4F3D-8FCE-22E3D134FBF2}"/>
+                <a16:creationId xmlns:a16="http://schemas.microsoft.com/office/drawing/2014/main" xmlns="" id="{1B191B0D-CA30-4F3D-8FCE-22E3D134FBF2}"/>
               </a:ext>
             </a:extLst>
           </p:cNvPr>
@@ -4258,7 +4272,7 @@
           <p:cNvPr id="8" name="TextBox 4">
             <a:extLst>
               <a:ext uri="{FF2B5EF4-FFF2-40B4-BE49-F238E27FC236}">
-                <a16:creationId xmlns:a16="http://schemas.microsoft.com/office/drawing/2014/main" id="{065F3292-7E92-40EC-866E-132DF794CA17}"/>
+                <a16:creationId xmlns:a16="http://schemas.microsoft.com/office/drawing/2014/main" xmlns="" id="{065F3292-7E92-40EC-866E-132DF794CA17}"/>
               </a:ext>
             </a:extLst>
           </p:cNvPr>
@@ -4456,7 +4470,7 @@
     </p:spTree>
     <p:extLst>
       <p:ext uri="{BB962C8B-B14F-4D97-AF65-F5344CB8AC3E}">
-        <p14:creationId xmlns:p14="http://schemas.microsoft.com/office/powerpoint/2010/main" val="1335231998"/>
+        <p14:creationId xmlns:p14="http://schemas.microsoft.com/office/powerpoint/2010/main" xmlns="" val="1335231998"/>
       </p:ext>
     </p:extLst>
   </p:cSld>
@@ -4466,6 +4480,13 @@
   <p:transition>
     <p:fade/>
   </p:transition>
+  <p:timing>
+    <p:tnLst>
+      <p:par>
+        <p:cTn id="1" dur="indefinite" restart="never" nodeType="tmRoot"/>
+      </p:par>
+    </p:tnLst>
+  </p:timing>
 </p:sld>
 </file>
 
@@ -4507,11 +4528,11 @@
           <a:lstStyle/>
           <a:p>
             <a:r>
-              <a:rPr lang="de-DE" dirty="0" err="1"/>
-              <a:t>Recommendtions</a:t>
-            </a:r>
-            <a:r>
-              <a:rPr lang="de-DE" dirty="0"/>
+              <a:rPr lang="de-DE" dirty="0" err="1" smtClean="0"/>
+              <a:t>Recommendations</a:t>
+            </a:r>
+            <a:r>
+              <a:rPr lang="de-DE" dirty="0" smtClean="0"/>
               <a:t> </a:t>
             </a:r>
             <a:r>
@@ -4572,7 +4593,7 @@
             <a:fld id="{2CA8961E-5F42-FE47-9973-7751D18F26D5}" type="datetime1">
               <a:rPr lang="de-DE" smtClean="0"/>
               <a:pPr/>
-              <a:t>06.09.2019</a:t>
+              <a:t>10.09.2019</a:t>
             </a:fld>
             <a:endParaRPr lang="en-US" dirty="0"/>
           </a:p>
@@ -4607,7 +4628,7 @@
           <p:cNvPr id="7" name="Holder 4">
             <a:extLst>
               <a:ext uri="{FF2B5EF4-FFF2-40B4-BE49-F238E27FC236}">
-                <a16:creationId xmlns:a16="http://schemas.microsoft.com/office/drawing/2014/main" id="{1B191B0D-CA30-4F3D-8FCE-22E3D134FBF2}"/>
+                <a16:creationId xmlns:a16="http://schemas.microsoft.com/office/drawing/2014/main" xmlns="" id="{1B191B0D-CA30-4F3D-8FCE-22E3D134FBF2}"/>
               </a:ext>
             </a:extLst>
           </p:cNvPr>
@@ -4679,7 +4700,7 @@
           <p:cNvPr id="8" name="TextBox 4">
             <a:extLst>
               <a:ext uri="{FF2B5EF4-FFF2-40B4-BE49-F238E27FC236}">
-                <a16:creationId xmlns:a16="http://schemas.microsoft.com/office/drawing/2014/main" id="{065F3292-7E92-40EC-866E-132DF794CA17}"/>
+                <a16:creationId xmlns:a16="http://schemas.microsoft.com/office/drawing/2014/main" xmlns="" id="{065F3292-7E92-40EC-866E-132DF794CA17}"/>
               </a:ext>
             </a:extLst>
           </p:cNvPr>
@@ -4688,8 +4709,8 @@
         </p:nvSpPr>
         <p:spPr>
           <a:xfrm>
-            <a:off x="611959" y="1364194"/>
-            <a:ext cx="7358114" cy="3277820"/>
+            <a:off x="285720" y="1364194"/>
+            <a:ext cx="8429684" cy="3277820"/>
           </a:xfrm>
           <a:prstGeom prst="rect">
             <a:avLst/>
@@ -4743,22 +4764,22 @@
               <a:t>Interacting features: </a:t>
             </a:r>
             <a:r>
-              <a:rPr lang="en-GB" sz="1600" dirty="0">
+              <a:rPr lang="en-GB" sz="1600" dirty="0" err="1" smtClean="0">
                 <a:solidFill>
                   <a:srgbClr val="575756"/>
                 </a:solidFill>
                 <a:latin typeface="DINPro"/>
               </a:rPr>
-              <a:t>D</a:t>
-            </a:r>
-            <a:r>
-              <a:rPr lang="en-US" sz="1600" dirty="0" err="1">
+              <a:t>Dis</a:t>
+            </a:r>
+            <a:r>
+              <a:rPr lang="en-US" sz="1600" dirty="0" smtClean="0">
                 <a:solidFill>
                   <a:srgbClr val="575756"/>
                 </a:solidFill>
                 <a:latin typeface="DINPro"/>
               </a:rPr>
-              <a:t>isaggregating</a:t>
+              <a:t>aggregating </a:t>
             </a:r>
             <a:r>
               <a:rPr lang="en-US" sz="1600" dirty="0">
@@ -4767,16 +4788,34 @@
                 </a:solidFill>
                 <a:latin typeface="DINPro"/>
               </a:rPr>
-              <a:t> the global effect estimates of the partial dependence to local effect estimates</a:t>
-            </a:r>
-            <a:r>
-              <a:rPr lang="en-GB" sz="1600" dirty="0">
+              <a:t>the global effect estimates of the partial dependence to local effect </a:t>
+            </a:r>
+            <a:r>
+              <a:rPr lang="en-US" sz="1600" dirty="0" smtClean="0">
                 <a:solidFill>
                   <a:srgbClr val="575756"/>
                 </a:solidFill>
                 <a:latin typeface="DINPro"/>
               </a:rPr>
-              <a:t>for single observations </a:t>
+              <a:t>estimates </a:t>
+            </a:r>
+            <a:r>
+              <a:rPr lang="en-GB" sz="1600" dirty="0" smtClean="0">
+                <a:solidFill>
+                  <a:srgbClr val="575756"/>
+                </a:solidFill>
+                <a:latin typeface="DINPro"/>
+              </a:rPr>
+              <a:t>for </a:t>
+            </a:r>
+            <a:r>
+              <a:rPr lang="en-GB" sz="1600" dirty="0">
+                <a:solidFill>
+                  <a:srgbClr val="575756"/>
+                </a:solidFill>
+                <a:latin typeface="DINPro"/>
+              </a:rPr>
+              <a:t>single observations </a:t>
             </a:r>
             <a:r>
               <a:rPr lang="en-GB" sz="1600" dirty="0">
@@ -4914,7 +4953,7 @@
     </p:spTree>
     <p:extLst>
       <p:ext uri="{BB962C8B-B14F-4D97-AF65-F5344CB8AC3E}">
-        <p14:creationId xmlns:p14="http://schemas.microsoft.com/office/powerpoint/2010/main" val="823567650"/>
+        <p14:creationId xmlns:p14="http://schemas.microsoft.com/office/powerpoint/2010/main" xmlns="" val="823567650"/>
       </p:ext>
     </p:extLst>
   </p:cSld>
@@ -4924,6 +4963,13 @@
   <p:transition>
     <p:fade/>
   </p:transition>
+  <p:timing>
+    <p:tnLst>
+      <p:par>
+        <p:cTn id="1" dur="indefinite" restart="never" nodeType="tmRoot"/>
+      </p:par>
+    </p:tnLst>
+  </p:timing>
 </p:sld>
 </file>
 
@@ -5076,7 +5122,7 @@
             <a:fld id="{2CA8961E-5F42-FE47-9973-7751D18F26D5}" type="datetime1">
               <a:rPr lang="de-DE" smtClean="0"/>
               <a:pPr/>
-              <a:t>05.09.2019</a:t>
+              <a:t>10.09.2019</a:t>
             </a:fld>
             <a:endParaRPr lang="en-US" dirty="0"/>
           </a:p>
@@ -5111,7 +5157,7 @@
           <p:cNvPr id="7" name="Holder 4">
             <a:extLst>
               <a:ext uri="{FF2B5EF4-FFF2-40B4-BE49-F238E27FC236}">
-                <a16:creationId xmlns:a16="http://schemas.microsoft.com/office/drawing/2014/main" id="{4C6B876A-C589-428A-9486-D6EC20189077}"/>
+                <a16:creationId xmlns:a16="http://schemas.microsoft.com/office/drawing/2014/main" xmlns="" id="{4C6B876A-C589-428A-9486-D6EC20189077}"/>
               </a:ext>
             </a:extLst>
           </p:cNvPr>
@@ -5181,7 +5227,7 @@
     </p:spTree>
     <p:extLst>
       <p:ext uri="{BB962C8B-B14F-4D97-AF65-F5344CB8AC3E}">
-        <p14:creationId xmlns:p14="http://schemas.microsoft.com/office/powerpoint/2010/main" val="1616967820"/>
+        <p14:creationId xmlns:p14="http://schemas.microsoft.com/office/powerpoint/2010/main" xmlns="" val="1616967820"/>
       </p:ext>
     </p:extLst>
   </p:cSld>
@@ -5191,6 +5237,13 @@
   <p:transition>
     <p:fade/>
   </p:transition>
+  <p:timing>
+    <p:tnLst>
+      <p:par>
+        <p:cTn id="1" dur="indefinite" restart="never" nodeType="tmRoot"/>
+      </p:par>
+    </p:tnLst>
+  </p:timing>
 </p:sld>
 </file>
 
@@ -5310,7 +5363,7 @@
             <a:fld id="{2CA8961E-5F42-FE47-9973-7751D18F26D5}" type="datetime1">
               <a:rPr lang="de-DE" smtClean="0"/>
               <a:pPr/>
-              <a:t>05.09.2019</a:t>
+              <a:t>10.09.2019</a:t>
             </a:fld>
             <a:endParaRPr lang="en-US" dirty="0"/>
           </a:p>
@@ -5345,7 +5398,7 @@
           <p:cNvPr id="8" name="Holder 4">
             <a:extLst>
               <a:ext uri="{FF2B5EF4-FFF2-40B4-BE49-F238E27FC236}">
-                <a16:creationId xmlns:a16="http://schemas.microsoft.com/office/drawing/2014/main" id="{9E48CCCD-C5E7-419A-9896-997DBAE05D5B}"/>
+                <a16:creationId xmlns:a16="http://schemas.microsoft.com/office/drawing/2014/main" xmlns="" id="{9E48CCCD-C5E7-419A-9896-997DBAE05D5B}"/>
               </a:ext>
             </a:extLst>
           </p:cNvPr>
@@ -5415,7 +5468,7 @@
     </p:spTree>
     <p:extLst>
       <p:ext uri="{BB962C8B-B14F-4D97-AF65-F5344CB8AC3E}">
-        <p14:creationId xmlns:p14="http://schemas.microsoft.com/office/powerpoint/2010/main" val="3893991188"/>
+        <p14:creationId xmlns:p14="http://schemas.microsoft.com/office/powerpoint/2010/main" xmlns="" val="3893991188"/>
       </p:ext>
     </p:extLst>
   </p:cSld>
@@ -5425,6 +5478,13 @@
   <p:transition>
     <p:fade/>
   </p:transition>
+  <p:timing>
+    <p:tnLst>
+      <p:par>
+        <p:cTn id="1" dur="indefinite" restart="never" nodeType="tmRoot"/>
+      </p:par>
+    </p:tnLst>
+  </p:timing>
 </p:sld>
 </file>
 
@@ -5646,7 +5706,7 @@
             <a:fld id="{2CA8961E-5F42-FE47-9973-7751D18F26D5}" type="datetime1">
               <a:rPr lang="de-DE" smtClean="0"/>
               <a:pPr/>
-              <a:t>05.09.2019</a:t>
+              <a:t>10.09.2019</a:t>
             </a:fld>
             <a:endParaRPr lang="en-US" dirty="0"/>
           </a:p>
@@ -5681,7 +5741,7 @@
           <p:cNvPr id="7" name="Holder 4">
             <a:extLst>
               <a:ext uri="{FF2B5EF4-FFF2-40B4-BE49-F238E27FC236}">
-                <a16:creationId xmlns:a16="http://schemas.microsoft.com/office/drawing/2014/main" id="{6D11A793-7F15-4E38-8B63-3316D295FA55}"/>
+                <a16:creationId xmlns:a16="http://schemas.microsoft.com/office/drawing/2014/main" xmlns="" id="{6D11A793-7F15-4E38-8B63-3316D295FA55}"/>
               </a:ext>
             </a:extLst>
           </p:cNvPr>
@@ -5808,7 +5868,7 @@
     </p:spTree>
     <p:extLst>
       <p:ext uri="{BB962C8B-B14F-4D97-AF65-F5344CB8AC3E}">
-        <p14:creationId xmlns:p14="http://schemas.microsoft.com/office/powerpoint/2010/main" val="1684766004"/>
+        <p14:creationId xmlns:p14="http://schemas.microsoft.com/office/powerpoint/2010/main" xmlns="" val="1684766004"/>
       </p:ext>
     </p:extLst>
   </p:cSld>
@@ -5818,6 +5878,13 @@
   <p:transition>
     <p:fade/>
   </p:transition>
+  <p:timing>
+    <p:tnLst>
+      <p:par>
+        <p:cTn id="1" dur="indefinite" restart="never" nodeType="tmRoot"/>
+      </p:par>
+    </p:tnLst>
+  </p:timing>
 </p:sld>
 </file>
 
@@ -5890,7 +5957,7 @@
             <a:fld id="{2CA8961E-5F42-FE47-9973-7751D18F26D5}" type="datetime1">
               <a:rPr lang="de-DE" smtClean="0"/>
               <a:pPr/>
-              <a:t>05.09.2019</a:t>
+              <a:t>10.09.2019</a:t>
             </a:fld>
             <a:endParaRPr lang="en-US" dirty="0"/>
           </a:p>
@@ -5925,7 +5992,7 @@
           <p:cNvPr id="7" name="Holder 4">
             <a:extLst>
               <a:ext uri="{FF2B5EF4-FFF2-40B4-BE49-F238E27FC236}">
-                <a16:creationId xmlns:a16="http://schemas.microsoft.com/office/drawing/2014/main" id="{6D11A793-7F15-4E38-8B63-3316D295FA55}"/>
+                <a16:creationId xmlns:a16="http://schemas.microsoft.com/office/drawing/2014/main" xmlns="" id="{6D11A793-7F15-4E38-8B63-3316D295FA55}"/>
               </a:ext>
             </a:extLst>
           </p:cNvPr>
@@ -6054,7 +6121,7 @@
           <p:cNvPr id="5" name="Content Placeholder 4">
             <a:extLst>
               <a:ext uri="{FF2B5EF4-FFF2-40B4-BE49-F238E27FC236}">
-                <a16:creationId xmlns:a16="http://schemas.microsoft.com/office/drawing/2014/main" id="{4D4614DC-9848-4D9C-B08C-3952D842E291}"/>
+                <a16:creationId xmlns:a16="http://schemas.microsoft.com/office/drawing/2014/main" xmlns="" id="{4D4614DC-9848-4D9C-B08C-3952D842E291}"/>
               </a:ext>
             </a:extLst>
           </p:cNvPr>
@@ -6087,7 +6154,7 @@
           <p:cNvPr id="6" name="Picture 5">
             <a:extLst>
               <a:ext uri="{FF2B5EF4-FFF2-40B4-BE49-F238E27FC236}">
-                <a16:creationId xmlns:a16="http://schemas.microsoft.com/office/drawing/2014/main" id="{B69EE6BA-271C-4127-97F5-A5620869D988}"/>
+                <a16:creationId xmlns:a16="http://schemas.microsoft.com/office/drawing/2014/main" xmlns="" id="{B69EE6BA-271C-4127-97F5-A5620869D988}"/>
               </a:ext>
             </a:extLst>
           </p:cNvPr>
@@ -6117,7 +6184,7 @@
           <p:cNvPr id="10" name="Arrow: Right 9">
             <a:extLst>
               <a:ext uri="{FF2B5EF4-FFF2-40B4-BE49-F238E27FC236}">
-                <a16:creationId xmlns:a16="http://schemas.microsoft.com/office/drawing/2014/main" id="{07E8D168-23A7-44CC-8A08-1951FEE20A04}"/>
+                <a16:creationId xmlns:a16="http://schemas.microsoft.com/office/drawing/2014/main" xmlns="" id="{07E8D168-23A7-44CC-8A08-1951FEE20A04}"/>
               </a:ext>
             </a:extLst>
           </p:cNvPr>
@@ -6163,7 +6230,7 @@
           <p:cNvPr id="14" name="Rectangle 13">
             <a:extLst>
               <a:ext uri="{FF2B5EF4-FFF2-40B4-BE49-F238E27FC236}">
-                <a16:creationId xmlns:a16="http://schemas.microsoft.com/office/drawing/2014/main" id="{214011B9-B35B-4B24-9F5B-CD135B1A6C46}"/>
+                <a16:creationId xmlns:a16="http://schemas.microsoft.com/office/drawing/2014/main" xmlns="" id="{214011B9-B35B-4B24-9F5B-CD135B1A6C46}"/>
               </a:ext>
             </a:extLst>
           </p:cNvPr>
@@ -6294,7 +6361,7 @@
     </p:spTree>
     <p:extLst>
       <p:ext uri="{BB962C8B-B14F-4D97-AF65-F5344CB8AC3E}">
-        <p14:creationId xmlns:p14="http://schemas.microsoft.com/office/powerpoint/2010/main" val="2570867716"/>
+        <p14:creationId xmlns:p14="http://schemas.microsoft.com/office/powerpoint/2010/main" xmlns="" val="2570867716"/>
       </p:ext>
     </p:extLst>
   </p:cSld>
@@ -6304,6 +6371,13 @@
   <p:transition>
     <p:fade/>
   </p:transition>
+  <p:timing>
+    <p:tnLst>
+      <p:par>
+        <p:cTn id="1" dur="indefinite" restart="never" nodeType="tmRoot"/>
+      </p:par>
+    </p:tnLst>
+  </p:timing>
 </p:sld>
 </file>
 
@@ -6372,7 +6446,7 @@
             <a:fld id="{2CA8961E-5F42-FE47-9973-7751D18F26D5}" type="datetime1">
               <a:rPr lang="de-DE" smtClean="0"/>
               <a:pPr/>
-              <a:t>05.09.2019</a:t>
+              <a:t>10.09.2019</a:t>
             </a:fld>
             <a:endParaRPr lang="en-US" dirty="0"/>
           </a:p>
@@ -6407,7 +6481,7 @@
           <p:cNvPr id="7" name="Holder 4">
             <a:extLst>
               <a:ext uri="{FF2B5EF4-FFF2-40B4-BE49-F238E27FC236}">
-                <a16:creationId xmlns:a16="http://schemas.microsoft.com/office/drawing/2014/main" id="{6D11A793-7F15-4E38-8B63-3316D295FA55}"/>
+                <a16:creationId xmlns:a16="http://schemas.microsoft.com/office/drawing/2014/main" xmlns="" id="{6D11A793-7F15-4E38-8B63-3316D295FA55}"/>
               </a:ext>
             </a:extLst>
           </p:cNvPr>
@@ -6536,7 +6610,7 @@
           <p:cNvPr id="4" name="Picture 3">
             <a:extLst>
               <a:ext uri="{FF2B5EF4-FFF2-40B4-BE49-F238E27FC236}">
-                <a16:creationId xmlns:a16="http://schemas.microsoft.com/office/drawing/2014/main" id="{EC4B86F9-014A-4698-A747-1F8CF42ED7EB}"/>
+                <a16:creationId xmlns:a16="http://schemas.microsoft.com/office/drawing/2014/main" xmlns="" id="{EC4B86F9-014A-4698-A747-1F8CF42ED7EB}"/>
               </a:ext>
             </a:extLst>
           </p:cNvPr>
@@ -6566,7 +6640,7 @@
           <p:cNvPr id="8" name="Picture 7">
             <a:extLst>
               <a:ext uri="{FF2B5EF4-FFF2-40B4-BE49-F238E27FC236}">
-                <a16:creationId xmlns:a16="http://schemas.microsoft.com/office/drawing/2014/main" id="{36F61EDC-1102-41E7-9E41-5BB3EBF69696}"/>
+                <a16:creationId xmlns:a16="http://schemas.microsoft.com/office/drawing/2014/main" xmlns="" id="{36F61EDC-1102-41E7-9E41-5BB3EBF69696}"/>
               </a:ext>
             </a:extLst>
           </p:cNvPr>
@@ -6596,7 +6670,7 @@
           <p:cNvPr id="9" name="Arrow: Right 8">
             <a:extLst>
               <a:ext uri="{FF2B5EF4-FFF2-40B4-BE49-F238E27FC236}">
-                <a16:creationId xmlns:a16="http://schemas.microsoft.com/office/drawing/2014/main" id="{4F24E544-A263-4410-9578-9030FC3FD3EB}"/>
+                <a16:creationId xmlns:a16="http://schemas.microsoft.com/office/drawing/2014/main" xmlns="" id="{4F24E544-A263-4410-9578-9030FC3FD3EB}"/>
               </a:ext>
             </a:extLst>
           </p:cNvPr>
@@ -6640,7 +6714,7 @@
     </p:spTree>
     <p:extLst>
       <p:ext uri="{BB962C8B-B14F-4D97-AF65-F5344CB8AC3E}">
-        <p14:creationId xmlns:p14="http://schemas.microsoft.com/office/powerpoint/2010/main" val="2650204975"/>
+        <p14:creationId xmlns:p14="http://schemas.microsoft.com/office/powerpoint/2010/main" xmlns="" val="2650204975"/>
       </p:ext>
     </p:extLst>
   </p:cSld>
@@ -6650,6 +6724,13 @@
   <p:transition>
     <p:fade/>
   </p:transition>
+  <p:timing>
+    <p:tnLst>
+      <p:par>
+        <p:cTn id="1" dur="indefinite" restart="never" nodeType="tmRoot"/>
+      </p:par>
+    </p:tnLst>
+  </p:timing>
 </p:sld>
 </file>
 
@@ -6722,7 +6803,7 @@
             <a:fld id="{2CA8961E-5F42-FE47-9973-7751D18F26D5}" type="datetime1">
               <a:rPr lang="de-DE" smtClean="0"/>
               <a:pPr/>
-              <a:t>05.09.2019</a:t>
+              <a:t>10.09.2019</a:t>
             </a:fld>
             <a:endParaRPr lang="en-US" dirty="0"/>
           </a:p>
@@ -6757,7 +6838,7 @@
           <p:cNvPr id="7" name="Holder 4">
             <a:extLst>
               <a:ext uri="{FF2B5EF4-FFF2-40B4-BE49-F238E27FC236}">
-                <a16:creationId xmlns:a16="http://schemas.microsoft.com/office/drawing/2014/main" id="{6D11A793-7F15-4E38-8B63-3316D295FA55}"/>
+                <a16:creationId xmlns:a16="http://schemas.microsoft.com/office/drawing/2014/main" xmlns="" id="{6D11A793-7F15-4E38-8B63-3316D295FA55}"/>
               </a:ext>
             </a:extLst>
           </p:cNvPr>
@@ -6881,8 +6962,8 @@
           </a:p>
         </p:txBody>
       </p:sp>
-      <mc:AlternateContent xmlns:mc="http://schemas.openxmlformats.org/markup-compatibility/2006" xmlns:a14="http://schemas.microsoft.com/office/drawing/2010/main">
-        <mc:Choice Requires="a14">
+      <mc:AlternateContent xmlns:mc="http://schemas.openxmlformats.org/markup-compatibility/2006">
+        <mc:Choice xmlns:a14="http://schemas.microsoft.com/office/drawing/2010/main" xmlns="" Requires="a14">
           <p:sp>
             <p:nvSpPr>
               <p:cNvPr id="14" name="Inhaltsplatzhalter 11">
@@ -9070,13 +9151,13 @@
             </p:txBody>
           </p:sp>
         </mc:Choice>
-        <mc:Fallback xmlns="">
+        <mc:Fallback>
           <p:sp>
             <p:nvSpPr>
               <p:cNvPr id="14" name="Inhaltsplatzhalter 11">
                 <a:extLst>
                   <a:ext uri="{FF2B5EF4-FFF2-40B4-BE49-F238E27FC236}">
-                    <a16:creationId xmlns:a16="http://schemas.microsoft.com/office/drawing/2014/main" xmlns="" id="{23A184DC-A4A0-4335-AD33-44ED6F8EEA53}"/>
+                    <a16:creationId xmlns="" xmlns:a16="http://schemas.microsoft.com/office/drawing/2014/main" xmlns:a14="http://schemas.microsoft.com/office/drawing/2010/main" id="{23A184DC-A4A0-4335-AD33-44ED6F8EEA53}"/>
                   </a:ext>
                 </a:extLst>
               </p:cNvPr>
@@ -9117,7 +9198,7 @@
     </p:spTree>
     <p:extLst>
       <p:ext uri="{BB962C8B-B14F-4D97-AF65-F5344CB8AC3E}">
-        <p14:creationId xmlns:p14="http://schemas.microsoft.com/office/powerpoint/2010/main" val="1248759268"/>
+        <p14:creationId xmlns:p14="http://schemas.microsoft.com/office/powerpoint/2010/main" xmlns="" val="1248759268"/>
       </p:ext>
     </p:extLst>
   </p:cSld>
@@ -9127,6 +9208,13 @@
   <p:transition>
     <p:fade/>
   </p:transition>
+  <p:timing>
+    <p:tnLst>
+      <p:par>
+        <p:cTn id="1" dur="indefinite" restart="never" nodeType="tmRoot"/>
+      </p:par>
+    </p:tnLst>
+  </p:timing>
 </p:sld>
 </file>
 
@@ -9200,7 +9288,7 @@
             <a:fld id="{2CA8961E-5F42-FE47-9973-7751D18F26D5}" type="datetime1">
               <a:rPr lang="de-DE" smtClean="0"/>
               <a:pPr/>
-              <a:t>05.09.2019</a:t>
+              <a:t>10.09.2019</a:t>
             </a:fld>
             <a:endParaRPr lang="en-US" dirty="0"/>
           </a:p>
@@ -9235,7 +9323,7 @@
           <p:cNvPr id="7" name="Holder 4">
             <a:extLst>
               <a:ext uri="{FF2B5EF4-FFF2-40B4-BE49-F238E27FC236}">
-                <a16:creationId xmlns:a16="http://schemas.microsoft.com/office/drawing/2014/main" id="{6D11A793-7F15-4E38-8B63-3316D295FA55}"/>
+                <a16:creationId xmlns:a16="http://schemas.microsoft.com/office/drawing/2014/main" xmlns="" id="{6D11A793-7F15-4E38-8B63-3316D295FA55}"/>
               </a:ext>
             </a:extLst>
           </p:cNvPr>
@@ -9359,8 +9447,8 @@
           </a:p>
         </p:txBody>
       </p:sp>
-      <mc:AlternateContent xmlns:mc="http://schemas.openxmlformats.org/markup-compatibility/2006" xmlns:a14="http://schemas.microsoft.com/office/drawing/2010/main">
-        <mc:Choice Requires="a14">
+      <mc:AlternateContent xmlns:mc="http://schemas.openxmlformats.org/markup-compatibility/2006">
+        <mc:Choice xmlns:a14="http://schemas.microsoft.com/office/drawing/2010/main" xmlns="" Requires="a14">
           <p:sp>
             <p:nvSpPr>
               <p:cNvPr id="14" name="Inhaltsplatzhalter 11">
@@ -10222,13 +10310,13 @@
             </p:txBody>
           </p:sp>
         </mc:Choice>
-        <mc:Fallback xmlns="">
+        <mc:Fallback>
           <p:sp>
             <p:nvSpPr>
               <p:cNvPr id="14" name="Inhaltsplatzhalter 11">
                 <a:extLst>
                   <a:ext uri="{FF2B5EF4-FFF2-40B4-BE49-F238E27FC236}">
-                    <a16:creationId xmlns:a16="http://schemas.microsoft.com/office/drawing/2014/main" xmlns="" id="{23A184DC-A4A0-4335-AD33-44ED6F8EEA53}"/>
+                    <a16:creationId xmlns="" xmlns:a16="http://schemas.microsoft.com/office/drawing/2014/main" xmlns:a14="http://schemas.microsoft.com/office/drawing/2010/main" id="{23A184DC-A4A0-4335-AD33-44ED6F8EEA53}"/>
                   </a:ext>
                 </a:extLst>
               </p:cNvPr>
@@ -10269,7 +10357,7 @@
     </p:spTree>
     <p:extLst>
       <p:ext uri="{BB962C8B-B14F-4D97-AF65-F5344CB8AC3E}">
-        <p14:creationId xmlns:p14="http://schemas.microsoft.com/office/powerpoint/2010/main" val="2770350162"/>
+        <p14:creationId xmlns:p14="http://schemas.microsoft.com/office/powerpoint/2010/main" xmlns="" val="2770350162"/>
       </p:ext>
     </p:extLst>
   </p:cSld>
@@ -10279,6 +10367,13 @@
   <p:transition>
     <p:fade/>
   </p:transition>
+  <p:timing>
+    <p:tnLst>
+      <p:par>
+        <p:cTn id="1" dur="indefinite" restart="never" nodeType="tmRoot"/>
+      </p:par>
+    </p:tnLst>
+  </p:timing>
 </p:sld>
 </file>
 
@@ -10347,7 +10442,7 @@
             <a:fld id="{2CA8961E-5F42-FE47-9973-7751D18F26D5}" type="datetime1">
               <a:rPr lang="de-DE" smtClean="0"/>
               <a:pPr/>
-              <a:t>05.09.2019</a:t>
+              <a:t>10.09.2019</a:t>
             </a:fld>
             <a:endParaRPr lang="en-US" dirty="0"/>
           </a:p>
@@ -10382,7 +10477,7 @@
           <p:cNvPr id="7" name="Holder 4">
             <a:extLst>
               <a:ext uri="{FF2B5EF4-FFF2-40B4-BE49-F238E27FC236}">
-                <a16:creationId xmlns:a16="http://schemas.microsoft.com/office/drawing/2014/main" id="{6D11A793-7F15-4E38-8B63-3316D295FA55}"/>
+                <a16:creationId xmlns:a16="http://schemas.microsoft.com/office/drawing/2014/main" xmlns="" id="{6D11A793-7F15-4E38-8B63-3316D295FA55}"/>
               </a:ext>
             </a:extLst>
           </p:cNvPr>
@@ -10511,7 +10606,7 @@
           <p:cNvPr id="2" name="Content Placeholder 1">
             <a:extLst>
               <a:ext uri="{FF2B5EF4-FFF2-40B4-BE49-F238E27FC236}">
-                <a16:creationId xmlns:a16="http://schemas.microsoft.com/office/drawing/2014/main" id="{A0018CCD-7D60-45CE-B465-A0C7B3BAFCDD}"/>
+                <a16:creationId xmlns:a16="http://schemas.microsoft.com/office/drawing/2014/main" xmlns="" id="{A0018CCD-7D60-45CE-B465-A0C7B3BAFCDD}"/>
               </a:ext>
             </a:extLst>
           </p:cNvPr>
@@ -10543,7 +10638,7 @@
           <p:cNvPr id="3" name="Picture 2">
             <a:extLst>
               <a:ext uri="{FF2B5EF4-FFF2-40B4-BE49-F238E27FC236}">
-                <a16:creationId xmlns:a16="http://schemas.microsoft.com/office/drawing/2014/main" id="{288DAC61-5656-4D3A-B470-E5453ECCB4AE}"/>
+                <a16:creationId xmlns:a16="http://schemas.microsoft.com/office/drawing/2014/main" xmlns="" id="{288DAC61-5656-4D3A-B470-E5453ECCB4AE}"/>
               </a:ext>
             </a:extLst>
           </p:cNvPr>
@@ -10573,7 +10668,7 @@
           <p:cNvPr id="4" name="Arrow: Right 3">
             <a:extLst>
               <a:ext uri="{FF2B5EF4-FFF2-40B4-BE49-F238E27FC236}">
-                <a16:creationId xmlns:a16="http://schemas.microsoft.com/office/drawing/2014/main" id="{AB55108D-47F3-4D22-88B8-A91940A3B7BF}"/>
+                <a16:creationId xmlns:a16="http://schemas.microsoft.com/office/drawing/2014/main" xmlns="" id="{AB55108D-47F3-4D22-88B8-A91940A3B7BF}"/>
               </a:ext>
             </a:extLst>
           </p:cNvPr>
@@ -10619,7 +10714,7 @@
           <p:cNvPr id="5" name="TextBox 4">
             <a:extLst>
               <a:ext uri="{FF2B5EF4-FFF2-40B4-BE49-F238E27FC236}">
-                <a16:creationId xmlns:a16="http://schemas.microsoft.com/office/drawing/2014/main" id="{065F3292-7E92-40EC-866E-132DF794CA17}"/>
+                <a16:creationId xmlns:a16="http://schemas.microsoft.com/office/drawing/2014/main" xmlns="" id="{065F3292-7E92-40EC-866E-132DF794CA17}"/>
               </a:ext>
             </a:extLst>
           </p:cNvPr>
@@ -10707,7 +10802,7 @@
     </p:spTree>
     <p:extLst>
       <p:ext uri="{BB962C8B-B14F-4D97-AF65-F5344CB8AC3E}">
-        <p14:creationId xmlns:p14="http://schemas.microsoft.com/office/powerpoint/2010/main" val="3357797379"/>
+        <p14:creationId xmlns:p14="http://schemas.microsoft.com/office/powerpoint/2010/main" xmlns="" val="3357797379"/>
       </p:ext>
     </p:extLst>
   </p:cSld>
@@ -10717,6 +10812,13 @@
   <p:transition>
     <p:fade/>
   </p:transition>
+  <p:timing>
+    <p:tnLst>
+      <p:par>
+        <p:cTn id="1" dur="indefinite" restart="never" nodeType="tmRoot"/>
+      </p:par>
+    </p:tnLst>
+  </p:timing>
 </p:sld>
 </file>
 
@@ -10785,7 +10887,7 @@
             <a:fld id="{2CA8961E-5F42-FE47-9973-7751D18F26D5}" type="datetime1">
               <a:rPr lang="de-DE" smtClean="0"/>
               <a:pPr/>
-              <a:t>05.09.2019</a:t>
+              <a:t>10.09.2019</a:t>
             </a:fld>
             <a:endParaRPr lang="en-US" dirty="0"/>
           </a:p>
@@ -10820,7 +10922,7 @@
           <p:cNvPr id="7" name="Holder 4">
             <a:extLst>
               <a:ext uri="{FF2B5EF4-FFF2-40B4-BE49-F238E27FC236}">
-                <a16:creationId xmlns:a16="http://schemas.microsoft.com/office/drawing/2014/main" id="{6D11A793-7F15-4E38-8B63-3316D295FA55}"/>
+                <a16:creationId xmlns:a16="http://schemas.microsoft.com/office/drawing/2014/main" xmlns="" id="{6D11A793-7F15-4E38-8B63-3316D295FA55}"/>
               </a:ext>
             </a:extLst>
           </p:cNvPr>
@@ -10949,7 +11051,7 @@
           <p:cNvPr id="14" name="Table 13">
             <a:extLst>
               <a:ext uri="{FF2B5EF4-FFF2-40B4-BE49-F238E27FC236}">
-                <a16:creationId xmlns:a16="http://schemas.microsoft.com/office/drawing/2014/main" id="{1A7781A9-C69E-404D-80D1-F7D372C117C7}"/>
+                <a16:creationId xmlns:a16="http://schemas.microsoft.com/office/drawing/2014/main" xmlns="" id="{1A7781A9-C69E-404D-80D1-F7D372C117C7}"/>
               </a:ext>
             </a:extLst>
           </p:cNvPr>
@@ -10959,14 +11061,14 @@
           <p:nvPr>
             <p:extLst>
               <p:ext uri="{D42A27DB-BD31-4B8C-83A1-F6EECF244321}">
-                <p14:modId xmlns:p14="http://schemas.microsoft.com/office/powerpoint/2010/main" val="380628098"/>
+                <p14:modId xmlns:p14="http://schemas.microsoft.com/office/powerpoint/2010/main" xmlns="" val="380628098"/>
               </p:ext>
             </p:extLst>
           </p:nvPr>
         </p:nvGraphicFramePr>
         <p:xfrm>
           <a:off x="714348" y="1357304"/>
-          <a:ext cx="7638901" cy="3175000"/>
+          <a:ext cx="7638901" cy="3418840"/>
         </p:xfrm>
         <a:graphic>
           <a:graphicData uri="http://schemas.openxmlformats.org/drawingml/2006/table">
@@ -10978,14 +11080,14 @@
                 <a:gridCol w="3836346">
                   <a:extLst>
                     <a:ext uri="{9D8B030D-6E8A-4147-A177-3AD203B41FA5}">
-                      <a16:colId xmlns:a16="http://schemas.microsoft.com/office/drawing/2014/main" val="1280365671"/>
+                      <a16:colId xmlns:a16="http://schemas.microsoft.com/office/drawing/2014/main" xmlns="" val="1280365671"/>
                     </a:ext>
                   </a:extLst>
                 </a:gridCol>
                 <a:gridCol w="3802555">
                   <a:extLst>
                     <a:ext uri="{9D8B030D-6E8A-4147-A177-3AD203B41FA5}">
-                      <a16:colId xmlns:a16="http://schemas.microsoft.com/office/drawing/2014/main" val="2383897337"/>
+                      <a16:colId xmlns:a16="http://schemas.microsoft.com/office/drawing/2014/main" xmlns="" val="2383897337"/>
                     </a:ext>
                   </a:extLst>
                 </a:gridCol>
@@ -11033,7 +11135,7 @@
                 </a:tc>
                 <a:extLst>
                   <a:ext uri="{0D108BD9-81ED-4DB2-BD59-A6C34878D82A}">
-                    <a16:rowId xmlns:a16="http://schemas.microsoft.com/office/drawing/2014/main" val="1261277040"/>
+                    <a16:rowId xmlns:a16="http://schemas.microsoft.com/office/drawing/2014/main" xmlns="" val="1261277040"/>
                   </a:ext>
                 </a:extLst>
               </a:tr>
@@ -11118,7 +11220,7 @@
                 </a:tc>
                 <a:extLst>
                   <a:ext uri="{0D108BD9-81ED-4DB2-BD59-A6C34878D82A}">
-                    <a16:rowId xmlns:a16="http://schemas.microsoft.com/office/drawing/2014/main" val="1304633785"/>
+                    <a16:rowId xmlns:a16="http://schemas.microsoft.com/office/drawing/2014/main" xmlns="" val="1304633785"/>
                   </a:ext>
                 </a:extLst>
               </a:tr>
@@ -11225,7 +11327,7 @@
                 </a:tc>
                 <a:extLst>
                   <a:ext uri="{0D108BD9-81ED-4DB2-BD59-A6C34878D82A}">
-                    <a16:rowId xmlns:a16="http://schemas.microsoft.com/office/drawing/2014/main" val="4195576678"/>
+                    <a16:rowId xmlns:a16="http://schemas.microsoft.com/office/drawing/2014/main" xmlns="" val="4195576678"/>
                   </a:ext>
                 </a:extLst>
               </a:tr>
@@ -11280,7 +11382,7 @@
                 </a:tc>
                 <a:extLst>
                   <a:ext uri="{0D108BD9-81ED-4DB2-BD59-A6C34878D82A}">
-                    <a16:rowId xmlns:a16="http://schemas.microsoft.com/office/drawing/2014/main" val="2594535744"/>
+                    <a16:rowId xmlns:a16="http://schemas.microsoft.com/office/drawing/2014/main" xmlns="" val="2594535744"/>
                   </a:ext>
                 </a:extLst>
               </a:tr>
@@ -11343,7 +11445,7 @@
                 </a:tc>
                 <a:extLst>
                   <a:ext uri="{0D108BD9-81ED-4DB2-BD59-A6C34878D82A}">
-                    <a16:rowId xmlns:a16="http://schemas.microsoft.com/office/drawing/2014/main" val="2596838169"/>
+                    <a16:rowId xmlns:a16="http://schemas.microsoft.com/office/drawing/2014/main" xmlns="" val="2596838169"/>
                   </a:ext>
                 </a:extLst>
               </a:tr>
@@ -11354,7 +11456,7 @@
     </p:spTree>
     <p:extLst>
       <p:ext uri="{BB962C8B-B14F-4D97-AF65-F5344CB8AC3E}">
-        <p14:creationId xmlns:p14="http://schemas.microsoft.com/office/powerpoint/2010/main" val="1654057680"/>
+        <p14:creationId xmlns:p14="http://schemas.microsoft.com/office/powerpoint/2010/main" xmlns="" val="1654057680"/>
       </p:ext>
     </p:extLst>
   </p:cSld>
@@ -11364,6 +11466,13 @@
   <p:transition>
     <p:fade/>
   </p:transition>
+  <p:timing>
+    <p:tnLst>
+      <p:par>
+        <p:cTn id="1" dur="indefinite" restart="never" nodeType="tmRoot"/>
+      </p:par>
+    </p:tnLst>
+  </p:timing>
 </p:sld>
 </file>
 

--- a/Presentation_neural_network.pptx
+++ b/Presentation_neural_network.pptx
@@ -124,7 +124,7 @@
   </p:defaultTextStyle>
   <p:extLst>
     <p:ext uri="{EFAFB233-063F-42B5-8137-9DF3F51BA10A}">
-      <p15:sldGuideLst xmlns:p15="http://schemas.microsoft.com/office/powerpoint/2012/main" xmlns="">
+      <p15:sldGuideLst xmlns:p15="http://schemas.microsoft.com/office/powerpoint/2012/main">
         <p15:guide id="1" orient="horz" pos="1428">
           <p15:clr>
             <a:srgbClr val="A4A3A4"/>
@@ -294,7 +294,7 @@
             <a:fld id="{747525CF-7212-804E-9855-29706471529B}" type="slidenum">
               <a:rPr lang="de-DE" smtClean="0"/>
               <a:pPr/>
-              <a:t>‹Nr.›</a:t>
+              <a:t>‹#›</a:t>
             </a:fld>
             <a:endParaRPr lang="de-DE"/>
           </a:p>
@@ -303,7 +303,7 @@
     </p:spTree>
     <p:extLst>
       <p:ext uri="{BB962C8B-B14F-4D97-AF65-F5344CB8AC3E}">
-        <p14:creationId xmlns:p14="http://schemas.microsoft.com/office/powerpoint/2010/main" xmlns="" val="278391227"/>
+        <p14:creationId xmlns:p14="http://schemas.microsoft.com/office/powerpoint/2010/main" val="278391227"/>
       </p:ext>
     </p:extLst>
   </p:cSld>
@@ -559,7 +559,7 @@
             <a:fld id="{584A433B-D369-FE47-BCB2-D5C24AAD91F8}" type="slidenum">
               <a:rPr lang="de-DE" smtClean="0"/>
               <a:pPr/>
-              <a:t>‹Nr.›</a:t>
+              <a:t>‹#›</a:t>
             </a:fld>
             <a:endParaRPr lang="de-DE"/>
           </a:p>
@@ -568,7 +568,7 @@
     </p:spTree>
     <p:extLst>
       <p:ext uri="{BB962C8B-B14F-4D97-AF65-F5344CB8AC3E}">
-        <p14:creationId xmlns:p14="http://schemas.microsoft.com/office/powerpoint/2010/main" xmlns="" val="1835036148"/>
+        <p14:creationId xmlns:p14="http://schemas.microsoft.com/office/powerpoint/2010/main" val="1835036148"/>
       </p:ext>
     </p:extLst>
   </p:cSld>
@@ -751,7 +751,7 @@
     </p:spTree>
     <p:extLst>
       <p:ext uri="{BB962C8B-B14F-4D97-AF65-F5344CB8AC3E}">
-        <p14:creationId xmlns:p14="http://schemas.microsoft.com/office/powerpoint/2010/main" xmlns="" val="4010995195"/>
+        <p14:creationId xmlns:p14="http://schemas.microsoft.com/office/powerpoint/2010/main" val="4010995195"/>
       </p:ext>
     </p:extLst>
   </p:cSld>
@@ -843,7 +843,7 @@
     </p:spTree>
     <p:extLst>
       <p:ext uri="{BB962C8B-B14F-4D97-AF65-F5344CB8AC3E}">
-        <p14:creationId xmlns:p14="http://schemas.microsoft.com/office/powerpoint/2010/main" xmlns="" val="124101984"/>
+        <p14:creationId xmlns:p14="http://schemas.microsoft.com/office/powerpoint/2010/main" val="124101984"/>
       </p:ext>
     </p:extLst>
   </p:cSld>
@@ -935,7 +935,7 @@
     </p:spTree>
     <p:extLst>
       <p:ext uri="{BB962C8B-B14F-4D97-AF65-F5344CB8AC3E}">
-        <p14:creationId xmlns:p14="http://schemas.microsoft.com/office/powerpoint/2010/main" xmlns="" val="3737912654"/>
+        <p14:creationId xmlns:p14="http://schemas.microsoft.com/office/powerpoint/2010/main" val="3737912654"/>
       </p:ext>
     </p:extLst>
   </p:cSld>
@@ -1027,7 +1027,7 @@
     </p:spTree>
     <p:extLst>
       <p:ext uri="{BB962C8B-B14F-4D97-AF65-F5344CB8AC3E}">
-        <p14:creationId xmlns:p14="http://schemas.microsoft.com/office/powerpoint/2010/main" xmlns="" val="2816153220"/>
+        <p14:creationId xmlns:p14="http://schemas.microsoft.com/office/powerpoint/2010/main" val="2816153220"/>
       </p:ext>
     </p:extLst>
   </p:cSld>
@@ -1119,7 +1119,7 @@
     </p:spTree>
     <p:extLst>
       <p:ext uri="{BB962C8B-B14F-4D97-AF65-F5344CB8AC3E}">
-        <p14:creationId xmlns:p14="http://schemas.microsoft.com/office/powerpoint/2010/main" xmlns="" val="3910434236"/>
+        <p14:creationId xmlns:p14="http://schemas.microsoft.com/office/powerpoint/2010/main" val="3910434236"/>
       </p:ext>
     </p:extLst>
   </p:cSld>
@@ -1211,7 +1211,7 @@
     </p:spTree>
     <p:extLst>
       <p:ext uri="{BB962C8B-B14F-4D97-AF65-F5344CB8AC3E}">
-        <p14:creationId xmlns:p14="http://schemas.microsoft.com/office/powerpoint/2010/main" xmlns="" val="2746223400"/>
+        <p14:creationId xmlns:p14="http://schemas.microsoft.com/office/powerpoint/2010/main" val="2746223400"/>
       </p:ext>
     </p:extLst>
   </p:cSld>
@@ -1303,7 +1303,7 @@
     </p:spTree>
     <p:extLst>
       <p:ext uri="{BB962C8B-B14F-4D97-AF65-F5344CB8AC3E}">
-        <p14:creationId xmlns:p14="http://schemas.microsoft.com/office/powerpoint/2010/main" xmlns="" val="4105718017"/>
+        <p14:creationId xmlns:p14="http://schemas.microsoft.com/office/powerpoint/2010/main" val="4105718017"/>
       </p:ext>
     </p:extLst>
   </p:cSld>
@@ -1395,7 +1395,7 @@
     </p:spTree>
     <p:extLst>
       <p:ext uri="{BB962C8B-B14F-4D97-AF65-F5344CB8AC3E}">
-        <p14:creationId xmlns:p14="http://schemas.microsoft.com/office/powerpoint/2010/main" xmlns="" val="1189541815"/>
+        <p14:creationId xmlns:p14="http://schemas.microsoft.com/office/powerpoint/2010/main" val="1189541815"/>
       </p:ext>
     </p:extLst>
   </p:cSld>
@@ -1487,7 +1487,7 @@
     </p:spTree>
     <p:extLst>
       <p:ext uri="{BB962C8B-B14F-4D97-AF65-F5344CB8AC3E}">
-        <p14:creationId xmlns:p14="http://schemas.microsoft.com/office/powerpoint/2010/main" xmlns="" val="3995083236"/>
+        <p14:creationId xmlns:p14="http://schemas.microsoft.com/office/powerpoint/2010/main" val="3995083236"/>
       </p:ext>
     </p:extLst>
   </p:cSld>
@@ -1579,7 +1579,7 @@
     </p:spTree>
     <p:extLst>
       <p:ext uri="{BB962C8B-B14F-4D97-AF65-F5344CB8AC3E}">
-        <p14:creationId xmlns:p14="http://schemas.microsoft.com/office/powerpoint/2010/main" xmlns="" val="2281526585"/>
+        <p14:creationId xmlns:p14="http://schemas.microsoft.com/office/powerpoint/2010/main" val="2281526585"/>
       </p:ext>
     </p:extLst>
   </p:cSld>
@@ -1671,7 +1671,7 @@
     </p:spTree>
     <p:extLst>
       <p:ext uri="{BB962C8B-B14F-4D97-AF65-F5344CB8AC3E}">
-        <p14:creationId xmlns:p14="http://schemas.microsoft.com/office/powerpoint/2010/main" xmlns="" val="4150209606"/>
+        <p14:creationId xmlns:p14="http://schemas.microsoft.com/office/powerpoint/2010/main" val="4150209606"/>
       </p:ext>
     </p:extLst>
   </p:cSld>
@@ -1955,7 +1955,7 @@
             <a:fld id="{B6F15528-21DE-4FAA-801E-634DDDAF4B2B}" type="slidenum">
               <a:rPr lang="de-DE" smtClean="0"/>
               <a:pPr/>
-              <a:t>‹Nr.›</a:t>
+              <a:t>‹#›</a:t>
             </a:fld>
             <a:endParaRPr lang="de-DE" dirty="0"/>
           </a:p>
@@ -2249,7 +2249,7 @@
             <a:fld id="{B6F15528-21DE-4FAA-801E-634DDDAF4B2B}" type="slidenum">
               <a:rPr lang="de-DE" smtClean="0"/>
               <a:pPr/>
-              <a:t>‹Nr.›</a:t>
+              <a:t>‹#›</a:t>
             </a:fld>
             <a:endParaRPr lang="de-DE" dirty="0"/>
           </a:p>
@@ -2482,7 +2482,7 @@
             <a:fld id="{B6F15528-21DE-4FAA-801E-634DDDAF4B2B}" type="slidenum">
               <a:rPr lang="de-DE" smtClean="0"/>
               <a:pPr/>
-              <a:t>‹Nr.›</a:t>
+              <a:t>‹#›</a:t>
             </a:fld>
             <a:endParaRPr lang="de-DE" dirty="0"/>
           </a:p>
@@ -2819,7 +2819,7 @@
             <a:fld id="{B6F15528-21DE-4FAA-801E-634DDDAF4B2B}" type="slidenum">
               <a:rPr lang="de-DE" smtClean="0"/>
               <a:pPr/>
-              <a:t>‹Nr.›</a:t>
+              <a:t>‹#›</a:t>
             </a:fld>
             <a:endParaRPr lang="de-DE" dirty="0"/>
           </a:p>
@@ -3140,7 +3140,7 @@
             <a:fld id="{B6F15528-21DE-4FAA-801E-634DDDAF4B2B}" type="slidenum">
               <a:rPr lang="de-DE" smtClean="0"/>
               <a:pPr/>
-              <a:t>‹Nr.›</a:t>
+              <a:t>‹#›</a:t>
             </a:fld>
             <a:endParaRPr lang="de-DE" dirty="0"/>
           </a:p>
@@ -3433,7 +3433,7 @@
             <a:fld id="{B6F15528-21DE-4FAA-801E-634DDDAF4B2B}" type="slidenum">
               <a:rPr lang="de-DE" smtClean="0"/>
               <a:pPr/>
-              <a:t>‹Nr.›</a:t>
+              <a:t>‹#›</a:t>
             </a:fld>
             <a:endParaRPr lang="de-DE" dirty="0"/>
           </a:p>
@@ -3779,13 +3779,6 @@
   <p:clrMapOvr>
     <a:masterClrMapping/>
   </p:clrMapOvr>
-  <p:timing>
-    <p:tnLst>
-      <p:par>
-        <p:cTn id="1" dur="indefinite" restart="never" nodeType="tmRoot"/>
-      </p:par>
-    </p:tnLst>
-  </p:timing>
 </p:sld>
 </file>
 
@@ -3859,7 +3852,7 @@
           <p:cNvPr id="7" name="Holder 4">
             <a:extLst>
               <a:ext uri="{FF2B5EF4-FFF2-40B4-BE49-F238E27FC236}">
-                <a16:creationId xmlns:a16="http://schemas.microsoft.com/office/drawing/2014/main" xmlns="" id="{1B191B0D-CA30-4F3D-8FCE-22E3D134FBF2}"/>
+                <a16:creationId xmlns:a16="http://schemas.microsoft.com/office/drawing/2014/main" id="{1B191B0D-CA30-4F3D-8FCE-22E3D134FBF2}"/>
               </a:ext>
             </a:extLst>
           </p:cNvPr>
@@ -3931,7 +3924,7 @@
           <p:cNvPr id="3" name="Title 2">
             <a:extLst>
               <a:ext uri="{FF2B5EF4-FFF2-40B4-BE49-F238E27FC236}">
-                <a16:creationId xmlns:a16="http://schemas.microsoft.com/office/drawing/2014/main" xmlns="" id="{6CC41551-2ECC-427A-AAC7-C01E6C772C78}"/>
+                <a16:creationId xmlns:a16="http://schemas.microsoft.com/office/drawing/2014/main" id="{6CC41551-2ECC-427A-AAC7-C01E6C772C78}"/>
               </a:ext>
             </a:extLst>
           </p:cNvPr>
@@ -3960,7 +3953,7 @@
           <p:cNvPr id="8" name="TextBox 4">
             <a:extLst>
               <a:ext uri="{FF2B5EF4-FFF2-40B4-BE49-F238E27FC236}">
-                <a16:creationId xmlns:a16="http://schemas.microsoft.com/office/drawing/2014/main" xmlns="" id="{065F3292-7E92-40EC-866E-132DF794CA17}"/>
+                <a16:creationId xmlns:a16="http://schemas.microsoft.com/office/drawing/2014/main" id="{065F3292-7E92-40EC-866E-132DF794CA17}"/>
               </a:ext>
             </a:extLst>
           </p:cNvPr>
@@ -4097,13 +4090,6 @@
   <p:transition>
     <p:fade/>
   </p:transition>
-  <p:timing>
-    <p:tnLst>
-      <p:par>
-        <p:cTn id="1" dur="indefinite" restart="never" nodeType="tmRoot"/>
-      </p:par>
-    </p:tnLst>
-  </p:timing>
 </p:sld>
 </file>
 
@@ -4200,7 +4186,7 @@
           <p:cNvPr id="7" name="Holder 4">
             <a:extLst>
               <a:ext uri="{FF2B5EF4-FFF2-40B4-BE49-F238E27FC236}">
-                <a16:creationId xmlns:a16="http://schemas.microsoft.com/office/drawing/2014/main" xmlns="" id="{1B191B0D-CA30-4F3D-8FCE-22E3D134FBF2}"/>
+                <a16:creationId xmlns:a16="http://schemas.microsoft.com/office/drawing/2014/main" id="{1B191B0D-CA30-4F3D-8FCE-22E3D134FBF2}"/>
               </a:ext>
             </a:extLst>
           </p:cNvPr>
@@ -4272,7 +4258,7 @@
           <p:cNvPr id="8" name="TextBox 4">
             <a:extLst>
               <a:ext uri="{FF2B5EF4-FFF2-40B4-BE49-F238E27FC236}">
-                <a16:creationId xmlns:a16="http://schemas.microsoft.com/office/drawing/2014/main" xmlns="" id="{065F3292-7E92-40EC-866E-132DF794CA17}"/>
+                <a16:creationId xmlns:a16="http://schemas.microsoft.com/office/drawing/2014/main" id="{065F3292-7E92-40EC-866E-132DF794CA17}"/>
               </a:ext>
             </a:extLst>
           </p:cNvPr>
@@ -4470,7 +4456,7 @@
     </p:spTree>
     <p:extLst>
       <p:ext uri="{BB962C8B-B14F-4D97-AF65-F5344CB8AC3E}">
-        <p14:creationId xmlns:p14="http://schemas.microsoft.com/office/powerpoint/2010/main" xmlns="" val="1335231998"/>
+        <p14:creationId xmlns:p14="http://schemas.microsoft.com/office/powerpoint/2010/main" val="1335231998"/>
       </p:ext>
     </p:extLst>
   </p:cSld>
@@ -4480,13 +4466,6 @@
   <p:transition>
     <p:fade/>
   </p:transition>
-  <p:timing>
-    <p:tnLst>
-      <p:par>
-        <p:cTn id="1" dur="indefinite" restart="never" nodeType="tmRoot"/>
-      </p:par>
-    </p:tnLst>
-  </p:timing>
 </p:sld>
 </file>
 
@@ -4528,11 +4507,11 @@
           <a:lstStyle/>
           <a:p>
             <a:r>
-              <a:rPr lang="de-DE" dirty="0" err="1" smtClean="0"/>
+              <a:rPr lang="de-DE" dirty="0" err="1"/>
               <a:t>Recommendations</a:t>
             </a:r>
             <a:r>
-              <a:rPr lang="de-DE" dirty="0" smtClean="0"/>
+              <a:rPr lang="de-DE" dirty="0"/>
               <a:t> </a:t>
             </a:r>
             <a:r>
@@ -4628,7 +4607,7 @@
           <p:cNvPr id="7" name="Holder 4">
             <a:extLst>
               <a:ext uri="{FF2B5EF4-FFF2-40B4-BE49-F238E27FC236}">
-                <a16:creationId xmlns:a16="http://schemas.microsoft.com/office/drawing/2014/main" xmlns="" id="{1B191B0D-CA30-4F3D-8FCE-22E3D134FBF2}"/>
+                <a16:creationId xmlns:a16="http://schemas.microsoft.com/office/drawing/2014/main" id="{1B191B0D-CA30-4F3D-8FCE-22E3D134FBF2}"/>
               </a:ext>
             </a:extLst>
           </p:cNvPr>
@@ -4700,7 +4679,7 @@
           <p:cNvPr id="8" name="TextBox 4">
             <a:extLst>
               <a:ext uri="{FF2B5EF4-FFF2-40B4-BE49-F238E27FC236}">
-                <a16:creationId xmlns:a16="http://schemas.microsoft.com/office/drawing/2014/main" xmlns="" id="{065F3292-7E92-40EC-866E-132DF794CA17}"/>
+                <a16:creationId xmlns:a16="http://schemas.microsoft.com/office/drawing/2014/main" id="{065F3292-7E92-40EC-866E-132DF794CA17}"/>
               </a:ext>
             </a:extLst>
           </p:cNvPr>
@@ -4764,7 +4743,7 @@
               <a:t>Interacting features: </a:t>
             </a:r>
             <a:r>
-              <a:rPr lang="en-GB" sz="1600" dirty="0" err="1" smtClean="0">
+              <a:rPr lang="en-GB" sz="1600" dirty="0" err="1">
                 <a:solidFill>
                   <a:srgbClr val="575756"/>
                 </a:solidFill>
@@ -4773,49 +4752,22 @@
               <a:t>Dis</a:t>
             </a:r>
             <a:r>
-              <a:rPr lang="en-US" sz="1600" dirty="0" smtClean="0">
+              <a:rPr lang="en-US" sz="1600" dirty="0">
                 <a:solidFill>
                   <a:srgbClr val="575756"/>
                 </a:solidFill>
                 <a:latin typeface="DINPro"/>
               </a:rPr>
-              <a:t>aggregating </a:t>
-            </a:r>
-            <a:r>
-              <a:rPr lang="en-US" sz="1600" dirty="0">
+              <a:t>aggregating the global effect estimates of the partial dependence to local effect estimates </a:t>
+            </a:r>
+            <a:r>
+              <a:rPr lang="en-GB" sz="1600" dirty="0">
                 <a:solidFill>
                   <a:srgbClr val="575756"/>
                 </a:solidFill>
                 <a:latin typeface="DINPro"/>
               </a:rPr>
-              <a:t>the global effect estimates of the partial dependence to local effect </a:t>
-            </a:r>
-            <a:r>
-              <a:rPr lang="en-US" sz="1600" dirty="0" smtClean="0">
-                <a:solidFill>
-                  <a:srgbClr val="575756"/>
-                </a:solidFill>
-                <a:latin typeface="DINPro"/>
-              </a:rPr>
-              <a:t>estimates </a:t>
-            </a:r>
-            <a:r>
-              <a:rPr lang="en-GB" sz="1600" dirty="0" smtClean="0">
-                <a:solidFill>
-                  <a:srgbClr val="575756"/>
-                </a:solidFill>
-                <a:latin typeface="DINPro"/>
-              </a:rPr>
-              <a:t>for </a:t>
-            </a:r>
-            <a:r>
-              <a:rPr lang="en-GB" sz="1600" dirty="0">
-                <a:solidFill>
-                  <a:srgbClr val="575756"/>
-                </a:solidFill>
-                <a:latin typeface="DINPro"/>
-              </a:rPr>
-              <a:t>single observations </a:t>
+              <a:t>for single observations </a:t>
             </a:r>
             <a:r>
               <a:rPr lang="en-GB" sz="1600" dirty="0">
@@ -4953,7 +4905,7 @@
     </p:spTree>
     <p:extLst>
       <p:ext uri="{BB962C8B-B14F-4D97-AF65-F5344CB8AC3E}">
-        <p14:creationId xmlns:p14="http://schemas.microsoft.com/office/powerpoint/2010/main" xmlns="" val="823567650"/>
+        <p14:creationId xmlns:p14="http://schemas.microsoft.com/office/powerpoint/2010/main" val="823567650"/>
       </p:ext>
     </p:extLst>
   </p:cSld>
@@ -4963,13 +4915,6 @@
   <p:transition>
     <p:fade/>
   </p:transition>
-  <p:timing>
-    <p:tnLst>
-      <p:par>
-        <p:cTn id="1" dur="indefinite" restart="never" nodeType="tmRoot"/>
-      </p:par>
-    </p:tnLst>
-  </p:timing>
 </p:sld>
 </file>
 
@@ -5157,7 +5102,7 @@
           <p:cNvPr id="7" name="Holder 4">
             <a:extLst>
               <a:ext uri="{FF2B5EF4-FFF2-40B4-BE49-F238E27FC236}">
-                <a16:creationId xmlns:a16="http://schemas.microsoft.com/office/drawing/2014/main" xmlns="" id="{4C6B876A-C589-428A-9486-D6EC20189077}"/>
+                <a16:creationId xmlns:a16="http://schemas.microsoft.com/office/drawing/2014/main" id="{4C6B876A-C589-428A-9486-D6EC20189077}"/>
               </a:ext>
             </a:extLst>
           </p:cNvPr>
@@ -5227,7 +5172,7 @@
     </p:spTree>
     <p:extLst>
       <p:ext uri="{BB962C8B-B14F-4D97-AF65-F5344CB8AC3E}">
-        <p14:creationId xmlns:p14="http://schemas.microsoft.com/office/powerpoint/2010/main" xmlns="" val="1616967820"/>
+        <p14:creationId xmlns:p14="http://schemas.microsoft.com/office/powerpoint/2010/main" val="1616967820"/>
       </p:ext>
     </p:extLst>
   </p:cSld>
@@ -5237,13 +5182,6 @@
   <p:transition>
     <p:fade/>
   </p:transition>
-  <p:timing>
-    <p:tnLst>
-      <p:par>
-        <p:cTn id="1" dur="indefinite" restart="never" nodeType="tmRoot"/>
-      </p:par>
-    </p:tnLst>
-  </p:timing>
 </p:sld>
 </file>
 
@@ -5398,7 +5336,7 @@
           <p:cNvPr id="8" name="Holder 4">
             <a:extLst>
               <a:ext uri="{FF2B5EF4-FFF2-40B4-BE49-F238E27FC236}">
-                <a16:creationId xmlns:a16="http://schemas.microsoft.com/office/drawing/2014/main" xmlns="" id="{9E48CCCD-C5E7-419A-9896-997DBAE05D5B}"/>
+                <a16:creationId xmlns:a16="http://schemas.microsoft.com/office/drawing/2014/main" id="{9E48CCCD-C5E7-419A-9896-997DBAE05D5B}"/>
               </a:ext>
             </a:extLst>
           </p:cNvPr>
@@ -5468,7 +5406,7 @@
     </p:spTree>
     <p:extLst>
       <p:ext uri="{BB962C8B-B14F-4D97-AF65-F5344CB8AC3E}">
-        <p14:creationId xmlns:p14="http://schemas.microsoft.com/office/powerpoint/2010/main" xmlns="" val="3893991188"/>
+        <p14:creationId xmlns:p14="http://schemas.microsoft.com/office/powerpoint/2010/main" val="3893991188"/>
       </p:ext>
     </p:extLst>
   </p:cSld>
@@ -5478,13 +5416,6 @@
   <p:transition>
     <p:fade/>
   </p:transition>
-  <p:timing>
-    <p:tnLst>
-      <p:par>
-        <p:cTn id="1" dur="indefinite" restart="never" nodeType="tmRoot"/>
-      </p:par>
-    </p:tnLst>
-  </p:timing>
 </p:sld>
 </file>
 
@@ -5741,7 +5672,7 @@
           <p:cNvPr id="7" name="Holder 4">
             <a:extLst>
               <a:ext uri="{FF2B5EF4-FFF2-40B4-BE49-F238E27FC236}">
-                <a16:creationId xmlns:a16="http://schemas.microsoft.com/office/drawing/2014/main" xmlns="" id="{6D11A793-7F15-4E38-8B63-3316D295FA55}"/>
+                <a16:creationId xmlns:a16="http://schemas.microsoft.com/office/drawing/2014/main" id="{6D11A793-7F15-4E38-8B63-3316D295FA55}"/>
               </a:ext>
             </a:extLst>
           </p:cNvPr>
@@ -5868,7 +5799,7 @@
     </p:spTree>
     <p:extLst>
       <p:ext uri="{BB962C8B-B14F-4D97-AF65-F5344CB8AC3E}">
-        <p14:creationId xmlns:p14="http://schemas.microsoft.com/office/powerpoint/2010/main" xmlns="" val="1684766004"/>
+        <p14:creationId xmlns:p14="http://schemas.microsoft.com/office/powerpoint/2010/main" val="1684766004"/>
       </p:ext>
     </p:extLst>
   </p:cSld>
@@ -5878,13 +5809,6 @@
   <p:transition>
     <p:fade/>
   </p:transition>
-  <p:timing>
-    <p:tnLst>
-      <p:par>
-        <p:cTn id="1" dur="indefinite" restart="never" nodeType="tmRoot"/>
-      </p:par>
-    </p:tnLst>
-  </p:timing>
 </p:sld>
 </file>
 
@@ -5992,7 +5916,7 @@
           <p:cNvPr id="7" name="Holder 4">
             <a:extLst>
               <a:ext uri="{FF2B5EF4-FFF2-40B4-BE49-F238E27FC236}">
-                <a16:creationId xmlns:a16="http://schemas.microsoft.com/office/drawing/2014/main" xmlns="" id="{6D11A793-7F15-4E38-8B63-3316D295FA55}"/>
+                <a16:creationId xmlns:a16="http://schemas.microsoft.com/office/drawing/2014/main" id="{6D11A793-7F15-4E38-8B63-3316D295FA55}"/>
               </a:ext>
             </a:extLst>
           </p:cNvPr>
@@ -6121,7 +6045,7 @@
           <p:cNvPr id="5" name="Content Placeholder 4">
             <a:extLst>
               <a:ext uri="{FF2B5EF4-FFF2-40B4-BE49-F238E27FC236}">
-                <a16:creationId xmlns:a16="http://schemas.microsoft.com/office/drawing/2014/main" xmlns="" id="{4D4614DC-9848-4D9C-B08C-3952D842E291}"/>
+                <a16:creationId xmlns:a16="http://schemas.microsoft.com/office/drawing/2014/main" id="{4D4614DC-9848-4D9C-B08C-3952D842E291}"/>
               </a:ext>
             </a:extLst>
           </p:cNvPr>
@@ -6154,7 +6078,7 @@
           <p:cNvPr id="6" name="Picture 5">
             <a:extLst>
               <a:ext uri="{FF2B5EF4-FFF2-40B4-BE49-F238E27FC236}">
-                <a16:creationId xmlns:a16="http://schemas.microsoft.com/office/drawing/2014/main" xmlns="" id="{B69EE6BA-271C-4127-97F5-A5620869D988}"/>
+                <a16:creationId xmlns:a16="http://schemas.microsoft.com/office/drawing/2014/main" id="{B69EE6BA-271C-4127-97F5-A5620869D988}"/>
               </a:ext>
             </a:extLst>
           </p:cNvPr>
@@ -6184,7 +6108,7 @@
           <p:cNvPr id="10" name="Arrow: Right 9">
             <a:extLst>
               <a:ext uri="{FF2B5EF4-FFF2-40B4-BE49-F238E27FC236}">
-                <a16:creationId xmlns:a16="http://schemas.microsoft.com/office/drawing/2014/main" xmlns="" id="{07E8D168-23A7-44CC-8A08-1951FEE20A04}"/>
+                <a16:creationId xmlns:a16="http://schemas.microsoft.com/office/drawing/2014/main" id="{07E8D168-23A7-44CC-8A08-1951FEE20A04}"/>
               </a:ext>
             </a:extLst>
           </p:cNvPr>
@@ -6230,7 +6154,7 @@
           <p:cNvPr id="14" name="Rectangle 13">
             <a:extLst>
               <a:ext uri="{FF2B5EF4-FFF2-40B4-BE49-F238E27FC236}">
-                <a16:creationId xmlns:a16="http://schemas.microsoft.com/office/drawing/2014/main" xmlns="" id="{214011B9-B35B-4B24-9F5B-CD135B1A6C46}"/>
+                <a16:creationId xmlns:a16="http://schemas.microsoft.com/office/drawing/2014/main" id="{214011B9-B35B-4B24-9F5B-CD135B1A6C46}"/>
               </a:ext>
             </a:extLst>
           </p:cNvPr>
@@ -6361,7 +6285,7 @@
     </p:spTree>
     <p:extLst>
       <p:ext uri="{BB962C8B-B14F-4D97-AF65-F5344CB8AC3E}">
-        <p14:creationId xmlns:p14="http://schemas.microsoft.com/office/powerpoint/2010/main" xmlns="" val="2570867716"/>
+        <p14:creationId xmlns:p14="http://schemas.microsoft.com/office/powerpoint/2010/main" val="2570867716"/>
       </p:ext>
     </p:extLst>
   </p:cSld>
@@ -6371,13 +6295,6 @@
   <p:transition>
     <p:fade/>
   </p:transition>
-  <p:timing>
-    <p:tnLst>
-      <p:par>
-        <p:cTn id="1" dur="indefinite" restart="never" nodeType="tmRoot"/>
-      </p:par>
-    </p:tnLst>
-  </p:timing>
 </p:sld>
 </file>
 
@@ -6481,7 +6398,7 @@
           <p:cNvPr id="7" name="Holder 4">
             <a:extLst>
               <a:ext uri="{FF2B5EF4-FFF2-40B4-BE49-F238E27FC236}">
-                <a16:creationId xmlns:a16="http://schemas.microsoft.com/office/drawing/2014/main" xmlns="" id="{6D11A793-7F15-4E38-8B63-3316D295FA55}"/>
+                <a16:creationId xmlns:a16="http://schemas.microsoft.com/office/drawing/2014/main" id="{6D11A793-7F15-4E38-8B63-3316D295FA55}"/>
               </a:ext>
             </a:extLst>
           </p:cNvPr>
@@ -6610,7 +6527,7 @@
           <p:cNvPr id="4" name="Picture 3">
             <a:extLst>
               <a:ext uri="{FF2B5EF4-FFF2-40B4-BE49-F238E27FC236}">
-                <a16:creationId xmlns:a16="http://schemas.microsoft.com/office/drawing/2014/main" xmlns="" id="{EC4B86F9-014A-4698-A747-1F8CF42ED7EB}"/>
+                <a16:creationId xmlns:a16="http://schemas.microsoft.com/office/drawing/2014/main" id="{EC4B86F9-014A-4698-A747-1F8CF42ED7EB}"/>
               </a:ext>
             </a:extLst>
           </p:cNvPr>
@@ -6640,7 +6557,7 @@
           <p:cNvPr id="8" name="Picture 7">
             <a:extLst>
               <a:ext uri="{FF2B5EF4-FFF2-40B4-BE49-F238E27FC236}">
-                <a16:creationId xmlns:a16="http://schemas.microsoft.com/office/drawing/2014/main" xmlns="" id="{36F61EDC-1102-41E7-9E41-5BB3EBF69696}"/>
+                <a16:creationId xmlns:a16="http://schemas.microsoft.com/office/drawing/2014/main" id="{36F61EDC-1102-41E7-9E41-5BB3EBF69696}"/>
               </a:ext>
             </a:extLst>
           </p:cNvPr>
@@ -6670,7 +6587,7 @@
           <p:cNvPr id="9" name="Arrow: Right 8">
             <a:extLst>
               <a:ext uri="{FF2B5EF4-FFF2-40B4-BE49-F238E27FC236}">
-                <a16:creationId xmlns:a16="http://schemas.microsoft.com/office/drawing/2014/main" xmlns="" id="{4F24E544-A263-4410-9578-9030FC3FD3EB}"/>
+                <a16:creationId xmlns:a16="http://schemas.microsoft.com/office/drawing/2014/main" id="{4F24E544-A263-4410-9578-9030FC3FD3EB}"/>
               </a:ext>
             </a:extLst>
           </p:cNvPr>
@@ -6714,7 +6631,7 @@
     </p:spTree>
     <p:extLst>
       <p:ext uri="{BB962C8B-B14F-4D97-AF65-F5344CB8AC3E}">
-        <p14:creationId xmlns:p14="http://schemas.microsoft.com/office/powerpoint/2010/main" xmlns="" val="2650204975"/>
+        <p14:creationId xmlns:p14="http://schemas.microsoft.com/office/powerpoint/2010/main" val="2650204975"/>
       </p:ext>
     </p:extLst>
   </p:cSld>
@@ -6724,13 +6641,6 @@
   <p:transition>
     <p:fade/>
   </p:transition>
-  <p:timing>
-    <p:tnLst>
-      <p:par>
-        <p:cTn id="1" dur="indefinite" restart="never" nodeType="tmRoot"/>
-      </p:par>
-    </p:tnLst>
-  </p:timing>
 </p:sld>
 </file>
 
@@ -6838,7 +6748,7 @@
           <p:cNvPr id="7" name="Holder 4">
             <a:extLst>
               <a:ext uri="{FF2B5EF4-FFF2-40B4-BE49-F238E27FC236}">
-                <a16:creationId xmlns:a16="http://schemas.microsoft.com/office/drawing/2014/main" xmlns="" id="{6D11A793-7F15-4E38-8B63-3316D295FA55}"/>
+                <a16:creationId xmlns:a16="http://schemas.microsoft.com/office/drawing/2014/main" id="{6D11A793-7F15-4E38-8B63-3316D295FA55}"/>
               </a:ext>
             </a:extLst>
           </p:cNvPr>
@@ -6963,7 +6873,7 @@
         </p:txBody>
       </p:sp>
       <mc:AlternateContent xmlns:mc="http://schemas.openxmlformats.org/markup-compatibility/2006">
-        <mc:Choice xmlns:a14="http://schemas.microsoft.com/office/drawing/2010/main" xmlns="" Requires="a14">
+        <mc:Choice xmlns:a14="http://schemas.microsoft.com/office/drawing/2010/main" Requires="a14">
           <p:sp>
             <p:nvSpPr>
               <p:cNvPr id="14" name="Inhaltsplatzhalter 11">
@@ -6983,7 +6893,7 @@
             <p:spPr>
               <a:xfrm>
                 <a:off x="636855" y="1398525"/>
-                <a:ext cx="7623280" cy="3609963"/>
+                <a:ext cx="7623280" cy="3954352"/>
               </a:xfrm>
             </p:spPr>
             <p:txBody>
@@ -9107,7 +9017,27 @@
                     <a:latin typeface="DINPro"/>
                     <a:cs typeface="DINPro"/>
                   </a:rPr>
-                  <a:t> that 	occur in the training sample</a:t>
+                  <a:t> </a:t>
+                </a:r>
+                <a:r>
+                  <a:rPr lang="en-US" sz="1600">
+                    <a:solidFill>
+                      <a:srgbClr val="575756"/>
+                    </a:solidFill>
+                    <a:latin typeface="DINPro"/>
+                    <a:cs typeface="DINPro"/>
+                  </a:rPr>
+                  <a:t>that occur </a:t>
+                </a:r>
+                <a:r>
+                  <a:rPr lang="en-US" sz="1600" dirty="0">
+                    <a:solidFill>
+                      <a:srgbClr val="575756"/>
+                    </a:solidFill>
+                    <a:latin typeface="DINPro"/>
+                    <a:cs typeface="DINPro"/>
+                  </a:rPr>
+                  <a:t>in the training sample</a:t>
                 </a:r>
               </a:p>
               <a:p>
@@ -9157,7 +9087,7 @@
               <p:cNvPr id="14" name="Inhaltsplatzhalter 11">
                 <a:extLst>
                   <a:ext uri="{FF2B5EF4-FFF2-40B4-BE49-F238E27FC236}">
-                    <a16:creationId xmlns="" xmlns:a16="http://schemas.microsoft.com/office/drawing/2014/main" xmlns:a14="http://schemas.microsoft.com/office/drawing/2010/main" id="{23A184DC-A4A0-4335-AD33-44ED6F8EEA53}"/>
+                    <a16:creationId xmlns:a16="http://schemas.microsoft.com/office/drawing/2014/main" id="{23A184DC-A4A0-4335-AD33-44ED6F8EEA53}"/>
                   </a:ext>
                 </a:extLst>
               </p:cNvPr>
@@ -9171,12 +9101,12 @@
             <p:spPr>
               <a:xfrm>
                 <a:off x="636855" y="1398525"/>
-                <a:ext cx="7623280" cy="3609963"/>
+                <a:ext cx="7623280" cy="3954352"/>
               </a:xfrm>
               <a:blipFill>
                 <a:blip r:embed="rId3"/>
                 <a:stretch>
-                  <a:fillRect l="-1839" t="-2192" r="-1199"/>
+                  <a:fillRect l="-1839" t="-2003" r="-1918"/>
                 </a:stretch>
               </a:blipFill>
             </p:spPr>
@@ -9198,7 +9128,7 @@
     </p:spTree>
     <p:extLst>
       <p:ext uri="{BB962C8B-B14F-4D97-AF65-F5344CB8AC3E}">
-        <p14:creationId xmlns:p14="http://schemas.microsoft.com/office/powerpoint/2010/main" xmlns="" val="1248759268"/>
+        <p14:creationId xmlns:p14="http://schemas.microsoft.com/office/powerpoint/2010/main" val="1248759268"/>
       </p:ext>
     </p:extLst>
   </p:cSld>
@@ -9208,13 +9138,6 @@
   <p:transition>
     <p:fade/>
   </p:transition>
-  <p:timing>
-    <p:tnLst>
-      <p:par>
-        <p:cTn id="1" dur="indefinite" restart="never" nodeType="tmRoot"/>
-      </p:par>
-    </p:tnLst>
-  </p:timing>
 </p:sld>
 </file>
 
@@ -9323,7 +9246,7 @@
           <p:cNvPr id="7" name="Holder 4">
             <a:extLst>
               <a:ext uri="{FF2B5EF4-FFF2-40B4-BE49-F238E27FC236}">
-                <a16:creationId xmlns:a16="http://schemas.microsoft.com/office/drawing/2014/main" xmlns="" id="{6D11A793-7F15-4E38-8B63-3316D295FA55}"/>
+                <a16:creationId xmlns:a16="http://schemas.microsoft.com/office/drawing/2014/main" id="{6D11A793-7F15-4E38-8B63-3316D295FA55}"/>
               </a:ext>
             </a:extLst>
           </p:cNvPr>
@@ -9447,8 +9370,8 @@
           </a:p>
         </p:txBody>
       </p:sp>
-      <mc:AlternateContent xmlns:mc="http://schemas.openxmlformats.org/markup-compatibility/2006">
-        <mc:Choice xmlns:a14="http://schemas.microsoft.com/office/drawing/2010/main" xmlns="" Requires="a14">
+      <mc:AlternateContent xmlns:mc="http://schemas.openxmlformats.org/markup-compatibility/2006" xmlns:a14="http://schemas.microsoft.com/office/drawing/2010/main">
+        <mc:Choice Requires="a14">
           <p:sp>
             <p:nvSpPr>
               <p:cNvPr id="14" name="Inhaltsplatzhalter 11">
@@ -10310,7 +10233,7 @@
             </p:txBody>
           </p:sp>
         </mc:Choice>
-        <mc:Fallback>
+        <mc:Fallback xmlns="">
           <p:sp>
             <p:nvSpPr>
               <p:cNvPr id="14" name="Inhaltsplatzhalter 11">
@@ -10357,7 +10280,7 @@
     </p:spTree>
     <p:extLst>
       <p:ext uri="{BB962C8B-B14F-4D97-AF65-F5344CB8AC3E}">
-        <p14:creationId xmlns:p14="http://schemas.microsoft.com/office/powerpoint/2010/main" xmlns="" val="2770350162"/>
+        <p14:creationId xmlns:p14="http://schemas.microsoft.com/office/powerpoint/2010/main" val="2770350162"/>
       </p:ext>
     </p:extLst>
   </p:cSld>
@@ -10367,13 +10290,6 @@
   <p:transition>
     <p:fade/>
   </p:transition>
-  <p:timing>
-    <p:tnLst>
-      <p:par>
-        <p:cTn id="1" dur="indefinite" restart="never" nodeType="tmRoot"/>
-      </p:par>
-    </p:tnLst>
-  </p:timing>
 </p:sld>
 </file>
 
@@ -10477,7 +10393,7 @@
           <p:cNvPr id="7" name="Holder 4">
             <a:extLst>
               <a:ext uri="{FF2B5EF4-FFF2-40B4-BE49-F238E27FC236}">
-                <a16:creationId xmlns:a16="http://schemas.microsoft.com/office/drawing/2014/main" xmlns="" id="{6D11A793-7F15-4E38-8B63-3316D295FA55}"/>
+                <a16:creationId xmlns:a16="http://schemas.microsoft.com/office/drawing/2014/main" id="{6D11A793-7F15-4E38-8B63-3316D295FA55}"/>
               </a:ext>
             </a:extLst>
           </p:cNvPr>
@@ -10606,7 +10522,7 @@
           <p:cNvPr id="2" name="Content Placeholder 1">
             <a:extLst>
               <a:ext uri="{FF2B5EF4-FFF2-40B4-BE49-F238E27FC236}">
-                <a16:creationId xmlns:a16="http://schemas.microsoft.com/office/drawing/2014/main" xmlns="" id="{A0018CCD-7D60-45CE-B465-A0C7B3BAFCDD}"/>
+                <a16:creationId xmlns:a16="http://schemas.microsoft.com/office/drawing/2014/main" id="{A0018CCD-7D60-45CE-B465-A0C7B3BAFCDD}"/>
               </a:ext>
             </a:extLst>
           </p:cNvPr>
@@ -10638,7 +10554,7 @@
           <p:cNvPr id="3" name="Picture 2">
             <a:extLst>
               <a:ext uri="{FF2B5EF4-FFF2-40B4-BE49-F238E27FC236}">
-                <a16:creationId xmlns:a16="http://schemas.microsoft.com/office/drawing/2014/main" xmlns="" id="{288DAC61-5656-4D3A-B470-E5453ECCB4AE}"/>
+                <a16:creationId xmlns:a16="http://schemas.microsoft.com/office/drawing/2014/main" id="{288DAC61-5656-4D3A-B470-E5453ECCB4AE}"/>
               </a:ext>
             </a:extLst>
           </p:cNvPr>
@@ -10668,7 +10584,7 @@
           <p:cNvPr id="4" name="Arrow: Right 3">
             <a:extLst>
               <a:ext uri="{FF2B5EF4-FFF2-40B4-BE49-F238E27FC236}">
-                <a16:creationId xmlns:a16="http://schemas.microsoft.com/office/drawing/2014/main" xmlns="" id="{AB55108D-47F3-4D22-88B8-A91940A3B7BF}"/>
+                <a16:creationId xmlns:a16="http://schemas.microsoft.com/office/drawing/2014/main" id="{AB55108D-47F3-4D22-88B8-A91940A3B7BF}"/>
               </a:ext>
             </a:extLst>
           </p:cNvPr>
@@ -10714,7 +10630,7 @@
           <p:cNvPr id="5" name="TextBox 4">
             <a:extLst>
               <a:ext uri="{FF2B5EF4-FFF2-40B4-BE49-F238E27FC236}">
-                <a16:creationId xmlns:a16="http://schemas.microsoft.com/office/drawing/2014/main" xmlns="" id="{065F3292-7E92-40EC-866E-132DF794CA17}"/>
+                <a16:creationId xmlns:a16="http://schemas.microsoft.com/office/drawing/2014/main" id="{065F3292-7E92-40EC-866E-132DF794CA17}"/>
               </a:ext>
             </a:extLst>
           </p:cNvPr>
@@ -10724,7 +10640,7 @@
         <p:spPr>
           <a:xfrm>
             <a:off x="703571" y="1429010"/>
-            <a:ext cx="7690921" cy="1646605"/>
+            <a:ext cx="7690921" cy="1369606"/>
           </a:xfrm>
           <a:prstGeom prst="rect">
             <a:avLst/>
@@ -10760,7 +10676,7 @@
                 </a:solidFill>
                 <a:latin typeface="DINPro"/>
               </a:rPr>
-              <a:t>Combine every unique value of factor A with all combinations of the other factors</a:t>
+              <a:t>Combine every unique value of factor A with combinations of the other factors</a:t>
             </a:r>
           </a:p>
           <a:p>
@@ -10790,7 +10706,7 @@
                 </a:solidFill>
                 <a:latin typeface="DINPro"/>
               </a:rPr>
-              <a:t>Calculate the mean for every unique value of A</a:t>
+              <a:t>Calculate the mean of the predicted response for every unique value of A</a:t>
             </a:r>
           </a:p>
           <a:p>
@@ -10802,7 +10718,7 @@
     </p:spTree>
     <p:extLst>
       <p:ext uri="{BB962C8B-B14F-4D97-AF65-F5344CB8AC3E}">
-        <p14:creationId xmlns:p14="http://schemas.microsoft.com/office/powerpoint/2010/main" xmlns="" val="3357797379"/>
+        <p14:creationId xmlns:p14="http://schemas.microsoft.com/office/powerpoint/2010/main" val="3357797379"/>
       </p:ext>
     </p:extLst>
   </p:cSld>
@@ -10812,13 +10728,6 @@
   <p:transition>
     <p:fade/>
   </p:transition>
-  <p:timing>
-    <p:tnLst>
-      <p:par>
-        <p:cTn id="1" dur="indefinite" restart="never" nodeType="tmRoot"/>
-      </p:par>
-    </p:tnLst>
-  </p:timing>
 </p:sld>
 </file>
 
@@ -10922,7 +10831,7 @@
           <p:cNvPr id="7" name="Holder 4">
             <a:extLst>
               <a:ext uri="{FF2B5EF4-FFF2-40B4-BE49-F238E27FC236}">
-                <a16:creationId xmlns:a16="http://schemas.microsoft.com/office/drawing/2014/main" xmlns="" id="{6D11A793-7F15-4E38-8B63-3316D295FA55}"/>
+                <a16:creationId xmlns:a16="http://schemas.microsoft.com/office/drawing/2014/main" id="{6D11A793-7F15-4E38-8B63-3316D295FA55}"/>
               </a:ext>
             </a:extLst>
           </p:cNvPr>
@@ -11051,7 +10960,7 @@
           <p:cNvPr id="14" name="Table 13">
             <a:extLst>
               <a:ext uri="{FF2B5EF4-FFF2-40B4-BE49-F238E27FC236}">
-                <a16:creationId xmlns:a16="http://schemas.microsoft.com/office/drawing/2014/main" xmlns="" id="{1A7781A9-C69E-404D-80D1-F7D372C117C7}"/>
+                <a16:creationId xmlns:a16="http://schemas.microsoft.com/office/drawing/2014/main" id="{1A7781A9-C69E-404D-80D1-F7D372C117C7}"/>
               </a:ext>
             </a:extLst>
           </p:cNvPr>
@@ -11061,14 +10970,14 @@
           <p:nvPr>
             <p:extLst>
               <p:ext uri="{D42A27DB-BD31-4B8C-83A1-F6EECF244321}">
-                <p14:modId xmlns:p14="http://schemas.microsoft.com/office/powerpoint/2010/main" xmlns="" val="380628098"/>
+                <p14:modId xmlns:p14="http://schemas.microsoft.com/office/powerpoint/2010/main" val="380628098"/>
               </p:ext>
             </p:extLst>
           </p:nvPr>
         </p:nvGraphicFramePr>
         <p:xfrm>
           <a:off x="714348" y="1357304"/>
-          <a:ext cx="7638901" cy="3418840"/>
+          <a:ext cx="7638901" cy="3175000"/>
         </p:xfrm>
         <a:graphic>
           <a:graphicData uri="http://schemas.openxmlformats.org/drawingml/2006/table">
@@ -11080,14 +10989,14 @@
                 <a:gridCol w="3836346">
                   <a:extLst>
                     <a:ext uri="{9D8B030D-6E8A-4147-A177-3AD203B41FA5}">
-                      <a16:colId xmlns:a16="http://schemas.microsoft.com/office/drawing/2014/main" xmlns="" val="1280365671"/>
+                      <a16:colId xmlns:a16="http://schemas.microsoft.com/office/drawing/2014/main" val="1280365671"/>
                     </a:ext>
                   </a:extLst>
                 </a:gridCol>
                 <a:gridCol w="3802555">
                   <a:extLst>
                     <a:ext uri="{9D8B030D-6E8A-4147-A177-3AD203B41FA5}">
-                      <a16:colId xmlns:a16="http://schemas.microsoft.com/office/drawing/2014/main" xmlns="" val="2383897337"/>
+                      <a16:colId xmlns:a16="http://schemas.microsoft.com/office/drawing/2014/main" val="2383897337"/>
                     </a:ext>
                   </a:extLst>
                 </a:gridCol>
@@ -11135,7 +11044,7 @@
                 </a:tc>
                 <a:extLst>
                   <a:ext uri="{0D108BD9-81ED-4DB2-BD59-A6C34878D82A}">
-                    <a16:rowId xmlns:a16="http://schemas.microsoft.com/office/drawing/2014/main" xmlns="" val="1261277040"/>
+                    <a16:rowId xmlns:a16="http://schemas.microsoft.com/office/drawing/2014/main" val="1261277040"/>
                   </a:ext>
                 </a:extLst>
               </a:tr>
@@ -11220,7 +11129,7 @@
                 </a:tc>
                 <a:extLst>
                   <a:ext uri="{0D108BD9-81ED-4DB2-BD59-A6C34878D82A}">
-                    <a16:rowId xmlns:a16="http://schemas.microsoft.com/office/drawing/2014/main" xmlns="" val="1304633785"/>
+                    <a16:rowId xmlns:a16="http://schemas.microsoft.com/office/drawing/2014/main" val="1304633785"/>
                   </a:ext>
                 </a:extLst>
               </a:tr>
@@ -11327,7 +11236,7 @@
                 </a:tc>
                 <a:extLst>
                   <a:ext uri="{0D108BD9-81ED-4DB2-BD59-A6C34878D82A}">
-                    <a16:rowId xmlns:a16="http://schemas.microsoft.com/office/drawing/2014/main" xmlns="" val="4195576678"/>
+                    <a16:rowId xmlns:a16="http://schemas.microsoft.com/office/drawing/2014/main" val="4195576678"/>
                   </a:ext>
                 </a:extLst>
               </a:tr>
@@ -11382,7 +11291,7 @@
                 </a:tc>
                 <a:extLst>
                   <a:ext uri="{0D108BD9-81ED-4DB2-BD59-A6C34878D82A}">
-                    <a16:rowId xmlns:a16="http://schemas.microsoft.com/office/drawing/2014/main" xmlns="" val="2594535744"/>
+                    <a16:rowId xmlns:a16="http://schemas.microsoft.com/office/drawing/2014/main" val="2594535744"/>
                   </a:ext>
                 </a:extLst>
               </a:tr>
@@ -11445,7 +11354,7 @@
                 </a:tc>
                 <a:extLst>
                   <a:ext uri="{0D108BD9-81ED-4DB2-BD59-A6C34878D82A}">
-                    <a16:rowId xmlns:a16="http://schemas.microsoft.com/office/drawing/2014/main" xmlns="" val="2596838169"/>
+                    <a16:rowId xmlns:a16="http://schemas.microsoft.com/office/drawing/2014/main" val="2596838169"/>
                   </a:ext>
                 </a:extLst>
               </a:tr>
@@ -11456,7 +11365,7 @@
     </p:spTree>
     <p:extLst>
       <p:ext uri="{BB962C8B-B14F-4D97-AF65-F5344CB8AC3E}">
-        <p14:creationId xmlns:p14="http://schemas.microsoft.com/office/powerpoint/2010/main" xmlns="" val="1654057680"/>
+        <p14:creationId xmlns:p14="http://schemas.microsoft.com/office/powerpoint/2010/main" val="1654057680"/>
       </p:ext>
     </p:extLst>
   </p:cSld>
@@ -11466,13 +11375,6 @@
   <p:transition>
     <p:fade/>
   </p:transition>
-  <p:timing>
-    <p:tnLst>
-      <p:par>
-        <p:cTn id="1" dur="indefinite" restart="never" nodeType="tmRoot"/>
-      </p:par>
-    </p:tnLst>
-  </p:timing>
 </p:sld>
 </file>
 
